--- a/计算机组成/复习ppt/[x] 1 基础知识.pptx
+++ b/计算机组成/复习ppt/[x] 1 基础知识.pptx
@@ -7,26 +7,22 @@
     <p:sldMasterId id="2147483806" r:id="rId3"/>
   </p:sldMasterIdLst>
   <p:notesMasterIdLst>
-    <p:notesMasterId r:id="rId18"/>
+    <p:notesMasterId r:id="rId14"/>
   </p:notesMasterIdLst>
   <p:handoutMasterIdLst>
-    <p:handoutMasterId r:id="rId19"/>
+    <p:handoutMasterId r:id="rId15"/>
   </p:handoutMasterIdLst>
   <p:sldIdLst>
     <p:sldId id="343" r:id="rId4"/>
-    <p:sldId id="683" r:id="rId5"/>
-    <p:sldId id="535" r:id="rId6"/>
-    <p:sldId id="686" r:id="rId7"/>
-    <p:sldId id="687" r:id="rId8"/>
-    <p:sldId id="695" r:id="rId9"/>
-    <p:sldId id="641" r:id="rId10"/>
-    <p:sldId id="655" r:id="rId11"/>
-    <p:sldId id="656" r:id="rId12"/>
-    <p:sldId id="660" r:id="rId13"/>
-    <p:sldId id="714" r:id="rId14"/>
-    <p:sldId id="718" r:id="rId15"/>
-    <p:sldId id="719" r:id="rId16"/>
-    <p:sldId id="596" r:id="rId17"/>
+    <p:sldId id="687" r:id="rId5"/>
+    <p:sldId id="695" r:id="rId6"/>
+    <p:sldId id="655" r:id="rId7"/>
+    <p:sldId id="656" r:id="rId8"/>
+    <p:sldId id="660" r:id="rId9"/>
+    <p:sldId id="714" r:id="rId10"/>
+    <p:sldId id="718" r:id="rId11"/>
+    <p:sldId id="719" r:id="rId12"/>
+    <p:sldId id="596" r:id="rId13"/>
   </p:sldIdLst>
   <p:sldSz cx="12192000" cy="6858000"/>
   <p:notesSz cx="7104063" cy="10234613"/>
@@ -890,265 +886,6 @@
       </p:grpSpPr>
       <p:sp>
         <p:nvSpPr>
-          <p:cNvPr id="2" name="幻灯片图像占位符 1"/>
-          <p:cNvSpPr>
-            <a:spLocks noGrp="1" noRot="1" noChangeAspect="1"/>
-          </p:cNvSpPr>
-          <p:nvPr>
-            <p:ph type="sldImg"/>
-          </p:nvPr>
-        </p:nvSpPr>
-        <p:spPr/>
-      </p:sp>
-      <p:sp>
-        <p:nvSpPr>
-          <p:cNvPr id="3" name="备注占位符 2"/>
-          <p:cNvSpPr>
-            <a:spLocks noGrp="1"/>
-          </p:cNvSpPr>
-          <p:nvPr>
-            <p:ph type="body" idx="1"/>
-          </p:nvPr>
-        </p:nvSpPr>
-        <p:spPr/>
-        <p:txBody>
-          <a:bodyPr/>
-          <a:lstStyle/>
-          <a:p>
-            <a:endParaRPr lang="zh-CN" altLang="en-US" dirty="0"/>
-          </a:p>
-        </p:txBody>
-      </p:sp>
-      <p:sp>
-        <p:nvSpPr>
-          <p:cNvPr id="4" name="页眉占位符 3"/>
-          <p:cNvSpPr>
-            <a:spLocks noGrp="1"/>
-          </p:cNvSpPr>
-          <p:nvPr>
-            <p:ph type="hdr" sz="quarter"/>
-          </p:nvPr>
-        </p:nvSpPr>
-        <p:spPr/>
-        <p:txBody>
-          <a:bodyPr/>
-          <a:lstStyle/>
-          <a:p>
-            <a:pPr>
-              <a:defRPr/>
-            </a:pPr>
-            <a:r>
-              <a:rPr lang="en-US" altLang="zh-CN"/>
-              <a:t>1.1    Introduction</a:t>
-            </a:r>
-          </a:p>
-        </p:txBody>
-      </p:sp>
-      <p:sp>
-        <p:nvSpPr>
-          <p:cNvPr id="5" name="灯片编号占位符 4"/>
-          <p:cNvSpPr>
-            <a:spLocks noGrp="1"/>
-          </p:cNvSpPr>
-          <p:nvPr>
-            <p:ph type="sldNum" sz="quarter" idx="5"/>
-          </p:nvPr>
-        </p:nvSpPr>
-        <p:spPr/>
-        <p:txBody>
-          <a:bodyPr/>
-          <a:lstStyle/>
-          <a:p>
-            <a:pPr>
-              <a:defRPr/>
-            </a:pPr>
-            <a:fld id="{3D9E8E0B-98C7-4012-8C85-11AC2CE205AD}" type="slidenum">
-              <a:rPr lang="en-US" altLang="zh-CN" smtClean="0"/>
-              <a:pPr>
-                <a:defRPr/>
-              </a:pPr>
-              <a:t>2</a:t>
-            </a:fld>
-            <a:endParaRPr lang="en-US" altLang="zh-CN"/>
-          </a:p>
-        </p:txBody>
-      </p:sp>
-    </p:spTree>
-    <p:extLst>
-      <p:ext uri="{BB962C8B-B14F-4D97-AF65-F5344CB8AC3E}">
-        <p14:creationId xmlns:p14="http://schemas.microsoft.com/office/powerpoint/2010/main" val="3970644843"/>
-      </p:ext>
-    </p:extLst>
-  </p:cSld>
-  <p:clrMapOvr>
-    <a:masterClrMapping/>
-  </p:clrMapOvr>
-</p:notes>
-</file>
-
-<file path=ppt/notesSlides/notesSlide2.xml><?xml version="1.0" encoding="utf-8"?>
-<p:notes xmlns:a="http://schemas.openxmlformats.org/drawingml/2006/main" xmlns:r="http://schemas.openxmlformats.org/officeDocument/2006/relationships" xmlns:p="http://schemas.openxmlformats.org/presentationml/2006/main">
-  <p:cSld>
-    <p:spTree>
-      <p:nvGrpSpPr>
-        <p:cNvPr id="1" name=""/>
-        <p:cNvGrpSpPr/>
-        <p:nvPr/>
-      </p:nvGrpSpPr>
-      <p:grpSpPr>
-        <a:xfrm>
-          <a:off x="0" y="0"/>
-          <a:ext cx="0" cy="0"/>
-          <a:chOff x="0" y="0"/>
-          <a:chExt cx="0" cy="0"/>
-        </a:xfrm>
-      </p:grpSpPr>
-      <p:sp>
-        <p:nvSpPr>
-          <p:cNvPr id="2" name="幻灯片图像占位符 1"/>
-          <p:cNvSpPr>
-            <a:spLocks noGrp="1" noRot="1" noChangeAspect="1"/>
-          </p:cNvSpPr>
-          <p:nvPr>
-            <p:ph type="sldImg"/>
-          </p:nvPr>
-        </p:nvSpPr>
-        <p:spPr>
-          <a:xfrm>
-            <a:off x="381000" y="685800"/>
-            <a:ext cx="6096000" cy="3429000"/>
-          </a:xfrm>
-        </p:spPr>
-      </p:sp>
-      <p:sp>
-        <p:nvSpPr>
-          <p:cNvPr id="3" name="备注占位符 2"/>
-          <p:cNvSpPr>
-            <a:spLocks noGrp="1"/>
-          </p:cNvSpPr>
-          <p:nvPr>
-            <p:ph type="body" idx="1"/>
-          </p:nvPr>
-        </p:nvSpPr>
-        <p:spPr/>
-        <p:txBody>
-          <a:bodyPr/>
-          <a:lstStyle/>
-          <a:p>
-            <a:pPr marL="0" marR="0" lvl="0" indent="0" algn="l" defTabSz="914400" rtl="0" eaLnBrk="0" fontAlgn="base" latinLnBrk="0" hangingPunct="0">
-              <a:lnSpc>
-                <a:spcPct val="100000"/>
-              </a:lnSpc>
-              <a:spcBef>
-                <a:spcPct val="30000"/>
-              </a:spcBef>
-              <a:spcAft>
-                <a:spcPct val="0"/>
-              </a:spcAft>
-              <a:buClrTx/>
-              <a:buSzTx/>
-              <a:buFontTx/>
-              <a:buNone/>
-              <a:tabLst/>
-              <a:defRPr/>
-            </a:pPr>
-            <a:endParaRPr lang="en-US" altLang="zh-CN" sz="1200" b="1" kern="1200" dirty="0">
-              <a:solidFill>
-                <a:schemeClr val="tx1"/>
-              </a:solidFill>
-              <a:latin typeface="Arial" charset="0"/>
-              <a:ea typeface="宋体" pitchFamily="2" charset="-122"/>
-              <a:cs typeface="+mn-cs"/>
-            </a:endParaRPr>
-          </a:p>
-        </p:txBody>
-      </p:sp>
-      <p:sp>
-        <p:nvSpPr>
-          <p:cNvPr id="4" name="页眉占位符 3"/>
-          <p:cNvSpPr>
-            <a:spLocks noGrp="1"/>
-          </p:cNvSpPr>
-          <p:nvPr>
-            <p:ph type="hdr" sz="quarter"/>
-          </p:nvPr>
-        </p:nvSpPr>
-        <p:spPr/>
-        <p:txBody>
-          <a:bodyPr/>
-          <a:lstStyle/>
-          <a:p>
-            <a:pPr>
-              <a:defRPr/>
-            </a:pPr>
-            <a:r>
-              <a:rPr lang="en-US" altLang="zh-CN"/>
-              <a:t>1.1    Introduction</a:t>
-            </a:r>
-          </a:p>
-        </p:txBody>
-      </p:sp>
-      <p:sp>
-        <p:nvSpPr>
-          <p:cNvPr id="5" name="灯片编号占位符 4"/>
-          <p:cNvSpPr>
-            <a:spLocks noGrp="1"/>
-          </p:cNvSpPr>
-          <p:nvPr>
-            <p:ph type="sldNum" sz="quarter" idx="5"/>
-          </p:nvPr>
-        </p:nvSpPr>
-        <p:spPr/>
-        <p:txBody>
-          <a:bodyPr/>
-          <a:lstStyle/>
-          <a:p>
-            <a:pPr>
-              <a:defRPr/>
-            </a:pPr>
-            <a:fld id="{C1A85876-5778-412D-A66E-7C93DA5B0608}" type="slidenum">
-              <a:rPr lang="en-US" altLang="zh-CN" smtClean="0"/>
-              <a:pPr>
-                <a:defRPr/>
-              </a:pPr>
-              <a:t>3</a:t>
-            </a:fld>
-            <a:endParaRPr lang="en-US" altLang="zh-CN"/>
-          </a:p>
-        </p:txBody>
-      </p:sp>
-    </p:spTree>
-    <p:extLst>
-      <p:ext uri="{BB962C8B-B14F-4D97-AF65-F5344CB8AC3E}">
-        <p14:creationId xmlns:p14="http://schemas.microsoft.com/office/powerpoint/2010/main" val="1349042541"/>
-      </p:ext>
-    </p:extLst>
-  </p:cSld>
-  <p:clrMapOvr>
-    <a:masterClrMapping/>
-  </p:clrMapOvr>
-</p:notes>
-</file>
-
-<file path=ppt/notesSlides/notesSlide3.xml><?xml version="1.0" encoding="utf-8"?>
-<p:notes xmlns:a="http://schemas.openxmlformats.org/drawingml/2006/main" xmlns:r="http://schemas.openxmlformats.org/officeDocument/2006/relationships" xmlns:p="http://schemas.openxmlformats.org/presentationml/2006/main">
-  <p:cSld>
-    <p:spTree>
-      <p:nvGrpSpPr>
-        <p:cNvPr id="1" name=""/>
-        <p:cNvGrpSpPr/>
-        <p:nvPr/>
-      </p:nvGrpSpPr>
-      <p:grpSpPr>
-        <a:xfrm>
-          <a:off x="0" y="0"/>
-          <a:ext cx="0" cy="0"/>
-          <a:chOff x="0" y="0"/>
-          <a:chExt cx="0" cy="0"/>
-        </a:xfrm>
-      </p:grpSpPr>
-      <p:sp>
-        <p:nvSpPr>
           <p:cNvPr id="61442" name="Rectangle 2"/>
           <p:cNvSpPr>
             <a:spLocks noGrp="1" noChangeArrowheads="1"/>
@@ -1429,7 +1166,7 @@
                 <a:latin typeface="Times New Roman" panose="02020603050405020304" pitchFamily="18" charset="0"/>
               </a:rPr>
               <a:pPr/>
-              <a:t>March 18, 2024</a:t>
+              <a:t>May 11, 2024</a:t>
             </a:fld>
             <a:endParaRPr lang="en-US" altLang="en-US">
               <a:latin typeface="Times New Roman" panose="02020603050405020304" pitchFamily="18" charset="0"/>
@@ -1719,7 +1456,7 @@
                 <a:latin typeface="Times New Roman" panose="02020603050405020304" pitchFamily="18" charset="0"/>
               </a:rPr>
               <a:pPr/>
-              <a:t>11</a:t>
+              <a:t>7</a:t>
             </a:fld>
             <a:endParaRPr lang="en-US" altLang="en-US">
               <a:latin typeface="Times New Roman" panose="02020603050405020304" pitchFamily="18" charset="0"/>
@@ -1795,7 +1532,7 @@
 </p:notes>
 </file>
 
-<file path=ppt/notesSlides/notesSlide4.xml><?xml version="1.0" encoding="utf-8"?>
+<file path=ppt/notesSlides/notesSlide2.xml><?xml version="1.0" encoding="utf-8"?>
 <p:notes xmlns:a="http://schemas.openxmlformats.org/drawingml/2006/main" xmlns:r="http://schemas.openxmlformats.org/officeDocument/2006/relationships" xmlns:p="http://schemas.openxmlformats.org/presentationml/2006/main">
   <p:cSld>
     <p:spTree>
@@ -2094,7 +1831,7 @@
                 <a:latin typeface="Times New Roman" panose="02020603050405020304" pitchFamily="18" charset="0"/>
               </a:rPr>
               <a:pPr/>
-              <a:t>March 18, 2024</a:t>
+              <a:t>May 11, 2024</a:t>
             </a:fld>
             <a:endParaRPr lang="en-US" altLang="en-US">
               <a:latin typeface="Times New Roman" panose="02020603050405020304" pitchFamily="18" charset="0"/>
@@ -2384,7 +2121,7 @@
                 <a:latin typeface="Times New Roman" panose="02020603050405020304" pitchFamily="18" charset="0"/>
               </a:rPr>
               <a:pPr/>
-              <a:t>12</a:t>
+              <a:t>8</a:t>
             </a:fld>
             <a:endParaRPr lang="en-US" altLang="en-US">
               <a:latin typeface="Times New Roman" panose="02020603050405020304" pitchFamily="18" charset="0"/>
@@ -2460,7 +2197,7 @@
 </p:notes>
 </file>
 
-<file path=ppt/notesSlides/notesSlide5.xml><?xml version="1.0" encoding="utf-8"?>
+<file path=ppt/notesSlides/notesSlide3.xml><?xml version="1.0" encoding="utf-8"?>
 <p:notes xmlns:a="http://schemas.openxmlformats.org/drawingml/2006/main" xmlns:r="http://schemas.openxmlformats.org/officeDocument/2006/relationships" xmlns:p="http://schemas.openxmlformats.org/presentationml/2006/main">
   <p:cSld>
     <p:spTree>
@@ -2759,7 +2496,7 @@
                 <a:latin typeface="Times New Roman" panose="02020603050405020304" pitchFamily="18" charset="0"/>
               </a:rPr>
               <a:pPr/>
-              <a:t>March 18, 2024</a:t>
+              <a:t>May 11, 2024</a:t>
             </a:fld>
             <a:endParaRPr lang="en-US" altLang="en-US">
               <a:latin typeface="Times New Roman" panose="02020603050405020304" pitchFamily="18" charset="0"/>
@@ -3049,7 +2786,7 @@
                 <a:latin typeface="Times New Roman" panose="02020603050405020304" pitchFamily="18" charset="0"/>
               </a:rPr>
               <a:pPr/>
-              <a:t>13</a:t>
+              <a:t>9</a:t>
             </a:fld>
             <a:endParaRPr lang="en-US" altLang="en-US">
               <a:latin typeface="Times New Roman" panose="02020603050405020304" pitchFamily="18" charset="0"/>
@@ -3125,7 +2862,7 @@
 </p:notes>
 </file>
 
-<file path=ppt/notesSlides/notesSlide6.xml><?xml version="1.0" encoding="utf-8"?>
+<file path=ppt/notesSlides/notesSlide4.xml><?xml version="1.0" encoding="utf-8"?>
 <p:notes xmlns:a="http://schemas.openxmlformats.org/drawingml/2006/main" xmlns:r="http://schemas.openxmlformats.org/officeDocument/2006/relationships" xmlns:p="http://schemas.openxmlformats.org/presentationml/2006/main">
   <p:cSld>
     <p:spTree>
@@ -3235,7 +2972,7 @@
               <a:pPr>
                 <a:defRPr/>
               </a:pPr>
-              <a:t>14</a:t>
+              <a:t>10</a:t>
             </a:fld>
             <a:endParaRPr lang="en-US" altLang="zh-CN"/>
           </a:p>
@@ -16774,3618 +16511,6 @@
 </file>
 
 <file path=ppt/slides/slide10.xml><?xml version="1.0" encoding="utf-8"?>
-<p:sld xmlns:a="http://schemas.openxmlformats.org/drawingml/2006/main" xmlns:r="http://schemas.openxmlformats.org/officeDocument/2006/relationships" xmlns:p="http://schemas.openxmlformats.org/presentationml/2006/main">
-  <p:cSld>
-    <p:spTree>
-      <p:nvGrpSpPr>
-        <p:cNvPr id="1" name=""/>
-        <p:cNvGrpSpPr/>
-        <p:nvPr/>
-      </p:nvGrpSpPr>
-      <p:grpSpPr>
-        <a:xfrm>
-          <a:off x="0" y="0"/>
-          <a:ext cx="0" cy="0"/>
-          <a:chOff x="0" y="0"/>
-          <a:chExt cx="0" cy="0"/>
-        </a:xfrm>
-      </p:grpSpPr>
-      <p:sp>
-        <p:nvSpPr>
-          <p:cNvPr id="13314" name="Rectangle 2"/>
-          <p:cNvSpPr>
-            <a:spLocks noGrp="1" noRot="1" noChangeArrowheads="1"/>
-          </p:cNvSpPr>
-          <p:nvPr>
-            <p:ph type="title"/>
-          </p:nvPr>
-        </p:nvSpPr>
-        <p:spPr>
-          <a:xfrm>
-            <a:off x="1199456" y="0"/>
-            <a:ext cx="9009758" cy="1214422"/>
-          </a:xfrm>
-        </p:spPr>
-        <p:txBody>
-          <a:bodyPr/>
-          <a:lstStyle/>
-          <a:p>
-            <a:pPr eaLnBrk="1" hangingPunct="1"/>
-            <a:r>
-              <a:rPr lang="en-US" altLang="zh-CN" dirty="0"/>
-              <a:t>Relative  Performance</a:t>
-            </a:r>
-          </a:p>
-        </p:txBody>
-      </p:sp>
-      <p:sp>
-        <p:nvSpPr>
-          <p:cNvPr id="13315" name="Rectangle 3"/>
-          <p:cNvSpPr>
-            <a:spLocks noGrp="1" noRot="1" noChangeArrowheads="1"/>
-          </p:cNvSpPr>
-          <p:nvPr>
-            <p:ph idx="1"/>
-          </p:nvPr>
-        </p:nvSpPr>
-        <p:spPr>
-          <a:xfrm>
-            <a:off x="1218321" y="1214422"/>
-            <a:ext cx="8305800" cy="4114800"/>
-          </a:xfrm>
-        </p:spPr>
-        <p:txBody>
-          <a:bodyPr/>
-          <a:lstStyle/>
-          <a:p>
-            <a:pPr eaLnBrk="1" hangingPunct="1"/>
-            <a:r>
-              <a:rPr lang="en-US" altLang="zh-CN" sz="2400" dirty="0">
-                <a:latin typeface="Comic Sans MS" pitchFamily="66" charset="0"/>
-              </a:rPr>
-              <a:t>“</a:t>
-            </a:r>
-            <a:r>
-              <a:rPr lang="en-US" altLang="zh-CN" sz="2400" dirty="0">
-                <a:solidFill>
-                  <a:schemeClr val="hlink"/>
-                </a:solidFill>
-                <a:latin typeface="Comic Sans MS" pitchFamily="66" charset="0"/>
-              </a:rPr>
-              <a:t>Performance of </a:t>
-            </a:r>
-            <a:r>
-              <a:rPr lang="en-US" altLang="zh-CN" sz="2400" i="1" dirty="0" err="1">
-                <a:solidFill>
-                  <a:schemeClr val="hlink"/>
-                </a:solidFill>
-                <a:latin typeface="Comic Sans MS" pitchFamily="66" charset="0"/>
-              </a:rPr>
-              <a:t>P</a:t>
-            </a:r>
-            <a:r>
-              <a:rPr lang="en-US" altLang="zh-CN" sz="2400" i="1" baseline="-25000" dirty="0" err="1">
-                <a:solidFill>
-                  <a:schemeClr val="hlink"/>
-                </a:solidFill>
-                <a:latin typeface="Comic Sans MS" pitchFamily="66" charset="0"/>
-              </a:rPr>
-              <a:t>1</a:t>
-            </a:r>
-            <a:r>
-              <a:rPr lang="en-US" altLang="zh-CN" sz="2400" dirty="0">
-                <a:solidFill>
-                  <a:schemeClr val="hlink"/>
-                </a:solidFill>
-                <a:latin typeface="Comic Sans MS" pitchFamily="66" charset="0"/>
-              </a:rPr>
-              <a:t> is better than </a:t>
-            </a:r>
-            <a:r>
-              <a:rPr lang="en-US" altLang="zh-CN" sz="2400" i="1" dirty="0" err="1">
-                <a:solidFill>
-                  <a:schemeClr val="hlink"/>
-                </a:solidFill>
-                <a:latin typeface="Comic Sans MS" pitchFamily="66" charset="0"/>
-              </a:rPr>
-              <a:t>P</a:t>
-            </a:r>
-            <a:r>
-              <a:rPr lang="en-US" altLang="zh-CN" sz="2400" i="1" baseline="-25000" dirty="0" err="1">
-                <a:solidFill>
-                  <a:schemeClr val="hlink"/>
-                </a:solidFill>
-                <a:latin typeface="Comic Sans MS" pitchFamily="66" charset="0"/>
-              </a:rPr>
-              <a:t>2</a:t>
-            </a:r>
-            <a:r>
-              <a:rPr lang="en-US" altLang="zh-CN" sz="2400" i="1" baseline="-25000" dirty="0">
-                <a:latin typeface="Comic Sans MS" pitchFamily="66" charset="0"/>
-              </a:rPr>
-              <a:t>  </a:t>
-            </a:r>
-            <a:r>
-              <a:rPr lang="en-US" altLang="zh-CN" sz="2400" dirty="0">
-                <a:latin typeface="Comic Sans MS" pitchFamily="66" charset="0"/>
-              </a:rPr>
-              <a:t>” is, for a given work load </a:t>
-            </a:r>
-            <a:r>
-              <a:rPr lang="en-US" altLang="zh-CN" sz="2400" i="1" dirty="0">
-                <a:latin typeface="Comic Sans MS" pitchFamily="66" charset="0"/>
-              </a:rPr>
-              <a:t>L</a:t>
-            </a:r>
-            <a:r>
-              <a:rPr lang="en-US" altLang="zh-CN" sz="2400" dirty="0">
-                <a:latin typeface="Comic Sans MS" pitchFamily="66" charset="0"/>
-              </a:rPr>
-              <a:t>, </a:t>
-            </a:r>
-            <a:r>
-              <a:rPr lang="en-US" altLang="zh-CN" sz="2400" i="1" dirty="0" err="1">
-                <a:latin typeface="Comic Sans MS" pitchFamily="66" charset="0"/>
-              </a:rPr>
-              <a:t>P</a:t>
-            </a:r>
-            <a:r>
-              <a:rPr lang="en-US" altLang="zh-CN" sz="2400" i="1" baseline="-25000" dirty="0" err="1">
-                <a:latin typeface="Comic Sans MS" pitchFamily="66" charset="0"/>
-              </a:rPr>
-              <a:t>1</a:t>
-            </a:r>
-            <a:r>
-              <a:rPr lang="en-US" altLang="zh-CN" sz="2400" i="1" baseline="-25000" dirty="0">
-                <a:latin typeface="Comic Sans MS" pitchFamily="66" charset="0"/>
-              </a:rPr>
-              <a:t> </a:t>
-            </a:r>
-            <a:r>
-              <a:rPr lang="en-US" altLang="zh-CN" sz="2400" dirty="0">
-                <a:latin typeface="Comic Sans MS" pitchFamily="66" charset="0"/>
-              </a:rPr>
-              <a:t>takes less time to execute </a:t>
-            </a:r>
-            <a:r>
-              <a:rPr lang="en-US" altLang="zh-CN" sz="2400" i="1" dirty="0">
-                <a:latin typeface="Comic Sans MS" pitchFamily="66" charset="0"/>
-              </a:rPr>
-              <a:t>L</a:t>
-            </a:r>
-            <a:r>
-              <a:rPr lang="en-US" altLang="zh-CN" sz="2400" dirty="0">
-                <a:latin typeface="Comic Sans MS" pitchFamily="66" charset="0"/>
-              </a:rPr>
-              <a:t> than </a:t>
-            </a:r>
-            <a:r>
-              <a:rPr lang="en-US" altLang="zh-CN" sz="2400" dirty="0" err="1">
-                <a:latin typeface="Comic Sans MS" pitchFamily="66" charset="0"/>
-              </a:rPr>
-              <a:t>P</a:t>
-            </a:r>
-            <a:r>
-              <a:rPr lang="en-US" altLang="zh-CN" sz="2400" baseline="-25000" dirty="0" err="1">
-                <a:latin typeface="Comic Sans MS" pitchFamily="66" charset="0"/>
-              </a:rPr>
-              <a:t>2</a:t>
-            </a:r>
-            <a:r>
-              <a:rPr lang="en-US" altLang="zh-CN" sz="2400" baseline="-25000" dirty="0">
-                <a:latin typeface="Comic Sans MS" pitchFamily="66" charset="0"/>
-              </a:rPr>
-              <a:t> </a:t>
-            </a:r>
-            <a:r>
-              <a:rPr lang="en-US" altLang="zh-CN" sz="2400" dirty="0">
-                <a:latin typeface="Comic Sans MS" pitchFamily="66" charset="0"/>
-              </a:rPr>
-              <a:t>does</a:t>
-            </a:r>
-          </a:p>
-          <a:p>
-            <a:pPr eaLnBrk="1" hangingPunct="1">
-              <a:buFont typeface="Wingdings" pitchFamily="2" charset="2"/>
-              <a:buNone/>
-            </a:pPr>
-            <a:r>
-              <a:rPr lang="en-US" altLang="zh-CN" sz="2400" dirty="0">
-                <a:latin typeface="Comic Sans MS" pitchFamily="66" charset="0"/>
-              </a:rPr>
-              <a:t>       </a:t>
-            </a:r>
-            <a:r>
-              <a:rPr lang="en-US" altLang="zh-CN" sz="2400" dirty="0">
-                <a:solidFill>
-                  <a:srgbClr val="0000FF"/>
-                </a:solidFill>
-                <a:latin typeface="Comic Sans MS" pitchFamily="66" charset="0"/>
-              </a:rPr>
-              <a:t>performance(</a:t>
-            </a:r>
-            <a:r>
-              <a:rPr lang="en-US" altLang="zh-CN" sz="2400" dirty="0" err="1">
-                <a:solidFill>
-                  <a:srgbClr val="0000FF"/>
-                </a:solidFill>
-                <a:latin typeface="Comic Sans MS" pitchFamily="66" charset="0"/>
-              </a:rPr>
-              <a:t>P1</a:t>
-            </a:r>
-            <a:r>
-              <a:rPr lang="en-US" altLang="zh-CN" sz="2400" dirty="0">
-                <a:solidFill>
-                  <a:srgbClr val="0000FF"/>
-                </a:solidFill>
-                <a:latin typeface="Comic Sans MS" pitchFamily="66" charset="0"/>
-              </a:rPr>
-              <a:t>) &gt; Performance(</a:t>
-            </a:r>
-            <a:r>
-              <a:rPr lang="en-US" altLang="zh-CN" sz="2400" dirty="0" err="1">
-                <a:solidFill>
-                  <a:srgbClr val="0000FF"/>
-                </a:solidFill>
-                <a:latin typeface="Comic Sans MS" pitchFamily="66" charset="0"/>
-              </a:rPr>
-              <a:t>P2</a:t>
-            </a:r>
-            <a:r>
-              <a:rPr lang="en-US" altLang="zh-CN" sz="2400" dirty="0">
-                <a:solidFill>
-                  <a:srgbClr val="0000FF"/>
-                </a:solidFill>
-                <a:latin typeface="Comic Sans MS" pitchFamily="66" charset="0"/>
-              </a:rPr>
-              <a:t>)</a:t>
-            </a:r>
-          </a:p>
-          <a:p>
-            <a:pPr eaLnBrk="1" hangingPunct="1">
-              <a:buFont typeface="Wingdings" pitchFamily="2" charset="2"/>
-              <a:buNone/>
-            </a:pPr>
-            <a:r>
-              <a:rPr lang="en-US" altLang="zh-CN" sz="2400" dirty="0">
-                <a:solidFill>
-                  <a:srgbClr val="0000FF"/>
-                </a:solidFill>
-                <a:latin typeface="Comic Sans MS" pitchFamily="66" charset="0"/>
-                <a:sym typeface="Symbol" pitchFamily="18" charset="2"/>
-              </a:rPr>
-              <a:t>            Execution Time(P1, L) &lt; Execution Time(P2, L)</a:t>
-            </a:r>
-          </a:p>
-          <a:p>
-            <a:pPr eaLnBrk="1" hangingPunct="1"/>
-            <a:endParaRPr lang="en-US" altLang="zh-CN" sz="2400" dirty="0">
-              <a:latin typeface="Comic Sans MS" pitchFamily="66" charset="0"/>
-              <a:sym typeface="Symbol" pitchFamily="18" charset="2"/>
-            </a:endParaRPr>
-          </a:p>
-          <a:p>
-            <a:pPr eaLnBrk="1" hangingPunct="1"/>
-            <a:r>
-              <a:rPr lang="en-US" altLang="zh-CN" sz="2400" dirty="0">
-                <a:latin typeface="Comic Sans MS" pitchFamily="66" charset="0"/>
-                <a:sym typeface="Symbol" pitchFamily="18" charset="2"/>
-              </a:rPr>
-              <a:t>“Processor </a:t>
-            </a:r>
-            <a:r>
-              <a:rPr lang="en-US" altLang="zh-CN" sz="2400" dirty="0">
-                <a:solidFill>
-                  <a:srgbClr val="FF0000"/>
-                </a:solidFill>
-                <a:latin typeface="Comic Sans MS" pitchFamily="66" charset="0"/>
-                <a:sym typeface="Symbol" pitchFamily="18" charset="2"/>
-              </a:rPr>
-              <a:t>X is n times fast than Y</a:t>
-            </a:r>
-            <a:r>
-              <a:rPr lang="en-US" altLang="zh-CN" sz="2400" dirty="0">
-                <a:latin typeface="Comic Sans MS" pitchFamily="66" charset="0"/>
-                <a:sym typeface="Symbol" pitchFamily="18" charset="2"/>
-              </a:rPr>
-              <a:t>” is </a:t>
-            </a:r>
-            <a:r>
-              <a:rPr lang="en-US" altLang="zh-CN" sz="2400" dirty="0">
-                <a:solidFill>
-                  <a:schemeClr val="accent2"/>
-                </a:solidFill>
-                <a:sym typeface="Symbol" pitchFamily="18" charset="2"/>
-              </a:rPr>
-              <a:t> </a:t>
-            </a:r>
-            <a:endParaRPr lang="en-US" altLang="zh-CN" sz="2400" dirty="0">
-              <a:solidFill>
-                <a:schemeClr val="accent2"/>
-              </a:solidFill>
-            </a:endParaRPr>
-          </a:p>
-        </p:txBody>
-      </p:sp>
-      <p:pic>
-        <p:nvPicPr>
-          <p:cNvPr id="13316" name="Picture 4" descr="chap1_2-1new"/>
-          <p:cNvPicPr>
-            <a:picLocks noChangeAspect="1" noChangeArrowheads="1"/>
-          </p:cNvPicPr>
-          <p:nvPr/>
-        </p:nvPicPr>
-        <p:blipFill>
-          <a:blip r:embed="rId3"/>
-          <a:srcRect/>
-          <a:stretch>
-            <a:fillRect/>
-          </a:stretch>
-        </p:blipFill>
-        <p:spPr bwMode="auto">
-          <a:xfrm>
-            <a:off x="2351535" y="4602086"/>
-            <a:ext cx="3352800" cy="990600"/>
-          </a:xfrm>
-          <a:prstGeom prst="rect">
-            <a:avLst/>
-          </a:prstGeom>
-          <a:noFill/>
-          <a:ln w="9525">
-            <a:solidFill>
-              <a:srgbClr val="FF0000"/>
-            </a:solidFill>
-            <a:miter lim="800000"/>
-            <a:headEnd/>
-            <a:tailEnd/>
-          </a:ln>
-        </p:spPr>
-      </p:pic>
-    </p:spTree>
-    <p:extLst>
-      <p:ext uri="{BB962C8B-B14F-4D97-AF65-F5344CB8AC3E}">
-        <p14:creationId xmlns:p14="http://schemas.microsoft.com/office/powerpoint/2010/main" val="3676757350"/>
-      </p:ext>
-    </p:extLst>
-  </p:cSld>
-  <p:clrMapOvr>
-    <a:masterClrMapping/>
-  </p:clrMapOvr>
-  <p:transition spd="med">
-    <p:random/>
-    <p:sndAc>
-      <p:stSnd>
-        <p:snd r:embed="rId2" name="chimes.wav"/>
-      </p:stSnd>
-    </p:sndAc>
-  </p:transition>
-</p:sld>
-</file>
-
-<file path=ppt/slides/slide11.xml><?xml version="1.0" encoding="utf-8"?>
-<p:sld xmlns:a="http://schemas.openxmlformats.org/drawingml/2006/main" xmlns:r="http://schemas.openxmlformats.org/officeDocument/2006/relationships" xmlns:p="http://schemas.openxmlformats.org/presentationml/2006/main">
-  <p:cSld>
-    <p:spTree>
-      <p:nvGrpSpPr>
-        <p:cNvPr id="1" name=""/>
-        <p:cNvGrpSpPr/>
-        <p:nvPr/>
-      </p:nvGrpSpPr>
-      <p:grpSpPr>
-        <a:xfrm>
-          <a:off x="0" y="0"/>
-          <a:ext cx="0" cy="0"/>
-          <a:chOff x="0" y="0"/>
-          <a:chExt cx="0" cy="0"/>
-        </a:xfrm>
-      </p:grpSpPr>
-      <p:sp>
-        <p:nvSpPr>
-          <p:cNvPr id="60424" name="Rectangle 7"/>
-          <p:cNvSpPr>
-            <a:spLocks noGrp="1" noChangeArrowheads="1"/>
-          </p:cNvSpPr>
-          <p:nvPr>
-            <p:ph type="title"/>
-          </p:nvPr>
-        </p:nvSpPr>
-        <p:spPr>
-          <a:xfrm>
-            <a:off x="625588" y="-43742"/>
-            <a:ext cx="3494720" cy="1325563"/>
-          </a:xfrm>
-        </p:spPr>
-        <p:txBody>
-          <a:bodyPr/>
-          <a:lstStyle/>
-          <a:p>
-            <a:pPr eaLnBrk="1" hangingPunct="1"/>
-            <a:r>
-              <a:rPr lang="en-US" altLang="en-US" dirty="0"/>
-              <a:t>CPU Clocking</a:t>
-            </a:r>
-            <a:endParaRPr lang="en-AU" altLang="en-US" dirty="0"/>
-          </a:p>
-        </p:txBody>
-      </p:sp>
-      <p:sp>
-        <p:nvSpPr>
-          <p:cNvPr id="60451" name="Rectangle 35"/>
-          <p:cNvSpPr>
-            <a:spLocks noChangeArrowheads="1"/>
-          </p:cNvSpPr>
-          <p:nvPr/>
-        </p:nvSpPr>
-        <p:spPr bwMode="auto">
-          <a:xfrm>
-            <a:off x="911424" y="1311638"/>
-            <a:ext cx="7272808" cy="2101681"/>
-          </a:xfrm>
-          <a:prstGeom prst="rect">
-            <a:avLst/>
-          </a:prstGeom>
-          <a:noFill/>
-          <a:ln>
-            <a:noFill/>
-          </a:ln>
-          <a:extLst>
-            <a:ext uri="{909E8E84-426E-40DD-AFC4-6F175D3DCCD1}">
-              <a14:hiddenFill xmlns:a14="http://schemas.microsoft.com/office/drawing/2010/main">
-                <a:solidFill>
-                  <a:srgbClr val="FFFFFF"/>
-                </a:solidFill>
-              </a14:hiddenFill>
-            </a:ext>
-            <a:ext uri="{91240B29-F687-4F45-9708-019B960494DF}">
-              <a14:hiddenLine xmlns:a14="http://schemas.microsoft.com/office/drawing/2010/main" w="9525">
-                <a:solidFill>
-                  <a:srgbClr val="000000"/>
-                </a:solidFill>
-                <a:miter lim="800000"/>
-                <a:headEnd/>
-                <a:tailEnd/>
-              </a14:hiddenLine>
-            </a:ext>
-          </a:extLst>
-        </p:spPr>
-        <p:txBody>
-          <a:bodyPr/>
-          <a:lstStyle>
-            <a:lvl1pPr marL="342900" indent="-342900">
-              <a:spcBef>
-                <a:spcPct val="20000"/>
-              </a:spcBef>
-              <a:buClr>
-                <a:schemeClr val="folHlink"/>
-              </a:buClr>
-              <a:buSzPct val="60000"/>
-              <a:buFont typeface="Wingdings" panose="05000000000000000000" pitchFamily="2" charset="2"/>
-              <a:buChar char="n"/>
-              <a:defRPr sz="3200">
-                <a:solidFill>
-                  <a:schemeClr val="tx1"/>
-                </a:solidFill>
-                <a:latin typeface="Arial" panose="020B0604020202020204" pitchFamily="34" charset="0"/>
-              </a:defRPr>
-            </a:lvl1pPr>
-            <a:lvl2pPr marL="742950" indent="-285750">
-              <a:spcBef>
-                <a:spcPct val="20000"/>
-              </a:spcBef>
-              <a:buClr>
-                <a:schemeClr val="hlink"/>
-              </a:buClr>
-              <a:buSzPct val="55000"/>
-              <a:buFont typeface="Wingdings" panose="05000000000000000000" pitchFamily="2" charset="2"/>
-              <a:buChar char="n"/>
-              <a:defRPr sz="2800">
-                <a:solidFill>
-                  <a:schemeClr val="tx1"/>
-                </a:solidFill>
-                <a:latin typeface="Arial" panose="020B0604020202020204" pitchFamily="34" charset="0"/>
-              </a:defRPr>
-            </a:lvl2pPr>
-            <a:lvl3pPr marL="1143000" indent="-228600">
-              <a:spcBef>
-                <a:spcPct val="20000"/>
-              </a:spcBef>
-              <a:buClr>
-                <a:schemeClr val="folHlink"/>
-              </a:buClr>
-              <a:buSzPct val="50000"/>
-              <a:buFont typeface="Wingdings" panose="05000000000000000000" pitchFamily="2" charset="2"/>
-              <a:buChar char="n"/>
-              <a:defRPr sz="2400">
-                <a:solidFill>
-                  <a:schemeClr val="tx1"/>
-                </a:solidFill>
-                <a:latin typeface="Arial" panose="020B0604020202020204" pitchFamily="34" charset="0"/>
-              </a:defRPr>
-            </a:lvl3pPr>
-            <a:lvl4pPr marL="1600200" indent="-228600">
-              <a:spcBef>
-                <a:spcPct val="20000"/>
-              </a:spcBef>
-              <a:buClr>
-                <a:schemeClr val="accent2"/>
-              </a:buClr>
-              <a:buSzPct val="55000"/>
-              <a:buFont typeface="Wingdings" panose="05000000000000000000" pitchFamily="2" charset="2"/>
-              <a:buChar char="n"/>
-              <a:defRPr sz="2000">
-                <a:solidFill>
-                  <a:schemeClr val="tx1"/>
-                </a:solidFill>
-                <a:latin typeface="Arial" panose="020B0604020202020204" pitchFamily="34" charset="0"/>
-              </a:defRPr>
-            </a:lvl4pPr>
-            <a:lvl5pPr marL="2057400" indent="-228600">
-              <a:spcBef>
-                <a:spcPct val="20000"/>
-              </a:spcBef>
-              <a:buClr>
-                <a:schemeClr val="accent1"/>
-              </a:buClr>
-              <a:buSzPct val="50000"/>
-              <a:buFont typeface="Wingdings" panose="05000000000000000000" pitchFamily="2" charset="2"/>
-              <a:buChar char="n"/>
-              <a:defRPr sz="2000">
-                <a:solidFill>
-                  <a:schemeClr val="tx1"/>
-                </a:solidFill>
-                <a:latin typeface="Arial" panose="020B0604020202020204" pitchFamily="34" charset="0"/>
-              </a:defRPr>
-            </a:lvl5pPr>
-            <a:lvl6pPr marL="2514600" indent="-228600" eaLnBrk="0" fontAlgn="base" hangingPunct="0">
-              <a:spcBef>
-                <a:spcPct val="20000"/>
-              </a:spcBef>
-              <a:spcAft>
-                <a:spcPct val="0"/>
-              </a:spcAft>
-              <a:buClr>
-                <a:schemeClr val="accent1"/>
-              </a:buClr>
-              <a:buSzPct val="50000"/>
-              <a:buFont typeface="Wingdings" panose="05000000000000000000" pitchFamily="2" charset="2"/>
-              <a:buChar char="n"/>
-              <a:defRPr sz="2000">
-                <a:solidFill>
-                  <a:schemeClr val="tx1"/>
-                </a:solidFill>
-                <a:latin typeface="Arial" panose="020B0604020202020204" pitchFamily="34" charset="0"/>
-              </a:defRPr>
-            </a:lvl6pPr>
-            <a:lvl7pPr marL="2971800" indent="-228600" eaLnBrk="0" fontAlgn="base" hangingPunct="0">
-              <a:spcBef>
-                <a:spcPct val="20000"/>
-              </a:spcBef>
-              <a:spcAft>
-                <a:spcPct val="0"/>
-              </a:spcAft>
-              <a:buClr>
-                <a:schemeClr val="accent1"/>
-              </a:buClr>
-              <a:buSzPct val="50000"/>
-              <a:buFont typeface="Wingdings" panose="05000000000000000000" pitchFamily="2" charset="2"/>
-              <a:buChar char="n"/>
-              <a:defRPr sz="2000">
-                <a:solidFill>
-                  <a:schemeClr val="tx1"/>
-                </a:solidFill>
-                <a:latin typeface="Arial" panose="020B0604020202020204" pitchFamily="34" charset="0"/>
-              </a:defRPr>
-            </a:lvl7pPr>
-            <a:lvl8pPr marL="3429000" indent="-228600" eaLnBrk="0" fontAlgn="base" hangingPunct="0">
-              <a:spcBef>
-                <a:spcPct val="20000"/>
-              </a:spcBef>
-              <a:spcAft>
-                <a:spcPct val="0"/>
-              </a:spcAft>
-              <a:buClr>
-                <a:schemeClr val="accent1"/>
-              </a:buClr>
-              <a:buSzPct val="50000"/>
-              <a:buFont typeface="Wingdings" panose="05000000000000000000" pitchFamily="2" charset="2"/>
-              <a:buChar char="n"/>
-              <a:defRPr sz="2000">
-                <a:solidFill>
-                  <a:schemeClr val="tx1"/>
-                </a:solidFill>
-                <a:latin typeface="Arial" panose="020B0604020202020204" pitchFamily="34" charset="0"/>
-              </a:defRPr>
-            </a:lvl8pPr>
-            <a:lvl9pPr marL="3886200" indent="-228600" eaLnBrk="0" fontAlgn="base" hangingPunct="0">
-              <a:spcBef>
-                <a:spcPct val="20000"/>
-              </a:spcBef>
-              <a:spcAft>
-                <a:spcPct val="0"/>
-              </a:spcAft>
-              <a:buClr>
-                <a:schemeClr val="accent1"/>
-              </a:buClr>
-              <a:buSzPct val="50000"/>
-              <a:buFont typeface="Wingdings" panose="05000000000000000000" pitchFamily="2" charset="2"/>
-              <a:buChar char="n"/>
-              <a:defRPr sz="2000">
-                <a:solidFill>
-                  <a:schemeClr val="tx1"/>
-                </a:solidFill>
-                <a:latin typeface="Arial" panose="020B0604020202020204" pitchFamily="34" charset="0"/>
-              </a:defRPr>
-            </a:lvl9pPr>
-          </a:lstStyle>
-          <a:p>
-            <a:pPr eaLnBrk="1" hangingPunct="1"/>
-            <a:r>
-              <a:rPr lang="zh-CN" altLang="en-US" sz="2800" b="1" dirty="0">
-                <a:solidFill>
-                  <a:srgbClr val="FF0000"/>
-                </a:solidFill>
-              </a:rPr>
-              <a:t>时钟周期  </a:t>
-            </a:r>
-            <a:r>
-              <a:rPr lang="en-US" altLang="en-US" sz="2800" b="1" dirty="0">
-                <a:solidFill>
-                  <a:srgbClr val="0000FF"/>
-                </a:solidFill>
-              </a:rPr>
-              <a:t>Clock C</a:t>
-            </a:r>
-            <a:r>
-              <a:rPr lang="en-US" altLang="zh-CN" sz="2800" b="1" dirty="0">
-                <a:solidFill>
-                  <a:srgbClr val="0000FF"/>
-                </a:solidFill>
-              </a:rPr>
-              <a:t>ircle Time</a:t>
-            </a:r>
-            <a:endParaRPr lang="en-US" altLang="en-US" sz="2800" b="1" dirty="0">
-              <a:solidFill>
-                <a:srgbClr val="0000FF"/>
-              </a:solidFill>
-            </a:endParaRPr>
-          </a:p>
-          <a:p>
-            <a:pPr marL="0" indent="0" eaLnBrk="1" hangingPunct="1">
-              <a:buNone/>
-            </a:pPr>
-            <a:r>
-              <a:rPr lang="en-US" altLang="en-US" sz="2400" dirty="0"/>
-              <a:t>	</a:t>
-            </a:r>
-            <a:r>
-              <a:rPr lang="zh-CN" altLang="en-US" sz="2400" dirty="0"/>
-              <a:t>主频的倒数</a:t>
-            </a:r>
-            <a:endParaRPr lang="en-US" altLang="en-US" sz="2400" dirty="0"/>
-          </a:p>
-          <a:p>
-            <a:pPr eaLnBrk="1" hangingPunct="1"/>
-            <a:r>
-              <a:rPr lang="zh-CN" altLang="en-US" sz="2800" b="1" dirty="0">
-                <a:solidFill>
-                  <a:srgbClr val="FF0000"/>
-                </a:solidFill>
-              </a:rPr>
-              <a:t>主频</a:t>
-            </a:r>
-            <a:r>
-              <a:rPr lang="zh-CN" altLang="en-US" sz="2800" dirty="0"/>
-              <a:t>（时钟频率）</a:t>
-            </a:r>
-            <a:r>
-              <a:rPr lang="en-US" altLang="en-US" sz="2800" dirty="0">
-                <a:solidFill>
-                  <a:srgbClr val="0000FF"/>
-                </a:solidFill>
-              </a:rPr>
-              <a:t>Clock Rate</a:t>
-            </a:r>
-          </a:p>
-          <a:p>
-            <a:pPr marL="457200" lvl="1" indent="0">
-              <a:buNone/>
-            </a:pPr>
-            <a:r>
-              <a:rPr lang="en-US" altLang="en-US" sz="2400" dirty="0"/>
-              <a:t>     </a:t>
-            </a:r>
-            <a:r>
-              <a:rPr lang="zh-CN" altLang="en-US" sz="2400" dirty="0"/>
-              <a:t>主频越高完成一个指令所需要的时间越短</a:t>
-            </a:r>
-            <a:endParaRPr lang="en-US" altLang="zh-CN" sz="2400" dirty="0"/>
-          </a:p>
-          <a:p>
-            <a:pPr marL="457200" lvl="1" indent="0">
-              <a:buNone/>
-            </a:pPr>
-            <a:r>
-              <a:rPr lang="en-US" altLang="en-US" b="1" dirty="0">
-                <a:solidFill>
-                  <a:srgbClr val="FF0000"/>
-                </a:solidFill>
-              </a:rPr>
-              <a:t>CPI</a:t>
-            </a:r>
-            <a:r>
-              <a:rPr lang="zh-CN" altLang="en-US" sz="2400" b="1" dirty="0">
-                <a:solidFill>
-                  <a:srgbClr val="FF0000"/>
-                </a:solidFill>
-              </a:rPr>
-              <a:t>   </a:t>
-            </a:r>
-            <a:r>
-              <a:rPr lang="en-US" altLang="zh-CN" sz="2400" dirty="0"/>
-              <a:t>cycle per instruction </a:t>
-            </a:r>
-          </a:p>
-          <a:p>
-            <a:pPr marL="457200" lvl="1" indent="0">
-              <a:buNone/>
-            </a:pPr>
-            <a:r>
-              <a:rPr lang="en-US" altLang="en-US" sz="2400" dirty="0"/>
-              <a:t>	</a:t>
-            </a:r>
-            <a:r>
-              <a:rPr lang="zh-CN" altLang="en-US" sz="2400" dirty="0"/>
-              <a:t>执行一条指令所需的时钟周期数（时钟频率不影响</a:t>
-            </a:r>
-            <a:r>
-              <a:rPr lang="en-US" altLang="zh-CN" sz="2400" dirty="0"/>
-              <a:t>CPI</a:t>
-            </a:r>
-            <a:r>
-              <a:rPr lang="zh-CN" altLang="en-US" sz="2400" dirty="0"/>
-              <a:t>）</a:t>
-            </a:r>
-            <a:endParaRPr lang="en-US" altLang="zh-CN" sz="2400" dirty="0"/>
-          </a:p>
-          <a:p>
-            <a:pPr marL="457200" lvl="1" indent="0">
-              <a:buNone/>
-            </a:pPr>
-            <a:r>
-              <a:rPr lang="en-US" altLang="zh-CN" b="1" dirty="0">
-                <a:solidFill>
-                  <a:srgbClr val="FF0000"/>
-                </a:solidFill>
-              </a:rPr>
-              <a:t>CPU</a:t>
-            </a:r>
-            <a:r>
-              <a:rPr lang="zh-CN" altLang="en-US" b="1" dirty="0">
-                <a:solidFill>
-                  <a:srgbClr val="FF0000"/>
-                </a:solidFill>
-              </a:rPr>
-              <a:t>执行时间</a:t>
-            </a:r>
-            <a:endParaRPr lang="en-US" altLang="zh-CN" b="1" dirty="0">
-              <a:solidFill>
-                <a:srgbClr val="FF0000"/>
-              </a:solidFill>
-            </a:endParaRPr>
-          </a:p>
-          <a:p>
-            <a:pPr marL="457200" lvl="1" indent="0">
-              <a:buNone/>
-            </a:pPr>
-            <a:endParaRPr lang="en-US" altLang="zh-CN" sz="2400" dirty="0"/>
-          </a:p>
-          <a:p>
-            <a:pPr marL="457200" lvl="1" indent="0">
-              <a:buNone/>
-            </a:pPr>
-            <a:r>
-              <a:rPr lang="en-US" altLang="en-US" sz="2400" dirty="0"/>
-              <a:t>      </a:t>
-            </a:r>
-          </a:p>
-        </p:txBody>
-      </p:sp>
-      <p:graphicFrame>
-        <p:nvGraphicFramePr>
-          <p:cNvPr id="5" name="对象 4">
-            <a:extLst>
-              <a:ext uri="{FF2B5EF4-FFF2-40B4-BE49-F238E27FC236}">
-                <a16:creationId xmlns:a16="http://schemas.microsoft.com/office/drawing/2014/main" id="{3AF1F1F3-9EB1-85C3-F2DD-5AD653F4AA16}"/>
-              </a:ext>
-            </a:extLst>
-          </p:cNvPr>
-          <p:cNvGraphicFramePr>
-            <a:graphicFrameLocks noChangeAspect="1"/>
-          </p:cNvGraphicFramePr>
-          <p:nvPr>
-            <p:extLst>
-              <p:ext uri="{D42A27DB-BD31-4B8C-83A1-F6EECF244321}">
-                <p14:modId xmlns:p14="http://schemas.microsoft.com/office/powerpoint/2010/main" val="2556848199"/>
-              </p:ext>
-            </p:extLst>
-          </p:nvPr>
-        </p:nvGraphicFramePr>
-        <p:xfrm>
-          <a:off x="2063552" y="5082045"/>
-          <a:ext cx="8576199" cy="928633"/>
-        </p:xfrm>
-        <a:graphic>
-          <a:graphicData uri="http://schemas.openxmlformats.org/presentationml/2006/ole">
-            <mc:AlternateContent xmlns:mc="http://schemas.openxmlformats.org/markup-compatibility/2006">
-              <mc:Choice xmlns:v="urn:schemas-microsoft-com:vml" Requires="v">
-                <p:oleObj spid="_x0000_s1070" name="Equation" r:id="rId5" imgW="3987720" imgH="431640" progId="Equation.DSMT4">
-                  <p:embed/>
-                </p:oleObj>
-              </mc:Choice>
-              <mc:Fallback>
-                <p:oleObj name="Equation" r:id="rId5" imgW="3987720" imgH="431640" progId="Equation.DSMT4">
-                  <p:embed/>
-                  <p:pic>
-                    <p:nvPicPr>
-                      <p:cNvPr id="0" name=""/>
-                      <p:cNvPicPr/>
-                      <p:nvPr/>
-                    </p:nvPicPr>
-                    <p:blipFill>
-                      <a:blip r:embed="rId6"/>
-                      <a:stretch>
-                        <a:fillRect/>
-                      </a:stretch>
-                    </p:blipFill>
-                    <p:spPr>
-                      <a:xfrm>
-                        <a:off x="2063552" y="5082045"/>
-                        <a:ext cx="8576199" cy="928633"/>
-                      </a:xfrm>
-                      <a:prstGeom prst="rect">
-                        <a:avLst/>
-                      </a:prstGeom>
-                    </p:spPr>
-                  </p:pic>
-                </p:oleObj>
-              </mc:Fallback>
-            </mc:AlternateContent>
-          </a:graphicData>
-        </a:graphic>
-      </p:graphicFrame>
-      <p:graphicFrame>
-        <p:nvGraphicFramePr>
-          <p:cNvPr id="6" name="对象 5">
-            <a:extLst>
-              <a:ext uri="{FF2B5EF4-FFF2-40B4-BE49-F238E27FC236}">
-                <a16:creationId xmlns:a16="http://schemas.microsoft.com/office/drawing/2014/main" id="{D12A816F-11D8-62F1-7285-7EA359223AD2}"/>
-              </a:ext>
-            </a:extLst>
-          </p:cNvPr>
-          <p:cNvGraphicFramePr>
-            <a:graphicFrameLocks noChangeAspect="1"/>
-          </p:cNvGraphicFramePr>
-          <p:nvPr>
-            <p:extLst>
-              <p:ext uri="{D42A27DB-BD31-4B8C-83A1-F6EECF244321}">
-                <p14:modId xmlns:p14="http://schemas.microsoft.com/office/powerpoint/2010/main" val="1269427448"/>
-              </p:ext>
-            </p:extLst>
-          </p:nvPr>
-        </p:nvGraphicFramePr>
-        <p:xfrm>
-          <a:off x="7752184" y="1916832"/>
-          <a:ext cx="4104456" cy="1033715"/>
-        </p:xfrm>
-        <a:graphic>
-          <a:graphicData uri="http://schemas.openxmlformats.org/presentationml/2006/ole">
-            <mc:AlternateContent xmlns:mc="http://schemas.openxmlformats.org/markup-compatibility/2006">
-              <mc:Choice xmlns:v="urn:schemas-microsoft-com:vml" Requires="v">
-                <p:oleObj spid="_x0000_s1071" name="Equation" r:id="rId7" imgW="1714320" imgH="431640" progId="Equation.DSMT4">
-                  <p:embed/>
-                </p:oleObj>
-              </mc:Choice>
-              <mc:Fallback>
-                <p:oleObj name="Equation" r:id="rId7" imgW="1714320" imgH="431640" progId="Equation.DSMT4">
-                  <p:embed/>
-                  <p:pic>
-                    <p:nvPicPr>
-                      <p:cNvPr id="0" name=""/>
-                      <p:cNvPicPr/>
-                      <p:nvPr/>
-                    </p:nvPicPr>
-                    <p:blipFill>
-                      <a:blip r:embed="rId8"/>
-                      <a:stretch>
-                        <a:fillRect/>
-                      </a:stretch>
-                    </p:blipFill>
-                    <p:spPr>
-                      <a:xfrm>
-                        <a:off x="7752184" y="1916832"/>
-                        <a:ext cx="4104456" cy="1033715"/>
-                      </a:xfrm>
-                      <a:prstGeom prst="rect">
-                        <a:avLst/>
-                      </a:prstGeom>
-                    </p:spPr>
-                  </p:pic>
-                </p:oleObj>
-              </mc:Fallback>
-            </mc:AlternateContent>
-          </a:graphicData>
-        </a:graphic>
-      </p:graphicFrame>
-      <p:sp>
-        <p:nvSpPr>
-          <p:cNvPr id="7" name="文本框 6">
-            <a:extLst>
-              <a:ext uri="{FF2B5EF4-FFF2-40B4-BE49-F238E27FC236}">
-                <a16:creationId xmlns:a16="http://schemas.microsoft.com/office/drawing/2014/main" id="{A0F4B69E-69E7-F2D8-C23A-32EE77BF669B}"/>
-              </a:ext>
-            </a:extLst>
-          </p:cNvPr>
-          <p:cNvSpPr txBox="1"/>
-          <p:nvPr/>
-        </p:nvSpPr>
-        <p:spPr>
-          <a:xfrm>
-            <a:off x="5591944" y="6309320"/>
-            <a:ext cx="2520280" cy="369332"/>
-          </a:xfrm>
-          <a:prstGeom prst="rect">
-            <a:avLst/>
-          </a:prstGeom>
-          <a:noFill/>
-        </p:spPr>
-        <p:txBody>
-          <a:bodyPr wrap="square" rtlCol="0">
-            <a:spAutoFit/>
-          </a:bodyPr>
-          <a:lstStyle/>
-          <a:p>
-            <a:r>
-              <a:rPr lang="en-US" altLang="zh-CN" dirty="0"/>
-              <a:t>Instructions</a:t>
-            </a:r>
-            <a:r>
-              <a:rPr lang="zh-CN" altLang="en-US" dirty="0"/>
-              <a:t>指令条数</a:t>
-            </a:r>
-          </a:p>
-        </p:txBody>
-      </p:sp>
-    </p:spTree>
-    <p:extLst>
-      <p:ext uri="{BB962C8B-B14F-4D97-AF65-F5344CB8AC3E}">
-        <p14:creationId xmlns:p14="http://schemas.microsoft.com/office/powerpoint/2010/main" val="711873668"/>
-      </p:ext>
-    </p:extLst>
-  </p:cSld>
-  <p:clrMapOvr>
-    <a:masterClrMapping/>
-  </p:clrMapOvr>
-  <p:transition spd="med">
-    <p:random/>
-    <p:sndAc>
-      <p:stSnd>
-        <p:snd r:embed="rId4" name="chimes.wav"/>
-      </p:stSnd>
-    </p:sndAc>
-  </p:transition>
-</p:sld>
-</file>
-
-<file path=ppt/slides/slide12.xml><?xml version="1.0" encoding="utf-8"?>
-<p:sld xmlns:a="http://schemas.openxmlformats.org/drawingml/2006/main" xmlns:r="http://schemas.openxmlformats.org/officeDocument/2006/relationships" xmlns:p="http://schemas.openxmlformats.org/presentationml/2006/main">
-  <p:cSld>
-    <p:spTree>
-      <p:nvGrpSpPr>
-        <p:cNvPr id="1" name=""/>
-        <p:cNvGrpSpPr/>
-        <p:nvPr/>
-      </p:nvGrpSpPr>
-      <p:grpSpPr>
-        <a:xfrm>
-          <a:off x="0" y="0"/>
-          <a:ext cx="0" cy="0"/>
-          <a:chOff x="0" y="0"/>
-          <a:chExt cx="0" cy="0"/>
-        </a:xfrm>
-      </p:grpSpPr>
-      <p:sp>
-        <p:nvSpPr>
-          <p:cNvPr id="70659" name="Rectangle 2"/>
-          <p:cNvSpPr>
-            <a:spLocks noGrp="1" noChangeArrowheads="1"/>
-          </p:cNvSpPr>
-          <p:nvPr>
-            <p:ph type="title"/>
-          </p:nvPr>
-        </p:nvSpPr>
-        <p:spPr>
-          <a:xfrm>
-            <a:off x="256760" y="145357"/>
-            <a:ext cx="9439640" cy="1325563"/>
-          </a:xfrm>
-        </p:spPr>
-        <p:txBody>
-          <a:bodyPr>
-            <a:normAutofit/>
-          </a:bodyPr>
-          <a:lstStyle/>
-          <a:p>
-            <a:pPr eaLnBrk="1" hangingPunct="1"/>
-            <a:r>
-              <a:rPr lang="en-US" altLang="en-US" sz="3200" dirty="0"/>
-              <a:t>CPI</a:t>
-            </a:r>
-            <a:r>
-              <a:rPr lang="zh-CN" altLang="en-US" sz="3200" dirty="0"/>
-              <a:t>是执行所有指令的平均时间周期数</a:t>
-            </a:r>
-            <a:endParaRPr lang="en-AU" altLang="en-US" sz="3200" dirty="0"/>
-          </a:p>
-        </p:txBody>
-      </p:sp>
-      <p:graphicFrame>
-        <p:nvGraphicFramePr>
-          <p:cNvPr id="2" name="对象 1">
-            <a:extLst>
-              <a:ext uri="{FF2B5EF4-FFF2-40B4-BE49-F238E27FC236}">
-                <a16:creationId xmlns:a16="http://schemas.microsoft.com/office/drawing/2014/main" id="{2E4858DC-9406-116F-881F-816322036EAF}"/>
-              </a:ext>
-            </a:extLst>
-          </p:cNvPr>
-          <p:cNvGraphicFramePr>
-            <a:graphicFrameLocks noChangeAspect="1"/>
-          </p:cNvGraphicFramePr>
-          <p:nvPr>
-            <p:extLst>
-              <p:ext uri="{D42A27DB-BD31-4B8C-83A1-F6EECF244321}">
-                <p14:modId xmlns:p14="http://schemas.microsoft.com/office/powerpoint/2010/main" val="3680101748"/>
-              </p:ext>
-            </p:extLst>
-          </p:nvPr>
-        </p:nvGraphicFramePr>
-        <p:xfrm>
-          <a:off x="1775520" y="1403250"/>
-          <a:ext cx="8064896" cy="1263624"/>
-        </p:xfrm>
-        <a:graphic>
-          <a:graphicData uri="http://schemas.openxmlformats.org/presentationml/2006/ole">
-            <mc:AlternateContent xmlns:mc="http://schemas.openxmlformats.org/markup-compatibility/2006">
-              <mc:Choice xmlns:v="urn:schemas-microsoft-com:vml" Requires="v">
-                <p:oleObj spid="_x0000_s2094" name="Equation" r:id="rId5" imgW="2755800" imgH="431640" progId="Equation.DSMT4">
-                  <p:embed/>
-                </p:oleObj>
-              </mc:Choice>
-              <mc:Fallback>
-                <p:oleObj name="Equation" r:id="rId5" imgW="2755800" imgH="431640" progId="Equation.DSMT4">
-                  <p:embed/>
-                  <p:pic>
-                    <p:nvPicPr>
-                      <p:cNvPr id="0" name=""/>
-                      <p:cNvPicPr/>
-                      <p:nvPr/>
-                    </p:nvPicPr>
-                    <p:blipFill>
-                      <a:blip r:embed="rId6"/>
-                      <a:stretch>
-                        <a:fillRect/>
-                      </a:stretch>
-                    </p:blipFill>
-                    <p:spPr>
-                      <a:xfrm>
-                        <a:off x="1775520" y="1403250"/>
-                        <a:ext cx="8064896" cy="1263624"/>
-                      </a:xfrm>
-                      <a:prstGeom prst="rect">
-                        <a:avLst/>
-                      </a:prstGeom>
-                    </p:spPr>
-                  </p:pic>
-                </p:oleObj>
-              </mc:Fallback>
-            </mc:AlternateContent>
-          </a:graphicData>
-        </a:graphic>
-      </p:graphicFrame>
-      <p:graphicFrame>
-        <p:nvGraphicFramePr>
-          <p:cNvPr id="3" name="对象 2">
-            <a:extLst>
-              <a:ext uri="{FF2B5EF4-FFF2-40B4-BE49-F238E27FC236}">
-                <a16:creationId xmlns:a16="http://schemas.microsoft.com/office/drawing/2014/main" id="{1ADD95F7-8CC9-26B4-3ABA-8020D6134762}"/>
-              </a:ext>
-            </a:extLst>
-          </p:cNvPr>
-          <p:cNvGraphicFramePr>
-            <a:graphicFrameLocks noChangeAspect="1"/>
-          </p:cNvGraphicFramePr>
-          <p:nvPr>
-            <p:extLst>
-              <p:ext uri="{D42A27DB-BD31-4B8C-83A1-F6EECF244321}">
-                <p14:modId xmlns:p14="http://schemas.microsoft.com/office/powerpoint/2010/main" val="4027913548"/>
-              </p:ext>
-            </p:extLst>
-          </p:nvPr>
-        </p:nvGraphicFramePr>
-        <p:xfrm>
-          <a:off x="1005405" y="3140968"/>
-          <a:ext cx="10181190" cy="1263623"/>
-        </p:xfrm>
-        <a:graphic>
-          <a:graphicData uri="http://schemas.openxmlformats.org/presentationml/2006/ole">
-            <mc:AlternateContent xmlns:mc="http://schemas.openxmlformats.org/markup-compatibility/2006">
-              <mc:Choice xmlns:v="urn:schemas-microsoft-com:vml" Requires="v">
-                <p:oleObj spid="_x0000_s2095" name="Equation" r:id="rId7" imgW="3581280" imgH="444240" progId="Equation.DSMT4">
-                  <p:embed/>
-                </p:oleObj>
-              </mc:Choice>
-              <mc:Fallback>
-                <p:oleObj name="Equation" r:id="rId7" imgW="3581280" imgH="444240" progId="Equation.DSMT4">
-                  <p:embed/>
-                  <p:pic>
-                    <p:nvPicPr>
-                      <p:cNvPr id="0" name=""/>
-                      <p:cNvPicPr/>
-                      <p:nvPr/>
-                    </p:nvPicPr>
-                    <p:blipFill>
-                      <a:blip r:embed="rId8"/>
-                      <a:stretch>
-                        <a:fillRect/>
-                      </a:stretch>
-                    </p:blipFill>
-                    <p:spPr>
-                      <a:xfrm>
-                        <a:off x="1005405" y="3140968"/>
-                        <a:ext cx="10181190" cy="1263623"/>
-                      </a:xfrm>
-                      <a:prstGeom prst="rect">
-                        <a:avLst/>
-                      </a:prstGeom>
-                    </p:spPr>
-                  </p:pic>
-                </p:oleObj>
-              </mc:Fallback>
-            </mc:AlternateContent>
-          </a:graphicData>
-        </a:graphic>
-      </p:graphicFrame>
-    </p:spTree>
-    <p:extLst>
-      <p:ext uri="{BB962C8B-B14F-4D97-AF65-F5344CB8AC3E}">
-        <p14:creationId xmlns:p14="http://schemas.microsoft.com/office/powerpoint/2010/main" val="4263335501"/>
-      </p:ext>
-    </p:extLst>
-  </p:cSld>
-  <p:clrMapOvr>
-    <a:masterClrMapping/>
-  </p:clrMapOvr>
-  <p:transition spd="med">
-    <p:random/>
-    <p:sndAc>
-      <p:stSnd>
-        <p:snd r:embed="rId4" name="chimes.wav"/>
-      </p:stSnd>
-    </p:sndAc>
-  </p:transition>
-</p:sld>
-</file>
-
-<file path=ppt/slides/slide13.xml><?xml version="1.0" encoding="utf-8"?>
-<p:sld xmlns:a="http://schemas.openxmlformats.org/drawingml/2006/main" xmlns:r="http://schemas.openxmlformats.org/officeDocument/2006/relationships" xmlns:p="http://schemas.openxmlformats.org/presentationml/2006/main">
-  <p:cSld>
-    <p:spTree>
-      <p:nvGrpSpPr>
-        <p:cNvPr id="1" name=""/>
-        <p:cNvGrpSpPr/>
-        <p:nvPr/>
-      </p:nvGrpSpPr>
-      <p:grpSpPr>
-        <a:xfrm>
-          <a:off x="0" y="0"/>
-          <a:ext cx="0" cy="0"/>
-          <a:chOff x="0" y="0"/>
-          <a:chExt cx="0" cy="0"/>
-        </a:xfrm>
-      </p:grpSpPr>
-      <p:sp>
-        <p:nvSpPr>
-          <p:cNvPr id="72707" name="Rectangle 2"/>
-          <p:cNvSpPr>
-            <a:spLocks noGrp="1" noChangeArrowheads="1"/>
-          </p:cNvSpPr>
-          <p:nvPr>
-            <p:ph type="title"/>
-          </p:nvPr>
-        </p:nvSpPr>
-        <p:spPr>
-          <a:xfrm>
-            <a:off x="191344" y="-7766"/>
-            <a:ext cx="3816424" cy="1325563"/>
-          </a:xfrm>
-        </p:spPr>
-        <p:txBody>
-          <a:bodyPr/>
-          <a:lstStyle/>
-          <a:p>
-            <a:pPr eaLnBrk="1" hangingPunct="1"/>
-            <a:r>
-              <a:rPr lang="en-US" altLang="en-US" dirty="0"/>
-              <a:t>CPI Example</a:t>
-            </a:r>
-            <a:endParaRPr lang="en-AU" altLang="en-US" dirty="0"/>
-          </a:p>
-        </p:txBody>
-      </p:sp>
-      <p:sp>
-        <p:nvSpPr>
-          <p:cNvPr id="72708" name="Rectangle 3"/>
-          <p:cNvSpPr>
-            <a:spLocks noGrp="1" noChangeArrowheads="1"/>
-          </p:cNvSpPr>
-          <p:nvPr>
-            <p:ph idx="1"/>
-          </p:nvPr>
-        </p:nvSpPr>
-        <p:spPr>
-          <a:xfrm>
-            <a:off x="2206200" y="1002600"/>
-            <a:ext cx="8270875" cy="996950"/>
-          </a:xfrm>
-        </p:spPr>
-        <p:txBody>
-          <a:bodyPr/>
-          <a:lstStyle/>
-          <a:p>
-            <a:pPr eaLnBrk="1" hangingPunct="1">
-              <a:lnSpc>
-                <a:spcPct val="90000"/>
-              </a:lnSpc>
-            </a:pPr>
-            <a:r>
-              <a:rPr lang="en-US" altLang="en-US" dirty="0"/>
-              <a:t>Alternative compiled code sequences using instructions in classes A, B, C</a:t>
-            </a:r>
-            <a:endParaRPr lang="en-AU" altLang="en-US" dirty="0"/>
-          </a:p>
-        </p:txBody>
-      </p:sp>
-      <p:sp>
-        <p:nvSpPr>
-          <p:cNvPr id="72706" name="Footer Placeholder 3"/>
-          <p:cNvSpPr>
-            <a:spLocks noGrp="1"/>
-          </p:cNvSpPr>
-          <p:nvPr>
-            <p:ph type="ftr" sz="quarter" idx="11"/>
-          </p:nvPr>
-        </p:nvSpPr>
-        <p:spPr>
-          <a:xfrm>
-            <a:off x="3216275" y="6381751"/>
-            <a:ext cx="7272338" cy="358775"/>
-          </a:xfrm>
-          <a:prstGeom prst="rect">
-            <a:avLst/>
-          </a:prstGeom>
-          <a:noFill/>
-          <a:ln/>
-          <a:extLst>
-            <a:ext uri="{909E8E84-426E-40DD-AFC4-6F175D3DCCD1}">
-              <a14:hiddenFill xmlns:a14="http://schemas.microsoft.com/office/drawing/2010/main">
-                <a:solidFill>
-                  <a:srgbClr val="FFFFFF"/>
-                </a:solidFill>
-              </a14:hiddenFill>
-            </a:ext>
-            <a:ext uri="{91240B29-F687-4F45-9708-019B960494DF}">
-              <a14:hiddenLine xmlns:a14="http://schemas.microsoft.com/office/drawing/2010/main" w="9525">
-                <a:solidFill>
-                  <a:srgbClr val="000000"/>
-                </a:solidFill>
-                <a:miter lim="800000"/>
-                <a:headEnd/>
-                <a:tailEnd/>
-              </a14:hiddenLine>
-            </a:ext>
-          </a:extLst>
-        </p:spPr>
-        <p:txBody>
-          <a:bodyPr/>
-          <a:lstStyle>
-            <a:lvl1pPr>
-              <a:spcBef>
-                <a:spcPct val="20000"/>
-              </a:spcBef>
-              <a:buClr>
-                <a:schemeClr val="folHlink"/>
-              </a:buClr>
-              <a:buSzPct val="60000"/>
-              <a:buFont typeface="Wingdings" panose="05000000000000000000" pitchFamily="2" charset="2"/>
-              <a:buChar char="n"/>
-              <a:defRPr sz="3200">
-                <a:solidFill>
-                  <a:schemeClr val="tx1"/>
-                </a:solidFill>
-                <a:latin typeface="Arial" panose="020B0604020202020204" pitchFamily="34" charset="0"/>
-              </a:defRPr>
-            </a:lvl1pPr>
-            <a:lvl2pPr marL="742950" indent="-285750">
-              <a:spcBef>
-                <a:spcPct val="20000"/>
-              </a:spcBef>
-              <a:buClr>
-                <a:schemeClr val="hlink"/>
-              </a:buClr>
-              <a:buSzPct val="55000"/>
-              <a:buFont typeface="Wingdings" panose="05000000000000000000" pitchFamily="2" charset="2"/>
-              <a:buChar char="n"/>
-              <a:defRPr sz="2800">
-                <a:solidFill>
-                  <a:schemeClr val="tx1"/>
-                </a:solidFill>
-                <a:latin typeface="Arial" panose="020B0604020202020204" pitchFamily="34" charset="0"/>
-              </a:defRPr>
-            </a:lvl2pPr>
-            <a:lvl3pPr marL="1143000" indent="-228600">
-              <a:spcBef>
-                <a:spcPct val="20000"/>
-              </a:spcBef>
-              <a:buClr>
-                <a:schemeClr val="folHlink"/>
-              </a:buClr>
-              <a:buSzPct val="50000"/>
-              <a:buFont typeface="Wingdings" panose="05000000000000000000" pitchFamily="2" charset="2"/>
-              <a:buChar char="n"/>
-              <a:defRPr sz="2400">
-                <a:solidFill>
-                  <a:schemeClr val="tx1"/>
-                </a:solidFill>
-                <a:latin typeface="Arial" panose="020B0604020202020204" pitchFamily="34" charset="0"/>
-              </a:defRPr>
-            </a:lvl3pPr>
-            <a:lvl4pPr marL="1600200" indent="-228600">
-              <a:spcBef>
-                <a:spcPct val="20000"/>
-              </a:spcBef>
-              <a:buClr>
-                <a:schemeClr val="accent2"/>
-              </a:buClr>
-              <a:buSzPct val="55000"/>
-              <a:buFont typeface="Wingdings" panose="05000000000000000000" pitchFamily="2" charset="2"/>
-              <a:buChar char="n"/>
-              <a:defRPr sz="2000">
-                <a:solidFill>
-                  <a:schemeClr val="tx1"/>
-                </a:solidFill>
-                <a:latin typeface="Arial" panose="020B0604020202020204" pitchFamily="34" charset="0"/>
-              </a:defRPr>
-            </a:lvl4pPr>
-            <a:lvl5pPr marL="2057400" indent="-228600">
-              <a:spcBef>
-                <a:spcPct val="20000"/>
-              </a:spcBef>
-              <a:buClr>
-                <a:schemeClr val="accent1"/>
-              </a:buClr>
-              <a:buSzPct val="50000"/>
-              <a:buFont typeface="Wingdings" panose="05000000000000000000" pitchFamily="2" charset="2"/>
-              <a:buChar char="n"/>
-              <a:defRPr sz="2000">
-                <a:solidFill>
-                  <a:schemeClr val="tx1"/>
-                </a:solidFill>
-                <a:latin typeface="Arial" panose="020B0604020202020204" pitchFamily="34" charset="0"/>
-              </a:defRPr>
-            </a:lvl5pPr>
-            <a:lvl6pPr marL="2514600" indent="-228600" eaLnBrk="0" fontAlgn="base" hangingPunct="0">
-              <a:spcBef>
-                <a:spcPct val="20000"/>
-              </a:spcBef>
-              <a:spcAft>
-                <a:spcPct val="0"/>
-              </a:spcAft>
-              <a:buClr>
-                <a:schemeClr val="accent1"/>
-              </a:buClr>
-              <a:buSzPct val="50000"/>
-              <a:buFont typeface="Wingdings" panose="05000000000000000000" pitchFamily="2" charset="2"/>
-              <a:buChar char="n"/>
-              <a:defRPr sz="2000">
-                <a:solidFill>
-                  <a:schemeClr val="tx1"/>
-                </a:solidFill>
-                <a:latin typeface="Arial" panose="020B0604020202020204" pitchFamily="34" charset="0"/>
-              </a:defRPr>
-            </a:lvl6pPr>
-            <a:lvl7pPr marL="2971800" indent="-228600" eaLnBrk="0" fontAlgn="base" hangingPunct="0">
-              <a:spcBef>
-                <a:spcPct val="20000"/>
-              </a:spcBef>
-              <a:spcAft>
-                <a:spcPct val="0"/>
-              </a:spcAft>
-              <a:buClr>
-                <a:schemeClr val="accent1"/>
-              </a:buClr>
-              <a:buSzPct val="50000"/>
-              <a:buFont typeface="Wingdings" panose="05000000000000000000" pitchFamily="2" charset="2"/>
-              <a:buChar char="n"/>
-              <a:defRPr sz="2000">
-                <a:solidFill>
-                  <a:schemeClr val="tx1"/>
-                </a:solidFill>
-                <a:latin typeface="Arial" panose="020B0604020202020204" pitchFamily="34" charset="0"/>
-              </a:defRPr>
-            </a:lvl7pPr>
-            <a:lvl8pPr marL="3429000" indent="-228600" eaLnBrk="0" fontAlgn="base" hangingPunct="0">
-              <a:spcBef>
-                <a:spcPct val="20000"/>
-              </a:spcBef>
-              <a:spcAft>
-                <a:spcPct val="0"/>
-              </a:spcAft>
-              <a:buClr>
-                <a:schemeClr val="accent1"/>
-              </a:buClr>
-              <a:buSzPct val="50000"/>
-              <a:buFont typeface="Wingdings" panose="05000000000000000000" pitchFamily="2" charset="2"/>
-              <a:buChar char="n"/>
-              <a:defRPr sz="2000">
-                <a:solidFill>
-                  <a:schemeClr val="tx1"/>
-                </a:solidFill>
-                <a:latin typeface="Arial" panose="020B0604020202020204" pitchFamily="34" charset="0"/>
-              </a:defRPr>
-            </a:lvl8pPr>
-            <a:lvl9pPr marL="3886200" indent="-228600" eaLnBrk="0" fontAlgn="base" hangingPunct="0">
-              <a:spcBef>
-                <a:spcPct val="20000"/>
-              </a:spcBef>
-              <a:spcAft>
-                <a:spcPct val="0"/>
-              </a:spcAft>
-              <a:buClr>
-                <a:schemeClr val="accent1"/>
-              </a:buClr>
-              <a:buSzPct val="50000"/>
-              <a:buFont typeface="Wingdings" panose="05000000000000000000" pitchFamily="2" charset="2"/>
-              <a:buChar char="n"/>
-              <a:defRPr sz="2000">
-                <a:solidFill>
-                  <a:schemeClr val="tx1"/>
-                </a:solidFill>
-                <a:latin typeface="Arial" panose="020B0604020202020204" pitchFamily="34" charset="0"/>
-              </a:defRPr>
-            </a:lvl9pPr>
-          </a:lstStyle>
-          <a:p>
-            <a:pPr>
-              <a:spcBef>
-                <a:spcPct val="0"/>
-              </a:spcBef>
-              <a:buClrTx/>
-              <a:buSzTx/>
-              <a:buFontTx/>
-              <a:buNone/>
-            </a:pPr>
-            <a:r>
-              <a:rPr lang="en-AU" altLang="en-US" sz="1400"/>
-              <a:t>Chapter 1 — Computer Abstractions and Technology — </a:t>
-            </a:r>
-            <a:fld id="{BF5754C4-3659-4991-8C79-29B0F2638A3C}" type="slidenum">
-              <a:rPr lang="en-AU" altLang="en-US" sz="1400"/>
-              <a:pPr>
-                <a:spcBef>
-                  <a:spcPct val="0"/>
-                </a:spcBef>
-                <a:buClrTx/>
-                <a:buSzTx/>
-                <a:buFontTx/>
-                <a:buNone/>
-              </a:pPr>
-              <a:t>13</a:t>
-            </a:fld>
-            <a:endParaRPr lang="en-AU" altLang="en-US" sz="1400"/>
-          </a:p>
-        </p:txBody>
-      </p:sp>
-      <p:graphicFrame>
-        <p:nvGraphicFramePr>
-          <p:cNvPr id="321576" name="Group 40"/>
-          <p:cNvGraphicFramePr>
-            <a:graphicFrameLocks noGrp="1"/>
-          </p:cNvGraphicFramePr>
-          <p:nvPr>
-            <p:extLst>
-              <p:ext uri="{D42A27DB-BD31-4B8C-83A1-F6EECF244321}">
-                <p14:modId xmlns:p14="http://schemas.microsoft.com/office/powerpoint/2010/main" val="494266936"/>
-              </p:ext>
-            </p:extLst>
-          </p:nvPr>
-        </p:nvGraphicFramePr>
-        <p:xfrm>
-          <a:off x="3216275" y="1965271"/>
-          <a:ext cx="6600825" cy="1592263"/>
-        </p:xfrm>
-        <a:graphic>
-          <a:graphicData uri="http://schemas.openxmlformats.org/drawingml/2006/table">
-            <a:tbl>
-              <a:tblPr/>
-              <a:tblGrid>
-                <a:gridCol w="2520950">
-                  <a:extLst>
-                    <a:ext uri="{9D8B030D-6E8A-4147-A177-3AD203B41FA5}">
-                      <a16:colId xmlns:a16="http://schemas.microsoft.com/office/drawing/2014/main" val="20000"/>
-                    </a:ext>
-                  </a:extLst>
-                </a:gridCol>
-                <a:gridCol w="1368425">
-                  <a:extLst>
-                    <a:ext uri="{9D8B030D-6E8A-4147-A177-3AD203B41FA5}">
-                      <a16:colId xmlns:a16="http://schemas.microsoft.com/office/drawing/2014/main" val="20001"/>
-                    </a:ext>
-                  </a:extLst>
-                </a:gridCol>
-                <a:gridCol w="1368425">
-                  <a:extLst>
-                    <a:ext uri="{9D8B030D-6E8A-4147-A177-3AD203B41FA5}">
-                      <a16:colId xmlns:a16="http://schemas.microsoft.com/office/drawing/2014/main" val="20002"/>
-                    </a:ext>
-                  </a:extLst>
-                </a:gridCol>
-                <a:gridCol w="1343025">
-                  <a:extLst>
-                    <a:ext uri="{9D8B030D-6E8A-4147-A177-3AD203B41FA5}">
-                      <a16:colId xmlns:a16="http://schemas.microsoft.com/office/drawing/2014/main" val="20003"/>
-                    </a:ext>
-                  </a:extLst>
-                </a:gridCol>
-              </a:tblGrid>
-              <a:tr h="396319">
-                <a:tc>
-                  <a:txBody>
-                    <a:bodyPr/>
-                    <a:lstStyle/>
-                    <a:p>
-                      <a:pPr marL="0" marR="0" lvl="0" indent="0" algn="l" defTabSz="914400" rtl="0" eaLnBrk="1" fontAlgn="base" latinLnBrk="0" hangingPunct="1">
-                        <a:lnSpc>
-                          <a:spcPct val="100000"/>
-                        </a:lnSpc>
-                        <a:spcBef>
-                          <a:spcPct val="20000"/>
-                        </a:spcBef>
-                        <a:spcAft>
-                          <a:spcPct val="0"/>
-                        </a:spcAft>
-                        <a:buClr>
-                          <a:schemeClr val="folHlink"/>
-                        </a:buClr>
-                        <a:buSzPct val="60000"/>
-                        <a:buFont typeface="Wingdings" pitchFamily="2" charset="2"/>
-                        <a:buNone/>
-                        <a:tabLst/>
-                      </a:pPr>
-                      <a:r>
-                        <a:rPr kumimoji="0" lang="en-US" sz="2000" b="0" i="0" u="none" strike="noStrike" cap="none" normalizeH="0" baseline="0" dirty="0">
-                          <a:ln>
-                            <a:noFill/>
-                          </a:ln>
-                          <a:solidFill>
-                            <a:schemeClr val="tx1"/>
-                          </a:solidFill>
-                          <a:effectLst/>
-                          <a:latin typeface="Arial" charset="0"/>
-                        </a:rPr>
-                        <a:t>Class</a:t>
-                      </a:r>
-                      <a:endParaRPr kumimoji="0" lang="en-AU" sz="2000" b="0" i="0" u="none" strike="noStrike" cap="none" normalizeH="0" baseline="0" dirty="0">
-                        <a:ln>
-                          <a:noFill/>
-                        </a:ln>
-                        <a:solidFill>
-                          <a:schemeClr val="tx1"/>
-                        </a:solidFill>
-                        <a:effectLst/>
-                        <a:latin typeface="Arial" charset="0"/>
-                      </a:endParaRPr>
-                    </a:p>
-                  </a:txBody>
-                  <a:tcPr marT="45729" marB="45729" horzOverflow="overflow">
-                    <a:lnL w="28575" cap="flat" cmpd="sng" algn="ctr">
-                      <a:solidFill>
-                        <a:schemeClr val="tx1"/>
-                      </a:solidFill>
-                      <a:prstDash val="solid"/>
-                      <a:round/>
-                      <a:headEnd type="none" w="med" len="med"/>
-                      <a:tailEnd type="none" w="med" len="med"/>
-                    </a:lnL>
-                    <a:lnR w="12700" cap="flat" cmpd="sng" algn="ctr">
-                      <a:solidFill>
-                        <a:schemeClr val="tx1"/>
-                      </a:solidFill>
-                      <a:prstDash val="solid"/>
-                      <a:round/>
-                      <a:headEnd type="none" w="med" len="med"/>
-                      <a:tailEnd type="none" w="med" len="med"/>
-                    </a:lnR>
-                    <a:lnT w="28575" cap="flat" cmpd="sng" algn="ctr">
-                      <a:solidFill>
-                        <a:schemeClr val="tx1"/>
-                      </a:solidFill>
-                      <a:prstDash val="solid"/>
-                      <a:round/>
-                      <a:headEnd type="none" w="med" len="med"/>
-                      <a:tailEnd type="none" w="med" len="med"/>
-                    </a:lnT>
-                    <a:lnB w="28575" cap="flat" cmpd="sng" algn="ctr">
-                      <a:solidFill>
-                        <a:schemeClr val="tx1"/>
-                      </a:solidFill>
-                      <a:prstDash val="solid"/>
-                      <a:round/>
-                      <a:headEnd type="none" w="med" len="med"/>
-                      <a:tailEnd type="none" w="med" len="med"/>
-                    </a:lnB>
-                    <a:lnTlToBr>
-                      <a:noFill/>
-                    </a:lnTlToBr>
-                    <a:lnBlToTr>
-                      <a:noFill/>
-                    </a:lnBlToTr>
-                    <a:noFill/>
-                  </a:tcPr>
-                </a:tc>
-                <a:tc>
-                  <a:txBody>
-                    <a:bodyPr/>
-                    <a:lstStyle/>
-                    <a:p>
-                      <a:pPr marL="0" marR="0" lvl="0" indent="0" algn="ctr" defTabSz="914400" rtl="0" eaLnBrk="1" fontAlgn="base" latinLnBrk="0" hangingPunct="1">
-                        <a:lnSpc>
-                          <a:spcPct val="100000"/>
-                        </a:lnSpc>
-                        <a:spcBef>
-                          <a:spcPct val="20000"/>
-                        </a:spcBef>
-                        <a:spcAft>
-                          <a:spcPct val="0"/>
-                        </a:spcAft>
-                        <a:buClr>
-                          <a:schemeClr val="folHlink"/>
-                        </a:buClr>
-                        <a:buSzPct val="60000"/>
-                        <a:buFont typeface="Wingdings" pitchFamily="2" charset="2"/>
-                        <a:buNone/>
-                        <a:tabLst/>
-                      </a:pPr>
-                      <a:r>
-                        <a:rPr kumimoji="0" lang="en-US" sz="2000" b="0" i="0" u="none" strike="noStrike" cap="none" normalizeH="0" baseline="0">
-                          <a:ln>
-                            <a:noFill/>
-                          </a:ln>
-                          <a:solidFill>
-                            <a:schemeClr val="tx1"/>
-                          </a:solidFill>
-                          <a:effectLst/>
-                          <a:latin typeface="Arial" charset="0"/>
-                        </a:rPr>
-                        <a:t>A</a:t>
-                      </a:r>
-                      <a:endParaRPr kumimoji="0" lang="en-AU" sz="2000" b="0" i="0" u="none" strike="noStrike" cap="none" normalizeH="0" baseline="0">
-                        <a:ln>
-                          <a:noFill/>
-                        </a:ln>
-                        <a:solidFill>
-                          <a:schemeClr val="tx1"/>
-                        </a:solidFill>
-                        <a:effectLst/>
-                        <a:latin typeface="Arial" charset="0"/>
-                      </a:endParaRPr>
-                    </a:p>
-                  </a:txBody>
-                  <a:tcPr marT="45729" marB="45729" horzOverflow="overflow">
-                    <a:lnL w="12700" cap="flat" cmpd="sng" algn="ctr">
-                      <a:solidFill>
-                        <a:schemeClr val="tx1"/>
-                      </a:solidFill>
-                      <a:prstDash val="solid"/>
-                      <a:round/>
-                      <a:headEnd type="none" w="med" len="med"/>
-                      <a:tailEnd type="none" w="med" len="med"/>
-                    </a:lnL>
-                    <a:lnR w="12700" cap="flat" cmpd="sng" algn="ctr">
-                      <a:solidFill>
-                        <a:schemeClr val="tx1"/>
-                      </a:solidFill>
-                      <a:prstDash val="solid"/>
-                      <a:round/>
-                      <a:headEnd type="none" w="med" len="med"/>
-                      <a:tailEnd type="none" w="med" len="med"/>
-                    </a:lnR>
-                    <a:lnT w="28575" cap="flat" cmpd="sng" algn="ctr">
-                      <a:solidFill>
-                        <a:schemeClr val="tx1"/>
-                      </a:solidFill>
-                      <a:prstDash val="solid"/>
-                      <a:round/>
-                      <a:headEnd type="none" w="med" len="med"/>
-                      <a:tailEnd type="none" w="med" len="med"/>
-                    </a:lnT>
-                    <a:lnB w="28575" cap="flat" cmpd="sng" algn="ctr">
-                      <a:solidFill>
-                        <a:schemeClr val="tx1"/>
-                      </a:solidFill>
-                      <a:prstDash val="solid"/>
-                      <a:round/>
-                      <a:headEnd type="none" w="med" len="med"/>
-                      <a:tailEnd type="none" w="med" len="med"/>
-                    </a:lnB>
-                    <a:lnTlToBr>
-                      <a:noFill/>
-                    </a:lnTlToBr>
-                    <a:lnBlToTr>
-                      <a:noFill/>
-                    </a:lnBlToTr>
-                    <a:noFill/>
-                  </a:tcPr>
-                </a:tc>
-                <a:tc>
-                  <a:txBody>
-                    <a:bodyPr/>
-                    <a:lstStyle/>
-                    <a:p>
-                      <a:pPr marL="0" marR="0" lvl="0" indent="0" algn="ctr" defTabSz="914400" rtl="0" eaLnBrk="1" fontAlgn="base" latinLnBrk="0" hangingPunct="1">
-                        <a:lnSpc>
-                          <a:spcPct val="100000"/>
-                        </a:lnSpc>
-                        <a:spcBef>
-                          <a:spcPct val="20000"/>
-                        </a:spcBef>
-                        <a:spcAft>
-                          <a:spcPct val="0"/>
-                        </a:spcAft>
-                        <a:buClr>
-                          <a:schemeClr val="folHlink"/>
-                        </a:buClr>
-                        <a:buSzPct val="60000"/>
-                        <a:buFont typeface="Wingdings" pitchFamily="2" charset="2"/>
-                        <a:buNone/>
-                        <a:tabLst/>
-                      </a:pPr>
-                      <a:r>
-                        <a:rPr kumimoji="0" lang="en-US" sz="2000" b="0" i="0" u="none" strike="noStrike" cap="none" normalizeH="0" baseline="0">
-                          <a:ln>
-                            <a:noFill/>
-                          </a:ln>
-                          <a:solidFill>
-                            <a:schemeClr val="tx1"/>
-                          </a:solidFill>
-                          <a:effectLst/>
-                          <a:latin typeface="Arial" charset="0"/>
-                        </a:rPr>
-                        <a:t>B</a:t>
-                      </a:r>
-                      <a:endParaRPr kumimoji="0" lang="en-AU" sz="2000" b="0" i="0" u="none" strike="noStrike" cap="none" normalizeH="0" baseline="0">
-                        <a:ln>
-                          <a:noFill/>
-                        </a:ln>
-                        <a:solidFill>
-                          <a:schemeClr val="tx1"/>
-                        </a:solidFill>
-                        <a:effectLst/>
-                        <a:latin typeface="Arial" charset="0"/>
-                      </a:endParaRPr>
-                    </a:p>
-                  </a:txBody>
-                  <a:tcPr marT="45729" marB="45729" horzOverflow="overflow">
-                    <a:lnL w="12700" cap="flat" cmpd="sng" algn="ctr">
-                      <a:solidFill>
-                        <a:schemeClr val="tx1"/>
-                      </a:solidFill>
-                      <a:prstDash val="solid"/>
-                      <a:round/>
-                      <a:headEnd type="none" w="med" len="med"/>
-                      <a:tailEnd type="none" w="med" len="med"/>
-                    </a:lnL>
-                    <a:lnR w="12700" cap="flat" cmpd="sng" algn="ctr">
-                      <a:solidFill>
-                        <a:schemeClr val="tx1"/>
-                      </a:solidFill>
-                      <a:prstDash val="solid"/>
-                      <a:round/>
-                      <a:headEnd type="none" w="med" len="med"/>
-                      <a:tailEnd type="none" w="med" len="med"/>
-                    </a:lnR>
-                    <a:lnT w="28575" cap="flat" cmpd="sng" algn="ctr">
-                      <a:solidFill>
-                        <a:schemeClr val="tx1"/>
-                      </a:solidFill>
-                      <a:prstDash val="solid"/>
-                      <a:round/>
-                      <a:headEnd type="none" w="med" len="med"/>
-                      <a:tailEnd type="none" w="med" len="med"/>
-                    </a:lnT>
-                    <a:lnB w="28575" cap="flat" cmpd="sng" algn="ctr">
-                      <a:solidFill>
-                        <a:schemeClr val="tx1"/>
-                      </a:solidFill>
-                      <a:prstDash val="solid"/>
-                      <a:round/>
-                      <a:headEnd type="none" w="med" len="med"/>
-                      <a:tailEnd type="none" w="med" len="med"/>
-                    </a:lnB>
-                    <a:lnTlToBr>
-                      <a:noFill/>
-                    </a:lnTlToBr>
-                    <a:lnBlToTr>
-                      <a:noFill/>
-                    </a:lnBlToTr>
-                    <a:noFill/>
-                  </a:tcPr>
-                </a:tc>
-                <a:tc>
-                  <a:txBody>
-                    <a:bodyPr/>
-                    <a:lstStyle/>
-                    <a:p>
-                      <a:pPr marL="0" marR="0" lvl="0" indent="0" algn="ctr" defTabSz="914400" rtl="0" eaLnBrk="1" fontAlgn="base" latinLnBrk="0" hangingPunct="1">
-                        <a:lnSpc>
-                          <a:spcPct val="100000"/>
-                        </a:lnSpc>
-                        <a:spcBef>
-                          <a:spcPct val="20000"/>
-                        </a:spcBef>
-                        <a:spcAft>
-                          <a:spcPct val="0"/>
-                        </a:spcAft>
-                        <a:buClr>
-                          <a:schemeClr val="folHlink"/>
-                        </a:buClr>
-                        <a:buSzPct val="60000"/>
-                        <a:buFont typeface="Wingdings" pitchFamily="2" charset="2"/>
-                        <a:buNone/>
-                        <a:tabLst/>
-                      </a:pPr>
-                      <a:r>
-                        <a:rPr kumimoji="0" lang="en-US" sz="2000" b="0" i="0" u="none" strike="noStrike" cap="none" normalizeH="0" baseline="0">
-                          <a:ln>
-                            <a:noFill/>
-                          </a:ln>
-                          <a:solidFill>
-                            <a:schemeClr val="tx1"/>
-                          </a:solidFill>
-                          <a:effectLst/>
-                          <a:latin typeface="Arial" charset="0"/>
-                        </a:rPr>
-                        <a:t>C</a:t>
-                      </a:r>
-                      <a:endParaRPr kumimoji="0" lang="en-AU" sz="2000" b="0" i="0" u="none" strike="noStrike" cap="none" normalizeH="0" baseline="0">
-                        <a:ln>
-                          <a:noFill/>
-                        </a:ln>
-                        <a:solidFill>
-                          <a:schemeClr val="tx1"/>
-                        </a:solidFill>
-                        <a:effectLst/>
-                        <a:latin typeface="Arial" charset="0"/>
-                      </a:endParaRPr>
-                    </a:p>
-                  </a:txBody>
-                  <a:tcPr marT="45729" marB="45729" horzOverflow="overflow">
-                    <a:lnL w="12700" cap="flat" cmpd="sng" algn="ctr">
-                      <a:solidFill>
-                        <a:schemeClr val="tx1"/>
-                      </a:solidFill>
-                      <a:prstDash val="solid"/>
-                      <a:round/>
-                      <a:headEnd type="none" w="med" len="med"/>
-                      <a:tailEnd type="none" w="med" len="med"/>
-                    </a:lnL>
-                    <a:lnR w="28575" cap="flat" cmpd="sng" algn="ctr">
-                      <a:solidFill>
-                        <a:schemeClr val="tx1"/>
-                      </a:solidFill>
-                      <a:prstDash val="solid"/>
-                      <a:round/>
-                      <a:headEnd type="none" w="med" len="med"/>
-                      <a:tailEnd type="none" w="med" len="med"/>
-                    </a:lnR>
-                    <a:lnT w="28575" cap="flat" cmpd="sng" algn="ctr">
-                      <a:solidFill>
-                        <a:schemeClr val="tx1"/>
-                      </a:solidFill>
-                      <a:prstDash val="solid"/>
-                      <a:round/>
-                      <a:headEnd type="none" w="med" len="med"/>
-                      <a:tailEnd type="none" w="med" len="med"/>
-                    </a:lnT>
-                    <a:lnB w="28575" cap="flat" cmpd="sng" algn="ctr">
-                      <a:solidFill>
-                        <a:schemeClr val="tx1"/>
-                      </a:solidFill>
-                      <a:prstDash val="solid"/>
-                      <a:round/>
-                      <a:headEnd type="none" w="med" len="med"/>
-                      <a:tailEnd type="none" w="med" len="med"/>
-                    </a:lnB>
-                    <a:lnTlToBr>
-                      <a:noFill/>
-                    </a:lnTlToBr>
-                    <a:lnBlToTr>
-                      <a:noFill/>
-                    </a:lnBlToTr>
-                    <a:noFill/>
-                  </a:tcPr>
-                </a:tc>
-                <a:extLst>
-                  <a:ext uri="{0D108BD9-81ED-4DB2-BD59-A6C34878D82A}">
-                    <a16:rowId xmlns:a16="http://schemas.microsoft.com/office/drawing/2014/main" val="10000"/>
-                  </a:ext>
-                </a:extLst>
-              </a:tr>
-              <a:tr h="396319">
-                <a:tc>
-                  <a:txBody>
-                    <a:bodyPr/>
-                    <a:lstStyle/>
-                    <a:p>
-                      <a:pPr marL="0" marR="0" lvl="0" indent="0" algn="l" defTabSz="914400" rtl="0" eaLnBrk="1" fontAlgn="base" latinLnBrk="0" hangingPunct="1">
-                        <a:lnSpc>
-                          <a:spcPct val="100000"/>
-                        </a:lnSpc>
-                        <a:spcBef>
-                          <a:spcPct val="20000"/>
-                        </a:spcBef>
-                        <a:spcAft>
-                          <a:spcPct val="0"/>
-                        </a:spcAft>
-                        <a:buClr>
-                          <a:schemeClr val="folHlink"/>
-                        </a:buClr>
-                        <a:buSzPct val="60000"/>
-                        <a:buFont typeface="Wingdings" pitchFamily="2" charset="2"/>
-                        <a:buNone/>
-                        <a:tabLst/>
-                      </a:pPr>
-                      <a:r>
-                        <a:rPr kumimoji="0" lang="en-US" sz="2000" b="0" i="0" u="none" strike="noStrike" cap="none" normalizeH="0" baseline="0" dirty="0">
-                          <a:ln>
-                            <a:noFill/>
-                          </a:ln>
-                          <a:solidFill>
-                            <a:schemeClr val="tx1"/>
-                          </a:solidFill>
-                          <a:effectLst/>
-                          <a:latin typeface="Arial" charset="0"/>
-                        </a:rPr>
-                        <a:t>CPI for class</a:t>
-                      </a:r>
-                      <a:endParaRPr kumimoji="0" lang="en-AU" sz="2000" b="0" i="0" u="none" strike="noStrike" cap="none" normalizeH="0" baseline="0" dirty="0">
-                        <a:ln>
-                          <a:noFill/>
-                        </a:ln>
-                        <a:solidFill>
-                          <a:schemeClr val="tx1"/>
-                        </a:solidFill>
-                        <a:effectLst/>
-                        <a:latin typeface="Arial" charset="0"/>
-                      </a:endParaRPr>
-                    </a:p>
-                  </a:txBody>
-                  <a:tcPr marT="45729" marB="45729" horzOverflow="overflow">
-                    <a:lnL w="28575" cap="flat" cmpd="sng" algn="ctr">
-                      <a:solidFill>
-                        <a:schemeClr val="tx1"/>
-                      </a:solidFill>
-                      <a:prstDash val="solid"/>
-                      <a:round/>
-                      <a:headEnd type="none" w="med" len="med"/>
-                      <a:tailEnd type="none" w="med" len="med"/>
-                    </a:lnL>
-                    <a:lnR w="12700" cap="flat" cmpd="sng" algn="ctr">
-                      <a:solidFill>
-                        <a:schemeClr val="tx1"/>
-                      </a:solidFill>
-                      <a:prstDash val="solid"/>
-                      <a:round/>
-                      <a:headEnd type="none" w="med" len="med"/>
-                      <a:tailEnd type="none" w="med" len="med"/>
-                    </a:lnR>
-                    <a:lnT w="28575" cap="flat" cmpd="sng" algn="ctr">
-                      <a:solidFill>
-                        <a:schemeClr val="tx1"/>
-                      </a:solidFill>
-                      <a:prstDash val="solid"/>
-                      <a:round/>
-                      <a:headEnd type="none" w="med" len="med"/>
-                      <a:tailEnd type="none" w="med" len="med"/>
-                    </a:lnT>
-                    <a:lnB w="12700" cap="flat" cmpd="sng" algn="ctr">
-                      <a:solidFill>
-                        <a:schemeClr val="tx1"/>
-                      </a:solidFill>
-                      <a:prstDash val="solid"/>
-                      <a:round/>
-                      <a:headEnd type="none" w="med" len="med"/>
-                      <a:tailEnd type="none" w="med" len="med"/>
-                    </a:lnB>
-                    <a:lnTlToBr>
-                      <a:noFill/>
-                    </a:lnTlToBr>
-                    <a:lnBlToTr>
-                      <a:noFill/>
-                    </a:lnBlToTr>
-                    <a:noFill/>
-                  </a:tcPr>
-                </a:tc>
-                <a:tc>
-                  <a:txBody>
-                    <a:bodyPr/>
-                    <a:lstStyle/>
-                    <a:p>
-                      <a:pPr marL="0" marR="0" lvl="0" indent="0" algn="ctr" defTabSz="914400" rtl="0" eaLnBrk="1" fontAlgn="base" latinLnBrk="0" hangingPunct="1">
-                        <a:lnSpc>
-                          <a:spcPct val="100000"/>
-                        </a:lnSpc>
-                        <a:spcBef>
-                          <a:spcPct val="20000"/>
-                        </a:spcBef>
-                        <a:spcAft>
-                          <a:spcPct val="0"/>
-                        </a:spcAft>
-                        <a:buClr>
-                          <a:schemeClr val="folHlink"/>
-                        </a:buClr>
-                        <a:buSzPct val="60000"/>
-                        <a:buFont typeface="Wingdings" pitchFamily="2" charset="2"/>
-                        <a:buNone/>
-                        <a:tabLst/>
-                      </a:pPr>
-                      <a:r>
-                        <a:rPr kumimoji="0" lang="en-US" sz="2000" b="0" i="0" u="none" strike="noStrike" cap="none" normalizeH="0" baseline="0">
-                          <a:ln>
-                            <a:noFill/>
-                          </a:ln>
-                          <a:solidFill>
-                            <a:schemeClr val="tx1"/>
-                          </a:solidFill>
-                          <a:effectLst/>
-                          <a:latin typeface="Arial" charset="0"/>
-                        </a:rPr>
-                        <a:t>1</a:t>
-                      </a:r>
-                      <a:endParaRPr kumimoji="0" lang="en-AU" sz="2000" b="0" i="0" u="none" strike="noStrike" cap="none" normalizeH="0" baseline="0">
-                        <a:ln>
-                          <a:noFill/>
-                        </a:ln>
-                        <a:solidFill>
-                          <a:schemeClr val="tx1"/>
-                        </a:solidFill>
-                        <a:effectLst/>
-                        <a:latin typeface="Arial" charset="0"/>
-                      </a:endParaRPr>
-                    </a:p>
-                  </a:txBody>
-                  <a:tcPr marT="45729" marB="45729" horzOverflow="overflow">
-                    <a:lnL w="12700" cap="flat" cmpd="sng" algn="ctr">
-                      <a:solidFill>
-                        <a:schemeClr val="tx1"/>
-                      </a:solidFill>
-                      <a:prstDash val="solid"/>
-                      <a:round/>
-                      <a:headEnd type="none" w="med" len="med"/>
-                      <a:tailEnd type="none" w="med" len="med"/>
-                    </a:lnL>
-                    <a:lnR w="12700" cap="flat" cmpd="sng" algn="ctr">
-                      <a:solidFill>
-                        <a:schemeClr val="tx1"/>
-                      </a:solidFill>
-                      <a:prstDash val="solid"/>
-                      <a:round/>
-                      <a:headEnd type="none" w="med" len="med"/>
-                      <a:tailEnd type="none" w="med" len="med"/>
-                    </a:lnR>
-                    <a:lnT w="28575" cap="flat" cmpd="sng" algn="ctr">
-                      <a:solidFill>
-                        <a:schemeClr val="tx1"/>
-                      </a:solidFill>
-                      <a:prstDash val="solid"/>
-                      <a:round/>
-                      <a:headEnd type="none" w="med" len="med"/>
-                      <a:tailEnd type="none" w="med" len="med"/>
-                    </a:lnT>
-                    <a:lnB w="12700" cap="flat" cmpd="sng" algn="ctr">
-                      <a:solidFill>
-                        <a:schemeClr val="tx1"/>
-                      </a:solidFill>
-                      <a:prstDash val="solid"/>
-                      <a:round/>
-                      <a:headEnd type="none" w="med" len="med"/>
-                      <a:tailEnd type="none" w="med" len="med"/>
-                    </a:lnB>
-                    <a:lnTlToBr>
-                      <a:noFill/>
-                    </a:lnTlToBr>
-                    <a:lnBlToTr>
-                      <a:noFill/>
-                    </a:lnBlToTr>
-                    <a:noFill/>
-                  </a:tcPr>
-                </a:tc>
-                <a:tc>
-                  <a:txBody>
-                    <a:bodyPr/>
-                    <a:lstStyle/>
-                    <a:p>
-                      <a:pPr marL="0" marR="0" lvl="0" indent="0" algn="ctr" defTabSz="914400" rtl="0" eaLnBrk="1" fontAlgn="base" latinLnBrk="0" hangingPunct="1">
-                        <a:lnSpc>
-                          <a:spcPct val="100000"/>
-                        </a:lnSpc>
-                        <a:spcBef>
-                          <a:spcPct val="20000"/>
-                        </a:spcBef>
-                        <a:spcAft>
-                          <a:spcPct val="0"/>
-                        </a:spcAft>
-                        <a:buClr>
-                          <a:schemeClr val="folHlink"/>
-                        </a:buClr>
-                        <a:buSzPct val="60000"/>
-                        <a:buFont typeface="Wingdings" pitchFamily="2" charset="2"/>
-                        <a:buNone/>
-                        <a:tabLst/>
-                      </a:pPr>
-                      <a:r>
-                        <a:rPr kumimoji="0" lang="en-US" sz="2000" b="0" i="0" u="none" strike="noStrike" cap="none" normalizeH="0" baseline="0">
-                          <a:ln>
-                            <a:noFill/>
-                          </a:ln>
-                          <a:solidFill>
-                            <a:schemeClr val="tx1"/>
-                          </a:solidFill>
-                          <a:effectLst/>
-                          <a:latin typeface="Arial" charset="0"/>
-                        </a:rPr>
-                        <a:t>2</a:t>
-                      </a:r>
-                      <a:endParaRPr kumimoji="0" lang="en-AU" sz="2000" b="0" i="0" u="none" strike="noStrike" cap="none" normalizeH="0" baseline="0">
-                        <a:ln>
-                          <a:noFill/>
-                        </a:ln>
-                        <a:solidFill>
-                          <a:schemeClr val="tx1"/>
-                        </a:solidFill>
-                        <a:effectLst/>
-                        <a:latin typeface="Arial" charset="0"/>
-                      </a:endParaRPr>
-                    </a:p>
-                  </a:txBody>
-                  <a:tcPr marT="45729" marB="45729" horzOverflow="overflow">
-                    <a:lnL w="12700" cap="flat" cmpd="sng" algn="ctr">
-                      <a:solidFill>
-                        <a:schemeClr val="tx1"/>
-                      </a:solidFill>
-                      <a:prstDash val="solid"/>
-                      <a:round/>
-                      <a:headEnd type="none" w="med" len="med"/>
-                      <a:tailEnd type="none" w="med" len="med"/>
-                    </a:lnL>
-                    <a:lnR w="12700" cap="flat" cmpd="sng" algn="ctr">
-                      <a:solidFill>
-                        <a:schemeClr val="tx1"/>
-                      </a:solidFill>
-                      <a:prstDash val="solid"/>
-                      <a:round/>
-                      <a:headEnd type="none" w="med" len="med"/>
-                      <a:tailEnd type="none" w="med" len="med"/>
-                    </a:lnR>
-                    <a:lnT w="28575" cap="flat" cmpd="sng" algn="ctr">
-                      <a:solidFill>
-                        <a:schemeClr val="tx1"/>
-                      </a:solidFill>
-                      <a:prstDash val="solid"/>
-                      <a:round/>
-                      <a:headEnd type="none" w="med" len="med"/>
-                      <a:tailEnd type="none" w="med" len="med"/>
-                    </a:lnT>
-                    <a:lnB w="12700" cap="flat" cmpd="sng" algn="ctr">
-                      <a:solidFill>
-                        <a:schemeClr val="tx1"/>
-                      </a:solidFill>
-                      <a:prstDash val="solid"/>
-                      <a:round/>
-                      <a:headEnd type="none" w="med" len="med"/>
-                      <a:tailEnd type="none" w="med" len="med"/>
-                    </a:lnB>
-                    <a:lnTlToBr>
-                      <a:noFill/>
-                    </a:lnTlToBr>
-                    <a:lnBlToTr>
-                      <a:noFill/>
-                    </a:lnBlToTr>
-                    <a:noFill/>
-                  </a:tcPr>
-                </a:tc>
-                <a:tc>
-                  <a:txBody>
-                    <a:bodyPr/>
-                    <a:lstStyle/>
-                    <a:p>
-                      <a:pPr marL="0" marR="0" lvl="0" indent="0" algn="ctr" defTabSz="914400" rtl="0" eaLnBrk="1" fontAlgn="base" latinLnBrk="0" hangingPunct="1">
-                        <a:lnSpc>
-                          <a:spcPct val="100000"/>
-                        </a:lnSpc>
-                        <a:spcBef>
-                          <a:spcPct val="20000"/>
-                        </a:spcBef>
-                        <a:spcAft>
-                          <a:spcPct val="0"/>
-                        </a:spcAft>
-                        <a:buClr>
-                          <a:schemeClr val="folHlink"/>
-                        </a:buClr>
-                        <a:buSzPct val="60000"/>
-                        <a:buFont typeface="Wingdings" pitchFamily="2" charset="2"/>
-                        <a:buNone/>
-                        <a:tabLst/>
-                      </a:pPr>
-                      <a:r>
-                        <a:rPr kumimoji="0" lang="en-US" sz="2000" b="0" i="0" u="none" strike="noStrike" cap="none" normalizeH="0" baseline="0">
-                          <a:ln>
-                            <a:noFill/>
-                          </a:ln>
-                          <a:solidFill>
-                            <a:schemeClr val="tx1"/>
-                          </a:solidFill>
-                          <a:effectLst/>
-                          <a:latin typeface="Arial" charset="0"/>
-                        </a:rPr>
-                        <a:t>3</a:t>
-                      </a:r>
-                      <a:endParaRPr kumimoji="0" lang="en-AU" sz="2000" b="0" i="0" u="none" strike="noStrike" cap="none" normalizeH="0" baseline="0">
-                        <a:ln>
-                          <a:noFill/>
-                        </a:ln>
-                        <a:solidFill>
-                          <a:schemeClr val="tx1"/>
-                        </a:solidFill>
-                        <a:effectLst/>
-                        <a:latin typeface="Arial" charset="0"/>
-                      </a:endParaRPr>
-                    </a:p>
-                  </a:txBody>
-                  <a:tcPr marT="45729" marB="45729" horzOverflow="overflow">
-                    <a:lnL w="12700" cap="flat" cmpd="sng" algn="ctr">
-                      <a:solidFill>
-                        <a:schemeClr val="tx1"/>
-                      </a:solidFill>
-                      <a:prstDash val="solid"/>
-                      <a:round/>
-                      <a:headEnd type="none" w="med" len="med"/>
-                      <a:tailEnd type="none" w="med" len="med"/>
-                    </a:lnL>
-                    <a:lnR w="28575" cap="flat" cmpd="sng" algn="ctr">
-                      <a:solidFill>
-                        <a:schemeClr val="tx1"/>
-                      </a:solidFill>
-                      <a:prstDash val="solid"/>
-                      <a:round/>
-                      <a:headEnd type="none" w="med" len="med"/>
-                      <a:tailEnd type="none" w="med" len="med"/>
-                    </a:lnR>
-                    <a:lnT w="28575" cap="flat" cmpd="sng" algn="ctr">
-                      <a:solidFill>
-                        <a:schemeClr val="tx1"/>
-                      </a:solidFill>
-                      <a:prstDash val="solid"/>
-                      <a:round/>
-                      <a:headEnd type="none" w="med" len="med"/>
-                      <a:tailEnd type="none" w="med" len="med"/>
-                    </a:lnT>
-                    <a:lnB w="12700" cap="flat" cmpd="sng" algn="ctr">
-                      <a:solidFill>
-                        <a:schemeClr val="tx1"/>
-                      </a:solidFill>
-                      <a:prstDash val="solid"/>
-                      <a:round/>
-                      <a:headEnd type="none" w="med" len="med"/>
-                      <a:tailEnd type="none" w="med" len="med"/>
-                    </a:lnB>
-                    <a:lnTlToBr>
-                      <a:noFill/>
-                    </a:lnTlToBr>
-                    <a:lnBlToTr>
-                      <a:noFill/>
-                    </a:lnBlToTr>
-                    <a:noFill/>
-                  </a:tcPr>
-                </a:tc>
-                <a:extLst>
-                  <a:ext uri="{0D108BD9-81ED-4DB2-BD59-A6C34878D82A}">
-                    <a16:rowId xmlns:a16="http://schemas.microsoft.com/office/drawing/2014/main" val="10001"/>
-                  </a:ext>
-                </a:extLst>
-              </a:tr>
-              <a:tr h="396319">
-                <a:tc>
-                  <a:txBody>
-                    <a:bodyPr/>
-                    <a:lstStyle/>
-                    <a:p>
-                      <a:pPr marL="0" marR="0" lvl="0" indent="0" algn="l" defTabSz="914400" rtl="0" eaLnBrk="1" fontAlgn="base" latinLnBrk="0" hangingPunct="1">
-                        <a:lnSpc>
-                          <a:spcPct val="100000"/>
-                        </a:lnSpc>
-                        <a:spcBef>
-                          <a:spcPct val="20000"/>
-                        </a:spcBef>
-                        <a:spcAft>
-                          <a:spcPct val="0"/>
-                        </a:spcAft>
-                        <a:buClr>
-                          <a:schemeClr val="folHlink"/>
-                        </a:buClr>
-                        <a:buSzPct val="60000"/>
-                        <a:buFont typeface="Wingdings" pitchFamily="2" charset="2"/>
-                        <a:buNone/>
-                        <a:tabLst/>
-                      </a:pPr>
-                      <a:r>
-                        <a:rPr kumimoji="0" lang="en-US" sz="2000" b="0" i="0" u="none" strike="noStrike" cap="none" normalizeH="0" baseline="0">
-                          <a:ln>
-                            <a:noFill/>
-                          </a:ln>
-                          <a:solidFill>
-                            <a:schemeClr val="tx1"/>
-                          </a:solidFill>
-                          <a:effectLst/>
-                          <a:latin typeface="Arial" charset="0"/>
-                        </a:rPr>
-                        <a:t>IC in sequence 1</a:t>
-                      </a:r>
-                    </a:p>
-                  </a:txBody>
-                  <a:tcPr marT="45729" marB="45729" horzOverflow="overflow">
-                    <a:lnL w="28575" cap="flat" cmpd="sng" algn="ctr">
-                      <a:solidFill>
-                        <a:schemeClr val="tx1"/>
-                      </a:solidFill>
-                      <a:prstDash val="solid"/>
-                      <a:round/>
-                      <a:headEnd type="none" w="med" len="med"/>
-                      <a:tailEnd type="none" w="med" len="med"/>
-                    </a:lnL>
-                    <a:lnR w="12700" cap="flat" cmpd="sng" algn="ctr">
-                      <a:solidFill>
-                        <a:schemeClr val="tx1"/>
-                      </a:solidFill>
-                      <a:prstDash val="solid"/>
-                      <a:round/>
-                      <a:headEnd type="none" w="med" len="med"/>
-                      <a:tailEnd type="none" w="med" len="med"/>
-                    </a:lnR>
-                    <a:lnT w="12700" cap="flat" cmpd="sng" algn="ctr">
-                      <a:solidFill>
-                        <a:schemeClr val="tx1"/>
-                      </a:solidFill>
-                      <a:prstDash val="solid"/>
-                      <a:round/>
-                      <a:headEnd type="none" w="med" len="med"/>
-                      <a:tailEnd type="none" w="med" len="med"/>
-                    </a:lnT>
-                    <a:lnB w="12700" cap="flat" cmpd="sng" algn="ctr">
-                      <a:solidFill>
-                        <a:schemeClr val="tx1"/>
-                      </a:solidFill>
-                      <a:prstDash val="solid"/>
-                      <a:round/>
-                      <a:headEnd type="none" w="med" len="med"/>
-                      <a:tailEnd type="none" w="med" len="med"/>
-                    </a:lnB>
-                    <a:lnTlToBr>
-                      <a:noFill/>
-                    </a:lnTlToBr>
-                    <a:lnBlToTr>
-                      <a:noFill/>
-                    </a:lnBlToTr>
-                    <a:noFill/>
-                  </a:tcPr>
-                </a:tc>
-                <a:tc>
-                  <a:txBody>
-                    <a:bodyPr/>
-                    <a:lstStyle/>
-                    <a:p>
-                      <a:pPr marL="0" marR="0" lvl="0" indent="0" algn="ctr" defTabSz="914400" rtl="0" eaLnBrk="1" fontAlgn="base" latinLnBrk="0" hangingPunct="1">
-                        <a:lnSpc>
-                          <a:spcPct val="100000"/>
-                        </a:lnSpc>
-                        <a:spcBef>
-                          <a:spcPct val="20000"/>
-                        </a:spcBef>
-                        <a:spcAft>
-                          <a:spcPct val="0"/>
-                        </a:spcAft>
-                        <a:buClr>
-                          <a:schemeClr val="folHlink"/>
-                        </a:buClr>
-                        <a:buSzPct val="60000"/>
-                        <a:buFont typeface="Wingdings" pitchFamily="2" charset="2"/>
-                        <a:buNone/>
-                        <a:tabLst/>
-                      </a:pPr>
-                      <a:r>
-                        <a:rPr kumimoji="0" lang="en-US" sz="2000" b="0" i="0" u="none" strike="noStrike" cap="none" normalizeH="0" baseline="0">
-                          <a:ln>
-                            <a:noFill/>
-                          </a:ln>
-                          <a:solidFill>
-                            <a:schemeClr val="tx1"/>
-                          </a:solidFill>
-                          <a:effectLst/>
-                          <a:latin typeface="Arial" charset="0"/>
-                        </a:rPr>
-                        <a:t>2</a:t>
-                      </a:r>
-                      <a:endParaRPr kumimoji="0" lang="en-AU" sz="2000" b="0" i="0" u="none" strike="noStrike" cap="none" normalizeH="0" baseline="0">
-                        <a:ln>
-                          <a:noFill/>
-                        </a:ln>
-                        <a:solidFill>
-                          <a:schemeClr val="tx1"/>
-                        </a:solidFill>
-                        <a:effectLst/>
-                        <a:latin typeface="Arial" charset="0"/>
-                      </a:endParaRPr>
-                    </a:p>
-                  </a:txBody>
-                  <a:tcPr marT="45729" marB="45729" horzOverflow="overflow">
-                    <a:lnL w="12700" cap="flat" cmpd="sng" algn="ctr">
-                      <a:solidFill>
-                        <a:schemeClr val="tx1"/>
-                      </a:solidFill>
-                      <a:prstDash val="solid"/>
-                      <a:round/>
-                      <a:headEnd type="none" w="med" len="med"/>
-                      <a:tailEnd type="none" w="med" len="med"/>
-                    </a:lnL>
-                    <a:lnR w="12700" cap="flat" cmpd="sng" algn="ctr">
-                      <a:solidFill>
-                        <a:schemeClr val="tx1"/>
-                      </a:solidFill>
-                      <a:prstDash val="solid"/>
-                      <a:round/>
-                      <a:headEnd type="none" w="med" len="med"/>
-                      <a:tailEnd type="none" w="med" len="med"/>
-                    </a:lnR>
-                    <a:lnT w="12700" cap="flat" cmpd="sng" algn="ctr">
-                      <a:solidFill>
-                        <a:schemeClr val="tx1"/>
-                      </a:solidFill>
-                      <a:prstDash val="solid"/>
-                      <a:round/>
-                      <a:headEnd type="none" w="med" len="med"/>
-                      <a:tailEnd type="none" w="med" len="med"/>
-                    </a:lnT>
-                    <a:lnB w="12700" cap="flat" cmpd="sng" algn="ctr">
-                      <a:solidFill>
-                        <a:schemeClr val="tx1"/>
-                      </a:solidFill>
-                      <a:prstDash val="solid"/>
-                      <a:round/>
-                      <a:headEnd type="none" w="med" len="med"/>
-                      <a:tailEnd type="none" w="med" len="med"/>
-                    </a:lnB>
-                    <a:lnTlToBr>
-                      <a:noFill/>
-                    </a:lnTlToBr>
-                    <a:lnBlToTr>
-                      <a:noFill/>
-                    </a:lnBlToTr>
-                    <a:noFill/>
-                  </a:tcPr>
-                </a:tc>
-                <a:tc>
-                  <a:txBody>
-                    <a:bodyPr/>
-                    <a:lstStyle/>
-                    <a:p>
-                      <a:pPr marL="0" marR="0" lvl="0" indent="0" algn="ctr" defTabSz="914400" rtl="0" eaLnBrk="1" fontAlgn="base" latinLnBrk="0" hangingPunct="1">
-                        <a:lnSpc>
-                          <a:spcPct val="100000"/>
-                        </a:lnSpc>
-                        <a:spcBef>
-                          <a:spcPct val="20000"/>
-                        </a:spcBef>
-                        <a:spcAft>
-                          <a:spcPct val="0"/>
-                        </a:spcAft>
-                        <a:buClr>
-                          <a:schemeClr val="folHlink"/>
-                        </a:buClr>
-                        <a:buSzPct val="60000"/>
-                        <a:buFont typeface="Wingdings" pitchFamily="2" charset="2"/>
-                        <a:buNone/>
-                        <a:tabLst/>
-                      </a:pPr>
-                      <a:r>
-                        <a:rPr kumimoji="0" lang="en-US" sz="2000" b="0" i="0" u="none" strike="noStrike" cap="none" normalizeH="0" baseline="0">
-                          <a:ln>
-                            <a:noFill/>
-                          </a:ln>
-                          <a:solidFill>
-                            <a:schemeClr val="tx1"/>
-                          </a:solidFill>
-                          <a:effectLst/>
-                          <a:latin typeface="Arial" charset="0"/>
-                        </a:rPr>
-                        <a:t>1</a:t>
-                      </a:r>
-                      <a:endParaRPr kumimoji="0" lang="en-AU" sz="2000" b="0" i="0" u="none" strike="noStrike" cap="none" normalizeH="0" baseline="0">
-                        <a:ln>
-                          <a:noFill/>
-                        </a:ln>
-                        <a:solidFill>
-                          <a:schemeClr val="tx1"/>
-                        </a:solidFill>
-                        <a:effectLst/>
-                        <a:latin typeface="Arial" charset="0"/>
-                      </a:endParaRPr>
-                    </a:p>
-                  </a:txBody>
-                  <a:tcPr marT="45729" marB="45729" horzOverflow="overflow">
-                    <a:lnL w="12700" cap="flat" cmpd="sng" algn="ctr">
-                      <a:solidFill>
-                        <a:schemeClr val="tx1"/>
-                      </a:solidFill>
-                      <a:prstDash val="solid"/>
-                      <a:round/>
-                      <a:headEnd type="none" w="med" len="med"/>
-                      <a:tailEnd type="none" w="med" len="med"/>
-                    </a:lnL>
-                    <a:lnR w="12700" cap="flat" cmpd="sng" algn="ctr">
-                      <a:solidFill>
-                        <a:schemeClr val="tx1"/>
-                      </a:solidFill>
-                      <a:prstDash val="solid"/>
-                      <a:round/>
-                      <a:headEnd type="none" w="med" len="med"/>
-                      <a:tailEnd type="none" w="med" len="med"/>
-                    </a:lnR>
-                    <a:lnT w="12700" cap="flat" cmpd="sng" algn="ctr">
-                      <a:solidFill>
-                        <a:schemeClr val="tx1"/>
-                      </a:solidFill>
-                      <a:prstDash val="solid"/>
-                      <a:round/>
-                      <a:headEnd type="none" w="med" len="med"/>
-                      <a:tailEnd type="none" w="med" len="med"/>
-                    </a:lnT>
-                    <a:lnB w="12700" cap="flat" cmpd="sng" algn="ctr">
-                      <a:solidFill>
-                        <a:schemeClr val="tx1"/>
-                      </a:solidFill>
-                      <a:prstDash val="solid"/>
-                      <a:round/>
-                      <a:headEnd type="none" w="med" len="med"/>
-                      <a:tailEnd type="none" w="med" len="med"/>
-                    </a:lnB>
-                    <a:lnTlToBr>
-                      <a:noFill/>
-                    </a:lnTlToBr>
-                    <a:lnBlToTr>
-                      <a:noFill/>
-                    </a:lnBlToTr>
-                    <a:noFill/>
-                  </a:tcPr>
-                </a:tc>
-                <a:tc>
-                  <a:txBody>
-                    <a:bodyPr/>
-                    <a:lstStyle/>
-                    <a:p>
-                      <a:pPr marL="0" marR="0" lvl="0" indent="0" algn="ctr" defTabSz="914400" rtl="0" eaLnBrk="1" fontAlgn="base" latinLnBrk="0" hangingPunct="1">
-                        <a:lnSpc>
-                          <a:spcPct val="100000"/>
-                        </a:lnSpc>
-                        <a:spcBef>
-                          <a:spcPct val="20000"/>
-                        </a:spcBef>
-                        <a:spcAft>
-                          <a:spcPct val="0"/>
-                        </a:spcAft>
-                        <a:buClr>
-                          <a:schemeClr val="folHlink"/>
-                        </a:buClr>
-                        <a:buSzPct val="60000"/>
-                        <a:buFont typeface="Wingdings" pitchFamily="2" charset="2"/>
-                        <a:buNone/>
-                        <a:tabLst/>
-                      </a:pPr>
-                      <a:r>
-                        <a:rPr kumimoji="0" lang="en-US" sz="2000" b="0" i="0" u="none" strike="noStrike" cap="none" normalizeH="0" baseline="0">
-                          <a:ln>
-                            <a:noFill/>
-                          </a:ln>
-                          <a:solidFill>
-                            <a:schemeClr val="tx1"/>
-                          </a:solidFill>
-                          <a:effectLst/>
-                          <a:latin typeface="Arial" charset="0"/>
-                        </a:rPr>
-                        <a:t>2</a:t>
-                      </a:r>
-                      <a:endParaRPr kumimoji="0" lang="en-AU" sz="2000" b="0" i="0" u="none" strike="noStrike" cap="none" normalizeH="0" baseline="0">
-                        <a:ln>
-                          <a:noFill/>
-                        </a:ln>
-                        <a:solidFill>
-                          <a:schemeClr val="tx1"/>
-                        </a:solidFill>
-                        <a:effectLst/>
-                        <a:latin typeface="Arial" charset="0"/>
-                      </a:endParaRPr>
-                    </a:p>
-                  </a:txBody>
-                  <a:tcPr marT="45729" marB="45729" horzOverflow="overflow">
-                    <a:lnL w="12700" cap="flat" cmpd="sng" algn="ctr">
-                      <a:solidFill>
-                        <a:schemeClr val="tx1"/>
-                      </a:solidFill>
-                      <a:prstDash val="solid"/>
-                      <a:round/>
-                      <a:headEnd type="none" w="med" len="med"/>
-                      <a:tailEnd type="none" w="med" len="med"/>
-                    </a:lnL>
-                    <a:lnR w="28575" cap="flat" cmpd="sng" algn="ctr">
-                      <a:solidFill>
-                        <a:schemeClr val="tx1"/>
-                      </a:solidFill>
-                      <a:prstDash val="solid"/>
-                      <a:round/>
-                      <a:headEnd type="none" w="med" len="med"/>
-                      <a:tailEnd type="none" w="med" len="med"/>
-                    </a:lnR>
-                    <a:lnT w="12700" cap="flat" cmpd="sng" algn="ctr">
-                      <a:solidFill>
-                        <a:schemeClr val="tx1"/>
-                      </a:solidFill>
-                      <a:prstDash val="solid"/>
-                      <a:round/>
-                      <a:headEnd type="none" w="med" len="med"/>
-                      <a:tailEnd type="none" w="med" len="med"/>
-                    </a:lnT>
-                    <a:lnB w="12700" cap="flat" cmpd="sng" algn="ctr">
-                      <a:solidFill>
-                        <a:schemeClr val="tx1"/>
-                      </a:solidFill>
-                      <a:prstDash val="solid"/>
-                      <a:round/>
-                      <a:headEnd type="none" w="med" len="med"/>
-                      <a:tailEnd type="none" w="med" len="med"/>
-                    </a:lnB>
-                    <a:lnTlToBr>
-                      <a:noFill/>
-                    </a:lnTlToBr>
-                    <a:lnBlToTr>
-                      <a:noFill/>
-                    </a:lnBlToTr>
-                    <a:noFill/>
-                  </a:tcPr>
-                </a:tc>
-                <a:extLst>
-                  <a:ext uri="{0D108BD9-81ED-4DB2-BD59-A6C34878D82A}">
-                    <a16:rowId xmlns:a16="http://schemas.microsoft.com/office/drawing/2014/main" val="10002"/>
-                  </a:ext>
-                </a:extLst>
-              </a:tr>
-              <a:tr h="403306">
-                <a:tc>
-                  <a:txBody>
-                    <a:bodyPr/>
-                    <a:lstStyle/>
-                    <a:p>
-                      <a:pPr marL="0" marR="0" lvl="0" indent="0" algn="l" defTabSz="914400" rtl="0" eaLnBrk="1" fontAlgn="base" latinLnBrk="0" hangingPunct="1">
-                        <a:lnSpc>
-                          <a:spcPct val="100000"/>
-                        </a:lnSpc>
-                        <a:spcBef>
-                          <a:spcPct val="20000"/>
-                        </a:spcBef>
-                        <a:spcAft>
-                          <a:spcPct val="0"/>
-                        </a:spcAft>
-                        <a:buClr>
-                          <a:schemeClr val="folHlink"/>
-                        </a:buClr>
-                        <a:buSzPct val="60000"/>
-                        <a:buFont typeface="Wingdings" pitchFamily="2" charset="2"/>
-                        <a:buNone/>
-                        <a:tabLst/>
-                      </a:pPr>
-                      <a:r>
-                        <a:rPr kumimoji="0" lang="en-US" sz="2000" b="0" i="0" u="none" strike="noStrike" cap="none" normalizeH="0" baseline="0">
-                          <a:ln>
-                            <a:noFill/>
-                          </a:ln>
-                          <a:solidFill>
-                            <a:schemeClr val="tx1"/>
-                          </a:solidFill>
-                          <a:effectLst/>
-                          <a:latin typeface="Arial" charset="0"/>
-                        </a:rPr>
-                        <a:t>IC in sequence 2</a:t>
-                      </a:r>
-                      <a:endParaRPr kumimoji="0" lang="en-AU" sz="2000" b="0" i="0" u="none" strike="noStrike" cap="none" normalizeH="0" baseline="0">
-                        <a:ln>
-                          <a:noFill/>
-                        </a:ln>
-                        <a:solidFill>
-                          <a:schemeClr val="tx1"/>
-                        </a:solidFill>
-                        <a:effectLst/>
-                        <a:latin typeface="Arial" charset="0"/>
-                      </a:endParaRPr>
-                    </a:p>
-                  </a:txBody>
-                  <a:tcPr marT="45729" marB="45729" horzOverflow="overflow">
-                    <a:lnL w="28575" cap="flat" cmpd="sng" algn="ctr">
-                      <a:solidFill>
-                        <a:schemeClr val="tx1"/>
-                      </a:solidFill>
-                      <a:prstDash val="solid"/>
-                      <a:round/>
-                      <a:headEnd type="none" w="med" len="med"/>
-                      <a:tailEnd type="none" w="med" len="med"/>
-                    </a:lnL>
-                    <a:lnR w="12700" cap="flat" cmpd="sng" algn="ctr">
-                      <a:solidFill>
-                        <a:schemeClr val="tx1"/>
-                      </a:solidFill>
-                      <a:prstDash val="solid"/>
-                      <a:round/>
-                      <a:headEnd type="none" w="med" len="med"/>
-                      <a:tailEnd type="none" w="med" len="med"/>
-                    </a:lnR>
-                    <a:lnT w="12700" cap="flat" cmpd="sng" algn="ctr">
-                      <a:solidFill>
-                        <a:schemeClr val="tx1"/>
-                      </a:solidFill>
-                      <a:prstDash val="solid"/>
-                      <a:round/>
-                      <a:headEnd type="none" w="med" len="med"/>
-                      <a:tailEnd type="none" w="med" len="med"/>
-                    </a:lnT>
-                    <a:lnB w="28575" cap="flat" cmpd="sng" algn="ctr">
-                      <a:solidFill>
-                        <a:schemeClr val="tx1"/>
-                      </a:solidFill>
-                      <a:prstDash val="solid"/>
-                      <a:round/>
-                      <a:headEnd type="none" w="med" len="med"/>
-                      <a:tailEnd type="none" w="med" len="med"/>
-                    </a:lnB>
-                    <a:lnTlToBr>
-                      <a:noFill/>
-                    </a:lnTlToBr>
-                    <a:lnBlToTr>
-                      <a:noFill/>
-                    </a:lnBlToTr>
-                    <a:noFill/>
-                  </a:tcPr>
-                </a:tc>
-                <a:tc>
-                  <a:txBody>
-                    <a:bodyPr/>
-                    <a:lstStyle/>
-                    <a:p>
-                      <a:pPr marL="0" marR="0" lvl="0" indent="0" algn="ctr" defTabSz="914400" rtl="0" eaLnBrk="1" fontAlgn="base" latinLnBrk="0" hangingPunct="1">
-                        <a:lnSpc>
-                          <a:spcPct val="100000"/>
-                        </a:lnSpc>
-                        <a:spcBef>
-                          <a:spcPct val="20000"/>
-                        </a:spcBef>
-                        <a:spcAft>
-                          <a:spcPct val="0"/>
-                        </a:spcAft>
-                        <a:buClr>
-                          <a:schemeClr val="folHlink"/>
-                        </a:buClr>
-                        <a:buSzPct val="60000"/>
-                        <a:buFont typeface="Wingdings" pitchFamily="2" charset="2"/>
-                        <a:buNone/>
-                        <a:tabLst/>
-                      </a:pPr>
-                      <a:r>
-                        <a:rPr kumimoji="0" lang="en-US" sz="2000" b="0" i="0" u="none" strike="noStrike" cap="none" normalizeH="0" baseline="0">
-                          <a:ln>
-                            <a:noFill/>
-                          </a:ln>
-                          <a:solidFill>
-                            <a:schemeClr val="tx1"/>
-                          </a:solidFill>
-                          <a:effectLst/>
-                          <a:latin typeface="Arial" charset="0"/>
-                        </a:rPr>
-                        <a:t>4</a:t>
-                      </a:r>
-                      <a:endParaRPr kumimoji="0" lang="en-AU" sz="2000" b="0" i="0" u="none" strike="noStrike" cap="none" normalizeH="0" baseline="0">
-                        <a:ln>
-                          <a:noFill/>
-                        </a:ln>
-                        <a:solidFill>
-                          <a:schemeClr val="tx1"/>
-                        </a:solidFill>
-                        <a:effectLst/>
-                        <a:latin typeface="Arial" charset="0"/>
-                      </a:endParaRPr>
-                    </a:p>
-                  </a:txBody>
-                  <a:tcPr marT="45729" marB="45729" horzOverflow="overflow">
-                    <a:lnL w="12700" cap="flat" cmpd="sng" algn="ctr">
-                      <a:solidFill>
-                        <a:schemeClr val="tx1"/>
-                      </a:solidFill>
-                      <a:prstDash val="solid"/>
-                      <a:round/>
-                      <a:headEnd type="none" w="med" len="med"/>
-                      <a:tailEnd type="none" w="med" len="med"/>
-                    </a:lnL>
-                    <a:lnR w="12700" cap="flat" cmpd="sng" algn="ctr">
-                      <a:solidFill>
-                        <a:schemeClr val="tx1"/>
-                      </a:solidFill>
-                      <a:prstDash val="solid"/>
-                      <a:round/>
-                      <a:headEnd type="none" w="med" len="med"/>
-                      <a:tailEnd type="none" w="med" len="med"/>
-                    </a:lnR>
-                    <a:lnT w="12700" cap="flat" cmpd="sng" algn="ctr">
-                      <a:solidFill>
-                        <a:schemeClr val="tx1"/>
-                      </a:solidFill>
-                      <a:prstDash val="solid"/>
-                      <a:round/>
-                      <a:headEnd type="none" w="med" len="med"/>
-                      <a:tailEnd type="none" w="med" len="med"/>
-                    </a:lnT>
-                    <a:lnB w="28575" cap="flat" cmpd="sng" algn="ctr">
-                      <a:solidFill>
-                        <a:schemeClr val="tx1"/>
-                      </a:solidFill>
-                      <a:prstDash val="solid"/>
-                      <a:round/>
-                      <a:headEnd type="none" w="med" len="med"/>
-                      <a:tailEnd type="none" w="med" len="med"/>
-                    </a:lnB>
-                    <a:lnTlToBr>
-                      <a:noFill/>
-                    </a:lnTlToBr>
-                    <a:lnBlToTr>
-                      <a:noFill/>
-                    </a:lnBlToTr>
-                    <a:noFill/>
-                  </a:tcPr>
-                </a:tc>
-                <a:tc>
-                  <a:txBody>
-                    <a:bodyPr/>
-                    <a:lstStyle/>
-                    <a:p>
-                      <a:pPr marL="0" marR="0" lvl="0" indent="0" algn="ctr" defTabSz="914400" rtl="0" eaLnBrk="1" fontAlgn="base" latinLnBrk="0" hangingPunct="1">
-                        <a:lnSpc>
-                          <a:spcPct val="100000"/>
-                        </a:lnSpc>
-                        <a:spcBef>
-                          <a:spcPct val="20000"/>
-                        </a:spcBef>
-                        <a:spcAft>
-                          <a:spcPct val="0"/>
-                        </a:spcAft>
-                        <a:buClr>
-                          <a:schemeClr val="folHlink"/>
-                        </a:buClr>
-                        <a:buSzPct val="60000"/>
-                        <a:buFont typeface="Wingdings" pitchFamily="2" charset="2"/>
-                        <a:buNone/>
-                        <a:tabLst/>
-                      </a:pPr>
-                      <a:r>
-                        <a:rPr kumimoji="0" lang="en-US" sz="2000" b="0" i="0" u="none" strike="noStrike" cap="none" normalizeH="0" baseline="0">
-                          <a:ln>
-                            <a:noFill/>
-                          </a:ln>
-                          <a:solidFill>
-                            <a:schemeClr val="tx1"/>
-                          </a:solidFill>
-                          <a:effectLst/>
-                          <a:latin typeface="Arial" charset="0"/>
-                        </a:rPr>
-                        <a:t>1</a:t>
-                      </a:r>
-                      <a:endParaRPr kumimoji="0" lang="en-AU" sz="2000" b="0" i="0" u="none" strike="noStrike" cap="none" normalizeH="0" baseline="0">
-                        <a:ln>
-                          <a:noFill/>
-                        </a:ln>
-                        <a:solidFill>
-                          <a:schemeClr val="tx1"/>
-                        </a:solidFill>
-                        <a:effectLst/>
-                        <a:latin typeface="Arial" charset="0"/>
-                      </a:endParaRPr>
-                    </a:p>
-                  </a:txBody>
-                  <a:tcPr marT="45729" marB="45729" horzOverflow="overflow">
-                    <a:lnL w="12700" cap="flat" cmpd="sng" algn="ctr">
-                      <a:solidFill>
-                        <a:schemeClr val="tx1"/>
-                      </a:solidFill>
-                      <a:prstDash val="solid"/>
-                      <a:round/>
-                      <a:headEnd type="none" w="med" len="med"/>
-                      <a:tailEnd type="none" w="med" len="med"/>
-                    </a:lnL>
-                    <a:lnR w="12700" cap="flat" cmpd="sng" algn="ctr">
-                      <a:solidFill>
-                        <a:schemeClr val="tx1"/>
-                      </a:solidFill>
-                      <a:prstDash val="solid"/>
-                      <a:round/>
-                      <a:headEnd type="none" w="med" len="med"/>
-                      <a:tailEnd type="none" w="med" len="med"/>
-                    </a:lnR>
-                    <a:lnT w="12700" cap="flat" cmpd="sng" algn="ctr">
-                      <a:solidFill>
-                        <a:schemeClr val="tx1"/>
-                      </a:solidFill>
-                      <a:prstDash val="solid"/>
-                      <a:round/>
-                      <a:headEnd type="none" w="med" len="med"/>
-                      <a:tailEnd type="none" w="med" len="med"/>
-                    </a:lnT>
-                    <a:lnB w="28575" cap="flat" cmpd="sng" algn="ctr">
-                      <a:solidFill>
-                        <a:schemeClr val="tx1"/>
-                      </a:solidFill>
-                      <a:prstDash val="solid"/>
-                      <a:round/>
-                      <a:headEnd type="none" w="med" len="med"/>
-                      <a:tailEnd type="none" w="med" len="med"/>
-                    </a:lnB>
-                    <a:lnTlToBr>
-                      <a:noFill/>
-                    </a:lnTlToBr>
-                    <a:lnBlToTr>
-                      <a:noFill/>
-                    </a:lnBlToTr>
-                    <a:noFill/>
-                  </a:tcPr>
-                </a:tc>
-                <a:tc>
-                  <a:txBody>
-                    <a:bodyPr/>
-                    <a:lstStyle/>
-                    <a:p>
-                      <a:pPr marL="0" marR="0" lvl="0" indent="0" algn="ctr" defTabSz="914400" rtl="0" eaLnBrk="1" fontAlgn="base" latinLnBrk="0" hangingPunct="1">
-                        <a:lnSpc>
-                          <a:spcPct val="100000"/>
-                        </a:lnSpc>
-                        <a:spcBef>
-                          <a:spcPct val="20000"/>
-                        </a:spcBef>
-                        <a:spcAft>
-                          <a:spcPct val="0"/>
-                        </a:spcAft>
-                        <a:buClr>
-                          <a:schemeClr val="folHlink"/>
-                        </a:buClr>
-                        <a:buSzPct val="60000"/>
-                        <a:buFont typeface="Wingdings" pitchFamily="2" charset="2"/>
-                        <a:buNone/>
-                        <a:tabLst/>
-                      </a:pPr>
-                      <a:r>
-                        <a:rPr kumimoji="0" lang="en-US" sz="2000" b="0" i="0" u="none" strike="noStrike" cap="none" normalizeH="0" baseline="0" dirty="0">
-                          <a:ln>
-                            <a:noFill/>
-                          </a:ln>
-                          <a:solidFill>
-                            <a:schemeClr val="tx1"/>
-                          </a:solidFill>
-                          <a:effectLst/>
-                          <a:latin typeface="Arial" charset="0"/>
-                        </a:rPr>
-                        <a:t>1</a:t>
-                      </a:r>
-                      <a:endParaRPr kumimoji="0" lang="en-AU" sz="2000" b="0" i="0" u="none" strike="noStrike" cap="none" normalizeH="0" baseline="0" dirty="0">
-                        <a:ln>
-                          <a:noFill/>
-                        </a:ln>
-                        <a:solidFill>
-                          <a:schemeClr val="tx1"/>
-                        </a:solidFill>
-                        <a:effectLst/>
-                        <a:latin typeface="Arial" charset="0"/>
-                      </a:endParaRPr>
-                    </a:p>
-                  </a:txBody>
-                  <a:tcPr marT="45729" marB="45729" horzOverflow="overflow">
-                    <a:lnL w="12700" cap="flat" cmpd="sng" algn="ctr">
-                      <a:solidFill>
-                        <a:schemeClr val="tx1"/>
-                      </a:solidFill>
-                      <a:prstDash val="solid"/>
-                      <a:round/>
-                      <a:headEnd type="none" w="med" len="med"/>
-                      <a:tailEnd type="none" w="med" len="med"/>
-                    </a:lnL>
-                    <a:lnR w="28575" cap="flat" cmpd="sng" algn="ctr">
-                      <a:solidFill>
-                        <a:schemeClr val="tx1"/>
-                      </a:solidFill>
-                      <a:prstDash val="solid"/>
-                      <a:round/>
-                      <a:headEnd type="none" w="med" len="med"/>
-                      <a:tailEnd type="none" w="med" len="med"/>
-                    </a:lnR>
-                    <a:lnT w="12700" cap="flat" cmpd="sng" algn="ctr">
-                      <a:solidFill>
-                        <a:schemeClr val="tx1"/>
-                      </a:solidFill>
-                      <a:prstDash val="solid"/>
-                      <a:round/>
-                      <a:headEnd type="none" w="med" len="med"/>
-                      <a:tailEnd type="none" w="med" len="med"/>
-                    </a:lnT>
-                    <a:lnB w="28575" cap="flat" cmpd="sng" algn="ctr">
-                      <a:solidFill>
-                        <a:schemeClr val="tx1"/>
-                      </a:solidFill>
-                      <a:prstDash val="solid"/>
-                      <a:round/>
-                      <a:headEnd type="none" w="med" len="med"/>
-                      <a:tailEnd type="none" w="med" len="med"/>
-                    </a:lnB>
-                    <a:lnTlToBr>
-                      <a:noFill/>
-                    </a:lnTlToBr>
-                    <a:lnBlToTr>
-                      <a:noFill/>
-                    </a:lnBlToTr>
-                    <a:noFill/>
-                  </a:tcPr>
-                </a:tc>
-                <a:extLst>
-                  <a:ext uri="{0D108BD9-81ED-4DB2-BD59-A6C34878D82A}">
-                    <a16:rowId xmlns:a16="http://schemas.microsoft.com/office/drawing/2014/main" val="10003"/>
-                  </a:ext>
-                </a:extLst>
-              </a:tr>
-            </a:tbl>
-          </a:graphicData>
-        </a:graphic>
-      </p:graphicFrame>
-      <p:sp>
-        <p:nvSpPr>
-          <p:cNvPr id="72736" name="Rectangle 31"/>
-          <p:cNvSpPr>
-            <a:spLocks noChangeArrowheads="1"/>
-          </p:cNvSpPr>
-          <p:nvPr/>
-        </p:nvSpPr>
-        <p:spPr bwMode="auto">
-          <a:xfrm>
-            <a:off x="1847850" y="3779192"/>
-            <a:ext cx="3887788" cy="2089150"/>
-          </a:xfrm>
-          <a:prstGeom prst="rect">
-            <a:avLst/>
-          </a:prstGeom>
-          <a:noFill/>
-          <a:ln>
-            <a:noFill/>
-          </a:ln>
-          <a:extLst>
-            <a:ext uri="{909E8E84-426E-40DD-AFC4-6F175D3DCCD1}">
-              <a14:hiddenFill xmlns:a14="http://schemas.microsoft.com/office/drawing/2010/main">
-                <a:solidFill>
-                  <a:srgbClr val="FFFFFF"/>
-                </a:solidFill>
-              </a14:hiddenFill>
-            </a:ext>
-            <a:ext uri="{91240B29-F687-4F45-9708-019B960494DF}">
-              <a14:hiddenLine xmlns:a14="http://schemas.microsoft.com/office/drawing/2010/main" w="9525">
-                <a:solidFill>
-                  <a:srgbClr val="000000"/>
-                </a:solidFill>
-                <a:miter lim="800000"/>
-                <a:headEnd/>
-                <a:tailEnd/>
-              </a14:hiddenLine>
-            </a:ext>
-          </a:extLst>
-        </p:spPr>
-        <p:txBody>
-          <a:bodyPr/>
-          <a:lstStyle>
-            <a:lvl1pPr marL="342900" indent="-342900">
-              <a:spcBef>
-                <a:spcPct val="20000"/>
-              </a:spcBef>
-              <a:buClr>
-                <a:schemeClr val="folHlink"/>
-              </a:buClr>
-              <a:buSzPct val="60000"/>
-              <a:buFont typeface="Wingdings" panose="05000000000000000000" pitchFamily="2" charset="2"/>
-              <a:buChar char="n"/>
-              <a:defRPr sz="3200">
-                <a:solidFill>
-                  <a:schemeClr val="tx1"/>
-                </a:solidFill>
-                <a:latin typeface="Arial" panose="020B0604020202020204" pitchFamily="34" charset="0"/>
-              </a:defRPr>
-            </a:lvl1pPr>
-            <a:lvl2pPr marL="742950" indent="-285750">
-              <a:spcBef>
-                <a:spcPct val="20000"/>
-              </a:spcBef>
-              <a:buClr>
-                <a:schemeClr val="hlink"/>
-              </a:buClr>
-              <a:buSzPct val="55000"/>
-              <a:buFont typeface="Wingdings" panose="05000000000000000000" pitchFamily="2" charset="2"/>
-              <a:buChar char="n"/>
-              <a:defRPr sz="2800">
-                <a:solidFill>
-                  <a:schemeClr val="tx1"/>
-                </a:solidFill>
-                <a:latin typeface="Arial" panose="020B0604020202020204" pitchFamily="34" charset="0"/>
-              </a:defRPr>
-            </a:lvl2pPr>
-            <a:lvl3pPr marL="1143000" indent="-228600">
-              <a:spcBef>
-                <a:spcPct val="20000"/>
-              </a:spcBef>
-              <a:buClr>
-                <a:schemeClr val="folHlink"/>
-              </a:buClr>
-              <a:buSzPct val="50000"/>
-              <a:buFont typeface="Wingdings" panose="05000000000000000000" pitchFamily="2" charset="2"/>
-              <a:buChar char="n"/>
-              <a:defRPr sz="2400">
-                <a:solidFill>
-                  <a:schemeClr val="tx1"/>
-                </a:solidFill>
-                <a:latin typeface="Arial" panose="020B0604020202020204" pitchFamily="34" charset="0"/>
-              </a:defRPr>
-            </a:lvl3pPr>
-            <a:lvl4pPr marL="1600200" indent="-228600">
-              <a:spcBef>
-                <a:spcPct val="20000"/>
-              </a:spcBef>
-              <a:buClr>
-                <a:schemeClr val="accent2"/>
-              </a:buClr>
-              <a:buSzPct val="55000"/>
-              <a:buFont typeface="Wingdings" panose="05000000000000000000" pitchFamily="2" charset="2"/>
-              <a:buChar char="n"/>
-              <a:defRPr sz="2000">
-                <a:solidFill>
-                  <a:schemeClr val="tx1"/>
-                </a:solidFill>
-                <a:latin typeface="Arial" panose="020B0604020202020204" pitchFamily="34" charset="0"/>
-              </a:defRPr>
-            </a:lvl4pPr>
-            <a:lvl5pPr marL="2057400" indent="-228600">
-              <a:spcBef>
-                <a:spcPct val="20000"/>
-              </a:spcBef>
-              <a:buClr>
-                <a:schemeClr val="accent1"/>
-              </a:buClr>
-              <a:buSzPct val="50000"/>
-              <a:buFont typeface="Wingdings" panose="05000000000000000000" pitchFamily="2" charset="2"/>
-              <a:buChar char="n"/>
-              <a:defRPr sz="2000">
-                <a:solidFill>
-                  <a:schemeClr val="tx1"/>
-                </a:solidFill>
-                <a:latin typeface="Arial" panose="020B0604020202020204" pitchFamily="34" charset="0"/>
-              </a:defRPr>
-            </a:lvl5pPr>
-            <a:lvl6pPr marL="2514600" indent="-228600" eaLnBrk="0" fontAlgn="base" hangingPunct="0">
-              <a:spcBef>
-                <a:spcPct val="20000"/>
-              </a:spcBef>
-              <a:spcAft>
-                <a:spcPct val="0"/>
-              </a:spcAft>
-              <a:buClr>
-                <a:schemeClr val="accent1"/>
-              </a:buClr>
-              <a:buSzPct val="50000"/>
-              <a:buFont typeface="Wingdings" panose="05000000000000000000" pitchFamily="2" charset="2"/>
-              <a:buChar char="n"/>
-              <a:defRPr sz="2000">
-                <a:solidFill>
-                  <a:schemeClr val="tx1"/>
-                </a:solidFill>
-                <a:latin typeface="Arial" panose="020B0604020202020204" pitchFamily="34" charset="0"/>
-              </a:defRPr>
-            </a:lvl6pPr>
-            <a:lvl7pPr marL="2971800" indent="-228600" eaLnBrk="0" fontAlgn="base" hangingPunct="0">
-              <a:spcBef>
-                <a:spcPct val="20000"/>
-              </a:spcBef>
-              <a:spcAft>
-                <a:spcPct val="0"/>
-              </a:spcAft>
-              <a:buClr>
-                <a:schemeClr val="accent1"/>
-              </a:buClr>
-              <a:buSzPct val="50000"/>
-              <a:buFont typeface="Wingdings" panose="05000000000000000000" pitchFamily="2" charset="2"/>
-              <a:buChar char="n"/>
-              <a:defRPr sz="2000">
-                <a:solidFill>
-                  <a:schemeClr val="tx1"/>
-                </a:solidFill>
-                <a:latin typeface="Arial" panose="020B0604020202020204" pitchFamily="34" charset="0"/>
-              </a:defRPr>
-            </a:lvl7pPr>
-            <a:lvl8pPr marL="3429000" indent="-228600" eaLnBrk="0" fontAlgn="base" hangingPunct="0">
-              <a:spcBef>
-                <a:spcPct val="20000"/>
-              </a:spcBef>
-              <a:spcAft>
-                <a:spcPct val="0"/>
-              </a:spcAft>
-              <a:buClr>
-                <a:schemeClr val="accent1"/>
-              </a:buClr>
-              <a:buSzPct val="50000"/>
-              <a:buFont typeface="Wingdings" panose="05000000000000000000" pitchFamily="2" charset="2"/>
-              <a:buChar char="n"/>
-              <a:defRPr sz="2000">
-                <a:solidFill>
-                  <a:schemeClr val="tx1"/>
-                </a:solidFill>
-                <a:latin typeface="Arial" panose="020B0604020202020204" pitchFamily="34" charset="0"/>
-              </a:defRPr>
-            </a:lvl8pPr>
-            <a:lvl9pPr marL="3886200" indent="-228600" eaLnBrk="0" fontAlgn="base" hangingPunct="0">
-              <a:spcBef>
-                <a:spcPct val="20000"/>
-              </a:spcBef>
-              <a:spcAft>
-                <a:spcPct val="0"/>
-              </a:spcAft>
-              <a:buClr>
-                <a:schemeClr val="accent1"/>
-              </a:buClr>
-              <a:buSzPct val="50000"/>
-              <a:buFont typeface="Wingdings" panose="05000000000000000000" pitchFamily="2" charset="2"/>
-              <a:buChar char="n"/>
-              <a:defRPr sz="2000">
-                <a:solidFill>
-                  <a:schemeClr val="tx1"/>
-                </a:solidFill>
-                <a:latin typeface="Arial" panose="020B0604020202020204" pitchFamily="34" charset="0"/>
-              </a:defRPr>
-            </a:lvl9pPr>
-          </a:lstStyle>
-          <a:p>
-            <a:pPr eaLnBrk="1" hangingPunct="1"/>
-            <a:r>
-              <a:rPr lang="en-US" altLang="en-US" sz="2800" dirty="0"/>
-              <a:t>Sequence 1: IC = 5</a:t>
-            </a:r>
-          </a:p>
-          <a:p>
-            <a:pPr lvl="1" eaLnBrk="1" hangingPunct="1"/>
-            <a:r>
-              <a:rPr lang="en-US" altLang="en-US" sz="2400" dirty="0"/>
-              <a:t>Clock Cycles</a:t>
-            </a:r>
-            <a:br>
-              <a:rPr lang="en-US" altLang="en-US" sz="2400" dirty="0"/>
-            </a:br>
-            <a:r>
-              <a:rPr lang="en-US" altLang="en-US" sz="2400" dirty="0"/>
-              <a:t>= 2×1 + 1×2 + 2×3</a:t>
-            </a:r>
-            <a:br>
-              <a:rPr lang="en-US" altLang="en-US" sz="2400" dirty="0"/>
-            </a:br>
-            <a:r>
-              <a:rPr lang="en-US" altLang="en-US" sz="2400" dirty="0"/>
-              <a:t>= 10</a:t>
-            </a:r>
-          </a:p>
-          <a:p>
-            <a:pPr lvl="1" eaLnBrk="1" hangingPunct="1"/>
-            <a:r>
-              <a:rPr lang="en-US" altLang="en-US" sz="2400" dirty="0"/>
-              <a:t>Avg. CPI = 10/5 = 2.0</a:t>
-            </a:r>
-          </a:p>
-        </p:txBody>
-      </p:sp>
-      <p:sp>
-        <p:nvSpPr>
-          <p:cNvPr id="72737" name="Rectangle 32"/>
-          <p:cNvSpPr>
-            <a:spLocks noChangeArrowheads="1"/>
-          </p:cNvSpPr>
-          <p:nvPr/>
-        </p:nvSpPr>
-        <p:spPr bwMode="auto">
-          <a:xfrm>
-            <a:off x="6096000" y="3779192"/>
-            <a:ext cx="3887788" cy="2089150"/>
-          </a:xfrm>
-          <a:prstGeom prst="rect">
-            <a:avLst/>
-          </a:prstGeom>
-          <a:noFill/>
-          <a:ln>
-            <a:noFill/>
-          </a:ln>
-          <a:extLst>
-            <a:ext uri="{909E8E84-426E-40DD-AFC4-6F175D3DCCD1}">
-              <a14:hiddenFill xmlns:a14="http://schemas.microsoft.com/office/drawing/2010/main">
-                <a:solidFill>
-                  <a:srgbClr val="FFFFFF"/>
-                </a:solidFill>
-              </a14:hiddenFill>
-            </a:ext>
-            <a:ext uri="{91240B29-F687-4F45-9708-019B960494DF}">
-              <a14:hiddenLine xmlns:a14="http://schemas.microsoft.com/office/drawing/2010/main" w="9525">
-                <a:solidFill>
-                  <a:srgbClr val="000000"/>
-                </a:solidFill>
-                <a:miter lim="800000"/>
-                <a:headEnd/>
-                <a:tailEnd/>
-              </a14:hiddenLine>
-            </a:ext>
-          </a:extLst>
-        </p:spPr>
-        <p:txBody>
-          <a:bodyPr/>
-          <a:lstStyle>
-            <a:lvl1pPr marL="342900" indent="-342900">
-              <a:spcBef>
-                <a:spcPct val="20000"/>
-              </a:spcBef>
-              <a:buClr>
-                <a:schemeClr val="folHlink"/>
-              </a:buClr>
-              <a:buSzPct val="60000"/>
-              <a:buFont typeface="Wingdings" panose="05000000000000000000" pitchFamily="2" charset="2"/>
-              <a:buChar char="n"/>
-              <a:defRPr sz="3200">
-                <a:solidFill>
-                  <a:schemeClr val="tx1"/>
-                </a:solidFill>
-                <a:latin typeface="Arial" panose="020B0604020202020204" pitchFamily="34" charset="0"/>
-              </a:defRPr>
-            </a:lvl1pPr>
-            <a:lvl2pPr marL="742950" indent="-285750">
-              <a:spcBef>
-                <a:spcPct val="20000"/>
-              </a:spcBef>
-              <a:buClr>
-                <a:schemeClr val="hlink"/>
-              </a:buClr>
-              <a:buSzPct val="55000"/>
-              <a:buFont typeface="Wingdings" panose="05000000000000000000" pitchFamily="2" charset="2"/>
-              <a:buChar char="n"/>
-              <a:defRPr sz="2800">
-                <a:solidFill>
-                  <a:schemeClr val="tx1"/>
-                </a:solidFill>
-                <a:latin typeface="Arial" panose="020B0604020202020204" pitchFamily="34" charset="0"/>
-              </a:defRPr>
-            </a:lvl2pPr>
-            <a:lvl3pPr marL="1143000" indent="-228600">
-              <a:spcBef>
-                <a:spcPct val="20000"/>
-              </a:spcBef>
-              <a:buClr>
-                <a:schemeClr val="folHlink"/>
-              </a:buClr>
-              <a:buSzPct val="50000"/>
-              <a:buFont typeface="Wingdings" panose="05000000000000000000" pitchFamily="2" charset="2"/>
-              <a:buChar char="n"/>
-              <a:defRPr sz="2400">
-                <a:solidFill>
-                  <a:schemeClr val="tx1"/>
-                </a:solidFill>
-                <a:latin typeface="Arial" panose="020B0604020202020204" pitchFamily="34" charset="0"/>
-              </a:defRPr>
-            </a:lvl3pPr>
-            <a:lvl4pPr marL="1600200" indent="-228600">
-              <a:spcBef>
-                <a:spcPct val="20000"/>
-              </a:spcBef>
-              <a:buClr>
-                <a:schemeClr val="accent2"/>
-              </a:buClr>
-              <a:buSzPct val="55000"/>
-              <a:buFont typeface="Wingdings" panose="05000000000000000000" pitchFamily="2" charset="2"/>
-              <a:buChar char="n"/>
-              <a:defRPr sz="2000">
-                <a:solidFill>
-                  <a:schemeClr val="tx1"/>
-                </a:solidFill>
-                <a:latin typeface="Arial" panose="020B0604020202020204" pitchFamily="34" charset="0"/>
-              </a:defRPr>
-            </a:lvl4pPr>
-            <a:lvl5pPr marL="2057400" indent="-228600">
-              <a:spcBef>
-                <a:spcPct val="20000"/>
-              </a:spcBef>
-              <a:buClr>
-                <a:schemeClr val="accent1"/>
-              </a:buClr>
-              <a:buSzPct val="50000"/>
-              <a:buFont typeface="Wingdings" panose="05000000000000000000" pitchFamily="2" charset="2"/>
-              <a:buChar char="n"/>
-              <a:defRPr sz="2000">
-                <a:solidFill>
-                  <a:schemeClr val="tx1"/>
-                </a:solidFill>
-                <a:latin typeface="Arial" panose="020B0604020202020204" pitchFamily="34" charset="0"/>
-              </a:defRPr>
-            </a:lvl5pPr>
-            <a:lvl6pPr marL="2514600" indent="-228600" eaLnBrk="0" fontAlgn="base" hangingPunct="0">
-              <a:spcBef>
-                <a:spcPct val="20000"/>
-              </a:spcBef>
-              <a:spcAft>
-                <a:spcPct val="0"/>
-              </a:spcAft>
-              <a:buClr>
-                <a:schemeClr val="accent1"/>
-              </a:buClr>
-              <a:buSzPct val="50000"/>
-              <a:buFont typeface="Wingdings" panose="05000000000000000000" pitchFamily="2" charset="2"/>
-              <a:buChar char="n"/>
-              <a:defRPr sz="2000">
-                <a:solidFill>
-                  <a:schemeClr val="tx1"/>
-                </a:solidFill>
-                <a:latin typeface="Arial" panose="020B0604020202020204" pitchFamily="34" charset="0"/>
-              </a:defRPr>
-            </a:lvl6pPr>
-            <a:lvl7pPr marL="2971800" indent="-228600" eaLnBrk="0" fontAlgn="base" hangingPunct="0">
-              <a:spcBef>
-                <a:spcPct val="20000"/>
-              </a:spcBef>
-              <a:spcAft>
-                <a:spcPct val="0"/>
-              </a:spcAft>
-              <a:buClr>
-                <a:schemeClr val="accent1"/>
-              </a:buClr>
-              <a:buSzPct val="50000"/>
-              <a:buFont typeface="Wingdings" panose="05000000000000000000" pitchFamily="2" charset="2"/>
-              <a:buChar char="n"/>
-              <a:defRPr sz="2000">
-                <a:solidFill>
-                  <a:schemeClr val="tx1"/>
-                </a:solidFill>
-                <a:latin typeface="Arial" panose="020B0604020202020204" pitchFamily="34" charset="0"/>
-              </a:defRPr>
-            </a:lvl7pPr>
-            <a:lvl8pPr marL="3429000" indent="-228600" eaLnBrk="0" fontAlgn="base" hangingPunct="0">
-              <a:spcBef>
-                <a:spcPct val="20000"/>
-              </a:spcBef>
-              <a:spcAft>
-                <a:spcPct val="0"/>
-              </a:spcAft>
-              <a:buClr>
-                <a:schemeClr val="accent1"/>
-              </a:buClr>
-              <a:buSzPct val="50000"/>
-              <a:buFont typeface="Wingdings" panose="05000000000000000000" pitchFamily="2" charset="2"/>
-              <a:buChar char="n"/>
-              <a:defRPr sz="2000">
-                <a:solidFill>
-                  <a:schemeClr val="tx1"/>
-                </a:solidFill>
-                <a:latin typeface="Arial" panose="020B0604020202020204" pitchFamily="34" charset="0"/>
-              </a:defRPr>
-            </a:lvl8pPr>
-            <a:lvl9pPr marL="3886200" indent="-228600" eaLnBrk="0" fontAlgn="base" hangingPunct="0">
-              <a:spcBef>
-                <a:spcPct val="20000"/>
-              </a:spcBef>
-              <a:spcAft>
-                <a:spcPct val="0"/>
-              </a:spcAft>
-              <a:buClr>
-                <a:schemeClr val="accent1"/>
-              </a:buClr>
-              <a:buSzPct val="50000"/>
-              <a:buFont typeface="Wingdings" panose="05000000000000000000" pitchFamily="2" charset="2"/>
-              <a:buChar char="n"/>
-              <a:defRPr sz="2000">
-                <a:solidFill>
-                  <a:schemeClr val="tx1"/>
-                </a:solidFill>
-                <a:latin typeface="Arial" panose="020B0604020202020204" pitchFamily="34" charset="0"/>
-              </a:defRPr>
-            </a:lvl9pPr>
-          </a:lstStyle>
-          <a:p>
-            <a:pPr eaLnBrk="1" hangingPunct="1"/>
-            <a:r>
-              <a:rPr lang="en-US" altLang="en-US" sz="2800"/>
-              <a:t>Sequence 2: IC = 6</a:t>
-            </a:r>
-          </a:p>
-          <a:p>
-            <a:pPr lvl="1" eaLnBrk="1" hangingPunct="1"/>
-            <a:r>
-              <a:rPr lang="en-US" altLang="en-US" sz="2400"/>
-              <a:t>Clock Cycles</a:t>
-            </a:r>
-            <a:br>
-              <a:rPr lang="en-US" altLang="en-US" sz="2400"/>
-            </a:br>
-            <a:r>
-              <a:rPr lang="en-US" altLang="en-US" sz="2400"/>
-              <a:t>= 4×1 + 1×2 + 1×3</a:t>
-            </a:r>
-            <a:br>
-              <a:rPr lang="en-US" altLang="en-US" sz="2400"/>
-            </a:br>
-            <a:r>
-              <a:rPr lang="en-US" altLang="en-US" sz="2400"/>
-              <a:t>= 9</a:t>
-            </a:r>
-          </a:p>
-          <a:p>
-            <a:pPr lvl="1" eaLnBrk="1" hangingPunct="1"/>
-            <a:r>
-              <a:rPr lang="en-US" altLang="en-US" sz="2400"/>
-              <a:t>Avg. CPI = 9/6 = 1.5</a:t>
-            </a:r>
-          </a:p>
-        </p:txBody>
-      </p:sp>
-    </p:spTree>
-    <p:extLst>
-      <p:ext uri="{BB962C8B-B14F-4D97-AF65-F5344CB8AC3E}">
-        <p14:creationId xmlns:p14="http://schemas.microsoft.com/office/powerpoint/2010/main" val="593806953"/>
-      </p:ext>
-    </p:extLst>
-  </p:cSld>
-  <p:clrMapOvr>
-    <a:masterClrMapping/>
-  </p:clrMapOvr>
-  <p:transition spd="med">
-    <p:random/>
-    <p:sndAc>
-      <p:stSnd>
-        <p:snd r:embed="rId3" name="chimes.wav"/>
-      </p:stSnd>
-    </p:sndAc>
-  </p:transition>
-</p:sld>
-</file>
-
-<file path=ppt/slides/slide14.xml><?xml version="1.0" encoding="utf-8"?>
 <p:sld xmlns:a="http://schemas.openxmlformats.org/drawingml/2006/main" xmlns:r="http://schemas.openxmlformats.org/officeDocument/2006/relationships" xmlns:p="http://schemas.openxmlformats.org/presentationml/2006/main">
   <p:cSld>
     <p:spTree>
@@ -23041,749 +19166,6 @@
       </p:grpSpPr>
       <p:sp>
         <p:nvSpPr>
-          <p:cNvPr id="1256450" name="Rectangle 2"/>
-          <p:cNvSpPr>
-            <a:spLocks noGrp="1" noChangeArrowheads="1"/>
-          </p:cNvSpPr>
-          <p:nvPr>
-            <p:ph type="ctrTitle"/>
-          </p:nvPr>
-        </p:nvSpPr>
-        <p:spPr>
-          <a:xfrm>
-            <a:off x="2927648" y="2348880"/>
-            <a:ext cx="7772400" cy="1470025"/>
-          </a:xfrm>
-        </p:spPr>
-        <p:txBody>
-          <a:bodyPr>
-            <a:normAutofit/>
-          </a:bodyPr>
-          <a:lstStyle/>
-          <a:p>
-            <a:pPr algn="l"/>
-            <a:r>
-              <a:rPr lang="en-US" altLang="zh-CN" sz="7200" b="1" dirty="0">
-                <a:solidFill>
-                  <a:srgbClr val="C00000"/>
-                </a:solidFill>
-              </a:rPr>
-              <a:t>1.1 Introduction</a:t>
-            </a:r>
-          </a:p>
-        </p:txBody>
-      </p:sp>
-      <p:sp>
-        <p:nvSpPr>
-          <p:cNvPr id="5" name="Rectangle 6"/>
-          <p:cNvSpPr>
-            <a:spLocks noGrp="1" noChangeArrowheads="1"/>
-          </p:cNvSpPr>
-          <p:nvPr>
-            <p:ph type="sldNum" sz="quarter" idx="12"/>
-          </p:nvPr>
-        </p:nvSpPr>
-        <p:spPr>
-          <a:xfrm>
-            <a:off x="8077200" y="6245225"/>
-            <a:ext cx="2133600" cy="476250"/>
-          </a:xfrm>
-          <a:prstGeom prst="rect">
-            <a:avLst/>
-          </a:prstGeom>
-        </p:spPr>
-        <p:txBody>
-          <a:bodyPr/>
-          <a:lstStyle/>
-          <a:p>
-            <a:fld id="{3915D265-858B-4522-941A-C622E72EF54B}" type="slidenum">
-              <a:rPr lang="zh-CN" altLang="en-US"/>
-              <a:pPr/>
-              <a:t>2</a:t>
-            </a:fld>
-            <a:endParaRPr lang="en-US" altLang="zh-CN"/>
-          </a:p>
-        </p:txBody>
-      </p:sp>
-    </p:spTree>
-    <p:extLst>
-      <p:ext uri="{BB962C8B-B14F-4D97-AF65-F5344CB8AC3E}">
-        <p14:creationId xmlns:p14="http://schemas.microsoft.com/office/powerpoint/2010/main" val="915317057"/>
-      </p:ext>
-    </p:extLst>
-  </p:cSld>
-  <p:clrMapOvr>
-    <a:masterClrMapping/>
-  </p:clrMapOvr>
-  <p:transition spd="med">
-    <p:random/>
-    <p:sndAc>
-      <p:stSnd>
-        <p:snd r:embed="rId3" name="chimes.wav"/>
-      </p:stSnd>
-    </p:sndAc>
-  </p:transition>
-</p:sld>
-</file>
-
-<file path=ppt/slides/slide3.xml><?xml version="1.0" encoding="utf-8"?>
-<p:sld xmlns:a="http://schemas.openxmlformats.org/drawingml/2006/main" xmlns:r="http://schemas.openxmlformats.org/officeDocument/2006/relationships" xmlns:p="http://schemas.openxmlformats.org/presentationml/2006/main">
-  <p:cSld>
-    <p:spTree>
-      <p:nvGrpSpPr>
-        <p:cNvPr id="1" name=""/>
-        <p:cNvGrpSpPr/>
-        <p:nvPr/>
-      </p:nvGrpSpPr>
-      <p:grpSpPr>
-        <a:xfrm>
-          <a:off x="0" y="0"/>
-          <a:ext cx="0" cy="0"/>
-          <a:chOff x="0" y="0"/>
-          <a:chExt cx="0" cy="0"/>
-        </a:xfrm>
-      </p:grpSpPr>
-      <p:sp>
-        <p:nvSpPr>
-          <p:cNvPr id="2" name="标题 1">
-            <a:extLst>
-              <a:ext uri="{FF2B5EF4-FFF2-40B4-BE49-F238E27FC236}">
-                <a16:creationId xmlns:a16="http://schemas.microsoft.com/office/drawing/2014/main" id="{2AC2E1FF-5FC7-478E-A3B5-E3E6BBBEDFF7}"/>
-              </a:ext>
-            </a:extLst>
-          </p:cNvPr>
-          <p:cNvSpPr>
-            <a:spLocks noGrp="1"/>
-          </p:cNvSpPr>
-          <p:nvPr>
-            <p:ph type="title"/>
-          </p:nvPr>
-        </p:nvSpPr>
-        <p:spPr>
-          <a:xfrm>
-            <a:off x="270597" y="133179"/>
-            <a:ext cx="10692693" cy="1325563"/>
-          </a:xfrm>
-        </p:spPr>
-        <p:txBody>
-          <a:bodyPr>
-            <a:normAutofit/>
-          </a:bodyPr>
-          <a:lstStyle/>
-          <a:p>
-            <a:r>
-              <a:rPr lang="en-US" altLang="zh-CN" dirty="0"/>
-              <a:t>V</a:t>
-            </a:r>
-            <a:r>
-              <a:rPr lang="en-US" altLang="zh-CN" sz="3600" dirty="0"/>
-              <a:t>on Neumann architecture (1945)   </a:t>
-            </a:r>
-            <a:r>
-              <a:rPr lang="zh-CN" altLang="en-US" sz="3600" dirty="0"/>
-              <a:t>冯诺伊曼模型</a:t>
-            </a:r>
-          </a:p>
-        </p:txBody>
-      </p:sp>
-      <p:sp>
-        <p:nvSpPr>
-          <p:cNvPr id="5" name="内容占位符 2">
-            <a:extLst>
-              <a:ext uri="{FF2B5EF4-FFF2-40B4-BE49-F238E27FC236}">
-                <a16:creationId xmlns:a16="http://schemas.microsoft.com/office/drawing/2014/main" id="{21DC0D43-F351-495C-B9D8-2768C24EE4F8}"/>
-              </a:ext>
-            </a:extLst>
-          </p:cNvPr>
-          <p:cNvSpPr>
-            <a:spLocks noGrp="1"/>
-          </p:cNvSpPr>
-          <p:nvPr>
-            <p:ph idx="1"/>
-          </p:nvPr>
-        </p:nvSpPr>
-        <p:spPr>
-          <a:xfrm>
-            <a:off x="587681" y="1466451"/>
-            <a:ext cx="9468759" cy="4967868"/>
-          </a:xfrm>
-          <a:solidFill>
-            <a:schemeClr val="bg1"/>
-          </a:solidFill>
-          <a:ln>
-            <a:solidFill>
-              <a:schemeClr val="bg1"/>
-            </a:solidFill>
-          </a:ln>
-        </p:spPr>
-        <p:style>
-          <a:lnRef idx="1">
-            <a:schemeClr val="accent2"/>
-          </a:lnRef>
-          <a:fillRef idx="2">
-            <a:schemeClr val="accent2"/>
-          </a:fillRef>
-          <a:effectRef idx="1">
-            <a:schemeClr val="accent2"/>
-          </a:effectRef>
-          <a:fontRef idx="minor">
-            <a:schemeClr val="dk1"/>
-          </a:fontRef>
-        </p:style>
-        <p:txBody>
-          <a:bodyPr>
-            <a:noAutofit/>
-          </a:bodyPr>
-          <a:lstStyle/>
-          <a:p>
-            <a:pPr>
-              <a:lnSpc>
-                <a:spcPct val="150000"/>
-              </a:lnSpc>
-            </a:pPr>
-            <a:r>
-              <a:rPr lang="zh-CN" altLang="en-US" sz="1600" dirty="0">
-                <a:solidFill>
-                  <a:srgbClr val="FF0000"/>
-                </a:solidFill>
-              </a:rPr>
-              <a:t>“存储程序“的概念，采用控制流驱动， 计算与存储分离</a:t>
-            </a:r>
-            <a:endParaRPr lang="en-US" altLang="zh-CN" sz="1600" dirty="0">
-              <a:solidFill>
-                <a:srgbClr val="FF0000"/>
-              </a:solidFill>
-            </a:endParaRPr>
-          </a:p>
-          <a:p>
-            <a:pPr>
-              <a:lnSpc>
-                <a:spcPct val="150000"/>
-              </a:lnSpc>
-            </a:pPr>
-            <a:r>
-              <a:rPr lang="zh-CN" altLang="en-US" sz="1600" dirty="0"/>
-              <a:t>按地址访问并且顺序执行行指令</a:t>
-            </a:r>
-            <a:endParaRPr lang="en-US" altLang="zh-CN" sz="1600" dirty="0"/>
-          </a:p>
-          <a:p>
-            <a:pPr>
-              <a:lnSpc>
-                <a:spcPct val="150000"/>
-              </a:lnSpc>
-            </a:pPr>
-            <a:r>
-              <a:rPr lang="zh-CN" altLang="en-US" sz="1600" dirty="0">
-                <a:solidFill>
-                  <a:srgbClr val="C00000"/>
-                </a:solidFill>
-                <a:latin typeface="微软雅黑" panose="020B0503020204020204" pitchFamily="34" charset="-122"/>
-                <a:ea typeface="微软雅黑" panose="020B0503020204020204" pitchFamily="34" charset="-122"/>
-                <a:cs typeface="Times New Roman" panose="02020603050405020304" pitchFamily="18" charset="0"/>
-              </a:rPr>
-              <a:t>数据与指令保存在同一个存储器，形式上没有区别。指令由操作码和地址码组成</a:t>
-            </a:r>
-            <a:endParaRPr lang="en-GB" altLang="zh-CN" sz="1600" dirty="0"/>
-          </a:p>
-          <a:p>
-            <a:pPr>
-              <a:lnSpc>
-                <a:spcPct val="150000"/>
-              </a:lnSpc>
-            </a:pPr>
-            <a:r>
-              <a:rPr lang="zh-CN" altLang="en-US" sz="1600" dirty="0"/>
-              <a:t>输入设备</a:t>
-            </a:r>
-            <a:r>
-              <a:rPr lang="en-US" altLang="zh-CN" sz="1600" dirty="0"/>
-              <a:t>I</a:t>
-            </a:r>
-          </a:p>
-          <a:p>
-            <a:pPr>
-              <a:lnSpc>
-                <a:spcPct val="150000"/>
-              </a:lnSpc>
-            </a:pPr>
-            <a:r>
-              <a:rPr lang="zh-CN" altLang="en-US" sz="1600" dirty="0"/>
-              <a:t>输出设备</a:t>
-            </a:r>
-            <a:r>
-              <a:rPr lang="en-US" altLang="zh-CN" sz="1600" dirty="0"/>
-              <a:t>O</a:t>
-            </a:r>
-          </a:p>
-          <a:p>
-            <a:pPr>
-              <a:lnSpc>
-                <a:spcPct val="150000"/>
-              </a:lnSpc>
-            </a:pPr>
-            <a:r>
-              <a:rPr lang="zh-CN" altLang="en-US" sz="1600" dirty="0"/>
-              <a:t>运算器：核心是</a:t>
-            </a:r>
-            <a:r>
-              <a:rPr lang="en-US" altLang="zh-CN" sz="1600" dirty="0"/>
-              <a:t>ALU</a:t>
-            </a:r>
-          </a:p>
-          <a:p>
-            <a:pPr>
-              <a:lnSpc>
-                <a:spcPct val="150000"/>
-              </a:lnSpc>
-            </a:pPr>
-            <a:r>
-              <a:rPr lang="zh-CN" altLang="en-US" sz="1600" dirty="0"/>
-              <a:t>控制器：计数器</a:t>
-            </a:r>
-            <a:r>
-              <a:rPr lang="en-US" altLang="zh-CN" sz="1600" dirty="0"/>
-              <a:t>PC</a:t>
-            </a:r>
-            <a:r>
-              <a:rPr lang="zh-CN" altLang="en-US" sz="1600" dirty="0"/>
-              <a:t>（存放下一条指令的地址）</a:t>
-            </a:r>
-            <a:r>
-              <a:rPr lang="en-US" altLang="zh-CN" sz="1600" dirty="0"/>
-              <a:t>,</a:t>
-            </a:r>
-            <a:r>
-              <a:rPr lang="zh-CN" altLang="en-US" sz="1600" dirty="0"/>
-              <a:t>指令寄存器</a:t>
-            </a:r>
-            <a:r>
-              <a:rPr lang="en-US" altLang="zh-CN" sz="1600" dirty="0"/>
-              <a:t>IR</a:t>
-            </a:r>
-            <a:r>
-              <a:rPr lang="zh-CN" altLang="en-US" sz="1600" dirty="0"/>
-              <a:t>（存放当前指令），控制单元</a:t>
-            </a:r>
-            <a:r>
-              <a:rPr lang="en-US" altLang="zh-CN" sz="1600" dirty="0"/>
-              <a:t>PU</a:t>
-            </a:r>
-            <a:r>
-              <a:rPr lang="zh-CN" altLang="en-US" sz="1600" dirty="0"/>
-              <a:t>组成</a:t>
-            </a:r>
-            <a:endParaRPr lang="en-US" altLang="zh-CN" sz="1600" dirty="0"/>
-          </a:p>
-          <a:p>
-            <a:pPr marL="0" indent="0">
-              <a:lnSpc>
-                <a:spcPct val="150000"/>
-              </a:lnSpc>
-              <a:buNone/>
-            </a:pPr>
-            <a:r>
-              <a:rPr lang="en-US" altLang="zh-CN" sz="1600" dirty="0"/>
-              <a:t>     </a:t>
-            </a:r>
-            <a:r>
-              <a:rPr lang="zh-CN" altLang="en-US" sz="1600" b="1" dirty="0">
-                <a:solidFill>
-                  <a:srgbClr val="FF0000"/>
-                </a:solidFill>
-              </a:rPr>
-              <a:t>运算器</a:t>
-            </a:r>
-            <a:r>
-              <a:rPr lang="en-US" altLang="zh-CN" sz="1600" b="1" dirty="0">
-                <a:solidFill>
-                  <a:srgbClr val="FF0000"/>
-                </a:solidFill>
-              </a:rPr>
-              <a:t>+</a:t>
-            </a:r>
-            <a:r>
-              <a:rPr lang="zh-CN" altLang="en-US" sz="1600" b="1" dirty="0">
-                <a:solidFill>
-                  <a:srgbClr val="FF0000"/>
-                </a:solidFill>
-              </a:rPr>
-              <a:t>控制器</a:t>
-            </a:r>
-            <a:r>
-              <a:rPr lang="en-US" altLang="zh-CN" sz="1600" b="1" dirty="0">
-                <a:solidFill>
-                  <a:srgbClr val="FF0000"/>
-                </a:solidFill>
-              </a:rPr>
-              <a:t>=CPU</a:t>
-            </a:r>
-            <a:r>
-              <a:rPr lang="zh-CN" altLang="en-US" sz="1600" b="1" dirty="0">
-                <a:solidFill>
-                  <a:srgbClr val="FF0000"/>
-                </a:solidFill>
-              </a:rPr>
-              <a:t>，  </a:t>
-            </a:r>
-            <a:r>
-              <a:rPr lang="en-US" altLang="zh-CN" sz="1600" dirty="0"/>
-              <a:t>CPU+</a:t>
-            </a:r>
-            <a:r>
-              <a:rPr lang="zh-CN" altLang="en-US" sz="1600" dirty="0"/>
-              <a:t>主存储器</a:t>
-            </a:r>
-            <a:r>
-              <a:rPr lang="en-US" altLang="zh-CN" sz="1600" dirty="0"/>
-              <a:t>=</a:t>
-            </a:r>
-            <a:r>
-              <a:rPr lang="zh-CN" altLang="en-US" sz="1600" dirty="0"/>
-              <a:t>主机</a:t>
-            </a:r>
-            <a:endParaRPr lang="en-US" altLang="zh-CN" sz="1600" dirty="0"/>
-          </a:p>
-          <a:p>
-            <a:pPr>
-              <a:lnSpc>
-                <a:spcPct val="150000"/>
-              </a:lnSpc>
-            </a:pPr>
-            <a:r>
-              <a:rPr lang="zh-CN" altLang="en-US" sz="1600" dirty="0"/>
-              <a:t>存储器    存储字长是</a:t>
-            </a:r>
-            <a:r>
-              <a:rPr lang="en-US" altLang="zh-CN" sz="1600" dirty="0"/>
-              <a:t>B</a:t>
-            </a:r>
-            <a:r>
-              <a:rPr lang="zh-CN" altLang="en-US" sz="1600" dirty="0"/>
-              <a:t>（</a:t>
-            </a:r>
-            <a:r>
-              <a:rPr lang="en-US" altLang="zh-CN" sz="1600" dirty="0"/>
-              <a:t>8bit</a:t>
-            </a:r>
-            <a:r>
-              <a:rPr lang="zh-CN" altLang="en-US" sz="1600" dirty="0"/>
-              <a:t>）的整数倍</a:t>
-            </a:r>
-            <a:endParaRPr lang="en-US" altLang="zh-CN" sz="1600" dirty="0"/>
-          </a:p>
-          <a:p>
-            <a:pPr lvl="1">
-              <a:lnSpc>
-                <a:spcPct val="150000"/>
-              </a:lnSpc>
-            </a:pPr>
-            <a:r>
-              <a:rPr lang="zh-CN" altLang="en-US" sz="1200" dirty="0">
-                <a:solidFill>
-                  <a:srgbClr val="0000FF"/>
-                </a:solidFill>
-              </a:rPr>
-              <a:t>地址寄存器</a:t>
-            </a:r>
-            <a:r>
-              <a:rPr lang="en-US" altLang="zh-CN" sz="1200" dirty="0">
-                <a:solidFill>
-                  <a:srgbClr val="0000FF"/>
-                </a:solidFill>
-              </a:rPr>
-              <a:t>MAR</a:t>
-            </a:r>
-            <a:r>
-              <a:rPr lang="zh-CN" altLang="en-US" sz="1200" dirty="0">
-                <a:solidFill>
-                  <a:srgbClr val="0000FF"/>
-                </a:solidFill>
-              </a:rPr>
-              <a:t>：存放欲访问的存储单元地址</a:t>
-            </a:r>
-            <a:endParaRPr lang="en-US" altLang="zh-CN" sz="1200" dirty="0">
-              <a:solidFill>
-                <a:srgbClr val="0000FF"/>
-              </a:solidFill>
-            </a:endParaRPr>
-          </a:p>
-          <a:p>
-            <a:pPr lvl="1">
-              <a:lnSpc>
-                <a:spcPct val="150000"/>
-              </a:lnSpc>
-            </a:pPr>
-            <a:r>
-              <a:rPr lang="zh-CN" altLang="en-US" sz="1200" dirty="0">
-                <a:solidFill>
-                  <a:srgbClr val="0000FF"/>
-                </a:solidFill>
-              </a:rPr>
-              <a:t>数据寄存器</a:t>
-            </a:r>
-            <a:r>
-              <a:rPr lang="en-US" altLang="zh-CN" sz="1200" dirty="0">
-                <a:solidFill>
-                  <a:srgbClr val="0000FF"/>
-                </a:solidFill>
-              </a:rPr>
-              <a:t>MDR</a:t>
-            </a:r>
-            <a:r>
-              <a:rPr lang="zh-CN" altLang="en-US" sz="1200" dirty="0">
-                <a:solidFill>
-                  <a:srgbClr val="0000FF"/>
-                </a:solidFill>
-              </a:rPr>
-              <a:t>：存放从存储单元取来的数据</a:t>
-            </a:r>
-            <a:endParaRPr lang="en-US" altLang="zh-CN" sz="1200" dirty="0">
-              <a:solidFill>
-                <a:srgbClr val="0000FF"/>
-              </a:solidFill>
-            </a:endParaRPr>
-          </a:p>
-        </p:txBody>
-      </p:sp>
-      <p:pic>
-        <p:nvPicPr>
-          <p:cNvPr id="10242" name="Picture 2" descr="https://upload.wikimedia.org/wikipedia/commons/thumb/e/e5/Von_Neumann_Architecture.svg/1920px-Von_Neumann_Architecture.svg.png"/>
-          <p:cNvPicPr>
-            <a:picLocks noChangeAspect="1" noChangeArrowheads="1"/>
-          </p:cNvPicPr>
-          <p:nvPr/>
-        </p:nvPicPr>
-        <p:blipFill>
-          <a:blip r:embed="rId4" cstate="print">
-            <a:extLst>
-              <a:ext uri="{28A0092B-C50C-407E-A947-70E740481C1C}">
-                <a14:useLocalDpi xmlns:a14="http://schemas.microsoft.com/office/drawing/2010/main" val="0"/>
-              </a:ext>
-            </a:extLst>
-          </a:blip>
-          <a:srcRect/>
-          <a:stretch>
-            <a:fillRect/>
-          </a:stretch>
-        </p:blipFill>
-        <p:spPr bwMode="auto">
-          <a:xfrm>
-            <a:off x="8861356" y="1466451"/>
-            <a:ext cx="3060047" cy="1770684"/>
-          </a:xfrm>
-          <a:prstGeom prst="rect">
-            <a:avLst/>
-          </a:prstGeom>
-          <a:noFill/>
-          <a:extLst>
-            <a:ext uri="{909E8E84-426E-40DD-AFC4-6F175D3DCCD1}">
-              <a14:hiddenFill xmlns:a14="http://schemas.microsoft.com/office/drawing/2010/main">
-                <a:solidFill>
-                  <a:srgbClr val="FFFFFF"/>
-                </a:solidFill>
-              </a14:hiddenFill>
-            </a:ext>
-          </a:extLst>
-        </p:spPr>
-      </p:pic>
-      <p:sp>
-        <p:nvSpPr>
-          <p:cNvPr id="6" name="文本框 5">
-            <a:extLst>
-              <a:ext uri="{FF2B5EF4-FFF2-40B4-BE49-F238E27FC236}">
-                <a16:creationId xmlns:a16="http://schemas.microsoft.com/office/drawing/2014/main" id="{A36BD92B-C722-FAA3-A12A-673F635A981C}"/>
-              </a:ext>
-            </a:extLst>
-          </p:cNvPr>
-          <p:cNvSpPr txBox="1"/>
-          <p:nvPr/>
-        </p:nvSpPr>
-        <p:spPr>
-          <a:xfrm>
-            <a:off x="9876420" y="3407206"/>
-            <a:ext cx="1512168" cy="400110"/>
-          </a:xfrm>
-          <a:prstGeom prst="rect">
-            <a:avLst/>
-          </a:prstGeom>
-          <a:noFill/>
-        </p:spPr>
-        <p:txBody>
-          <a:bodyPr wrap="square" rtlCol="0">
-            <a:spAutoFit/>
-          </a:bodyPr>
-          <a:lstStyle/>
-          <a:p>
-            <a:r>
-              <a:rPr lang="en-US" altLang="zh-CN" sz="2000" b="1" dirty="0"/>
-              <a:t>5</a:t>
-            </a:r>
-            <a:r>
-              <a:rPr lang="zh-CN" altLang="en-US" sz="2000" b="1" dirty="0"/>
-              <a:t>个部分</a:t>
-            </a:r>
-          </a:p>
-        </p:txBody>
-      </p:sp>
-    </p:spTree>
-    <p:extLst>
-      <p:ext uri="{BB962C8B-B14F-4D97-AF65-F5344CB8AC3E}">
-        <p14:creationId xmlns:p14="http://schemas.microsoft.com/office/powerpoint/2010/main" val="2128202678"/>
-      </p:ext>
-    </p:extLst>
-  </p:cSld>
-  <p:clrMapOvr>
-    <a:masterClrMapping/>
-  </p:clrMapOvr>
-  <p:transition spd="med">
-    <p:random/>
-    <p:sndAc>
-      <p:stSnd>
-        <p:snd r:embed="rId3" name="chimes.wav"/>
-      </p:stSnd>
-    </p:sndAc>
-  </p:transition>
-</p:sld>
-</file>
-
-<file path=ppt/slides/slide4.xml><?xml version="1.0" encoding="utf-8"?>
-<p:sld xmlns:a="http://schemas.openxmlformats.org/drawingml/2006/main" xmlns:r="http://schemas.openxmlformats.org/officeDocument/2006/relationships" xmlns:p="http://schemas.openxmlformats.org/presentationml/2006/main">
-  <p:cSld>
-    <p:spTree>
-      <p:nvGrpSpPr>
-        <p:cNvPr id="1" name=""/>
-        <p:cNvGrpSpPr/>
-        <p:nvPr/>
-      </p:nvGrpSpPr>
-      <p:grpSpPr>
-        <a:xfrm>
-          <a:off x="0" y="0"/>
-          <a:ext cx="0" cy="0"/>
-          <a:chOff x="0" y="0"/>
-          <a:chExt cx="0" cy="0"/>
-        </a:xfrm>
-      </p:grpSpPr>
-      <p:sp>
-        <p:nvSpPr>
-          <p:cNvPr id="1256450" name="Rectangle 2"/>
-          <p:cNvSpPr>
-            <a:spLocks noGrp="1" noChangeArrowheads="1"/>
-          </p:cNvSpPr>
-          <p:nvPr>
-            <p:ph type="ctrTitle"/>
-          </p:nvPr>
-        </p:nvSpPr>
-        <p:spPr>
-          <a:xfrm>
-            <a:off x="1343472" y="476672"/>
-            <a:ext cx="8424936" cy="4206329"/>
-          </a:xfrm>
-        </p:spPr>
-        <p:txBody>
-          <a:bodyPr>
-            <a:noAutofit/>
-          </a:bodyPr>
-          <a:lstStyle/>
-          <a:p>
-            <a:r>
-              <a:rPr lang="en-US" altLang="zh-CN" sz="7200" b="1" dirty="0">
-                <a:solidFill>
-                  <a:srgbClr val="C00000"/>
-                </a:solidFill>
-              </a:rPr>
-              <a:t>1.2  Eight Great Ideas </a:t>
-            </a:r>
-            <a:br>
-              <a:rPr lang="en-US" altLang="zh-CN" sz="7200" b="1" dirty="0">
-                <a:solidFill>
-                  <a:srgbClr val="C00000"/>
-                </a:solidFill>
-              </a:rPr>
-            </a:br>
-            <a:r>
-              <a:rPr lang="en-US" altLang="zh-CN" sz="7200" b="1" dirty="0">
-                <a:solidFill>
-                  <a:srgbClr val="C00000"/>
-                </a:solidFill>
-              </a:rPr>
-              <a:t>       in Computer Architecture </a:t>
-            </a:r>
-          </a:p>
-        </p:txBody>
-      </p:sp>
-      <p:sp>
-        <p:nvSpPr>
-          <p:cNvPr id="5" name="Rectangle 6"/>
-          <p:cNvSpPr>
-            <a:spLocks noGrp="1" noChangeArrowheads="1"/>
-          </p:cNvSpPr>
-          <p:nvPr>
-            <p:ph type="sldNum" sz="quarter" idx="12"/>
-          </p:nvPr>
-        </p:nvSpPr>
-        <p:spPr>
-          <a:xfrm>
-            <a:off x="8077200" y="6245225"/>
-            <a:ext cx="2133600" cy="476250"/>
-          </a:xfrm>
-          <a:prstGeom prst="rect">
-            <a:avLst/>
-          </a:prstGeom>
-        </p:spPr>
-        <p:txBody>
-          <a:bodyPr/>
-          <a:lstStyle/>
-          <a:p>
-            <a:fld id="{3915D265-858B-4522-941A-C622E72EF54B}" type="slidenum">
-              <a:rPr lang="zh-CN" altLang="en-US"/>
-              <a:pPr/>
-              <a:t>4</a:t>
-            </a:fld>
-            <a:endParaRPr lang="en-US" altLang="zh-CN"/>
-          </a:p>
-        </p:txBody>
-      </p:sp>
-    </p:spTree>
-    <p:extLst>
-      <p:ext uri="{BB962C8B-B14F-4D97-AF65-F5344CB8AC3E}">
-        <p14:creationId xmlns:p14="http://schemas.microsoft.com/office/powerpoint/2010/main" val="3625941323"/>
-      </p:ext>
-    </p:extLst>
-  </p:cSld>
-  <p:clrMapOvr>
-    <a:masterClrMapping/>
-  </p:clrMapOvr>
-  <p:transition spd="med">
-    <p:random/>
-    <p:sndAc>
-      <p:stSnd>
-        <p:snd r:embed="rId2" name="chimes.wav"/>
-      </p:stSnd>
-    </p:sndAc>
-  </p:transition>
-</p:sld>
-</file>
-
-<file path=ppt/slides/slide5.xml><?xml version="1.0" encoding="utf-8"?>
-<p:sld xmlns:a="http://schemas.openxmlformats.org/drawingml/2006/main" xmlns:r="http://schemas.openxmlformats.org/officeDocument/2006/relationships" xmlns:p="http://schemas.openxmlformats.org/presentationml/2006/main">
-  <p:cSld>
-    <p:spTree>
-      <p:nvGrpSpPr>
-        <p:cNvPr id="1" name=""/>
-        <p:cNvGrpSpPr/>
-        <p:nvPr/>
-      </p:nvGrpSpPr>
-      <p:grpSpPr>
-        <a:xfrm>
-          <a:off x="0" y="0"/>
-          <a:ext cx="0" cy="0"/>
-          <a:chOff x="0" y="0"/>
-          <a:chExt cx="0" cy="0"/>
-        </a:xfrm>
-      </p:grpSpPr>
-      <p:sp>
-        <p:nvSpPr>
           <p:cNvPr id="3" name="内容占位符 2">
             <a:extLst>
               <a:ext uri="{FF2B5EF4-FFF2-40B4-BE49-F238E27FC236}">
@@ -24286,7 +19668,7 @@
 </p:sld>
 </file>
 
-<file path=ppt/slides/slide6.xml><?xml version="1.0" encoding="utf-8"?>
+<file path=ppt/slides/slide3.xml><?xml version="1.0" encoding="utf-8"?>
 <p:sld xmlns:a="http://schemas.openxmlformats.org/drawingml/2006/main" xmlns:r="http://schemas.openxmlformats.org/officeDocument/2006/relationships" xmlns:p="http://schemas.openxmlformats.org/presentationml/2006/main">
   <p:cSld>
     <p:spTree>
@@ -24436,78 +19818,7 @@
 </p:sld>
 </file>
 
-<file path=ppt/slides/slide7.xml><?xml version="1.0" encoding="utf-8"?>
-<p:sld xmlns:a="http://schemas.openxmlformats.org/drawingml/2006/main" xmlns:r="http://schemas.openxmlformats.org/officeDocument/2006/relationships" xmlns:p="http://schemas.openxmlformats.org/presentationml/2006/main">
-  <p:cSld>
-    <p:spTree>
-      <p:nvGrpSpPr>
-        <p:cNvPr id="1" name=""/>
-        <p:cNvGrpSpPr/>
-        <p:nvPr/>
-      </p:nvGrpSpPr>
-      <p:grpSpPr>
-        <a:xfrm>
-          <a:off x="0" y="0"/>
-          <a:ext cx="0" cy="0"/>
-          <a:chOff x="0" y="0"/>
-          <a:chExt cx="0" cy="0"/>
-        </a:xfrm>
-      </p:grpSpPr>
-      <p:sp>
-        <p:nvSpPr>
-          <p:cNvPr id="1256450" name="Rectangle 2"/>
-          <p:cNvSpPr>
-            <a:spLocks noGrp="1" noChangeArrowheads="1"/>
-          </p:cNvSpPr>
-          <p:nvPr>
-            <p:ph type="ctrTitle"/>
-          </p:nvPr>
-        </p:nvSpPr>
-        <p:spPr>
-          <a:xfrm>
-            <a:off x="1991544" y="2420888"/>
-            <a:ext cx="7772400" cy="1470025"/>
-          </a:xfrm>
-        </p:spPr>
-        <p:txBody>
-          <a:bodyPr>
-            <a:normAutofit/>
-          </a:bodyPr>
-          <a:lstStyle/>
-          <a:p>
-            <a:r>
-              <a:rPr lang="en-US" altLang="zh-CN" sz="7200" b="1" dirty="0">
-                <a:solidFill>
-                  <a:srgbClr val="C00000"/>
-                </a:solidFill>
-              </a:rPr>
-              <a:t>1.6  Performance </a:t>
-            </a:r>
-          </a:p>
-        </p:txBody>
-      </p:sp>
-    </p:spTree>
-    <p:extLst>
-      <p:ext uri="{BB962C8B-B14F-4D97-AF65-F5344CB8AC3E}">
-        <p14:creationId xmlns:p14="http://schemas.microsoft.com/office/powerpoint/2010/main" val="3368528784"/>
-      </p:ext>
-    </p:extLst>
-  </p:cSld>
-  <p:clrMapOvr>
-    <a:masterClrMapping/>
-  </p:clrMapOvr>
-  <p:transition spd="med">
-    <p:random/>
-    <p:sndAc>
-      <p:stSnd>
-        <p:snd r:embed="rId2" name="chimes.wav"/>
-      </p:stSnd>
-    </p:sndAc>
-  </p:transition>
-</p:sld>
-</file>
-
-<file path=ppt/slides/slide8.xml><?xml version="1.0" encoding="utf-8"?>
+<file path=ppt/slides/slide4.xml><?xml version="1.0" encoding="utf-8"?>
 <p:sld xmlns:a="http://schemas.openxmlformats.org/drawingml/2006/main" xmlns:r="http://schemas.openxmlformats.org/officeDocument/2006/relationships" xmlns:p="http://schemas.openxmlformats.org/presentationml/2006/main">
   <p:cSld>
     <p:spTree>
@@ -25055,7 +20366,7 @@
 </p:sld>
 </file>
 
-<file path=ppt/slides/slide9.xml><?xml version="1.0" encoding="utf-8"?>
+<file path=ppt/slides/slide5.xml><?xml version="1.0" encoding="utf-8"?>
 <p:sld xmlns:a="http://schemas.openxmlformats.org/drawingml/2006/main" xmlns:r="http://schemas.openxmlformats.org/officeDocument/2006/relationships" xmlns:p="http://schemas.openxmlformats.org/presentationml/2006/main">
   <p:cSld>
     <p:spTree>
@@ -25618,6 +20929,3618 @@
     <p:sndAc>
       <p:stSnd>
         <p:snd r:embed="rId2" name="chimes.wav"/>
+      </p:stSnd>
+    </p:sndAc>
+  </p:transition>
+</p:sld>
+</file>
+
+<file path=ppt/slides/slide6.xml><?xml version="1.0" encoding="utf-8"?>
+<p:sld xmlns:a="http://schemas.openxmlformats.org/drawingml/2006/main" xmlns:r="http://schemas.openxmlformats.org/officeDocument/2006/relationships" xmlns:p="http://schemas.openxmlformats.org/presentationml/2006/main">
+  <p:cSld>
+    <p:spTree>
+      <p:nvGrpSpPr>
+        <p:cNvPr id="1" name=""/>
+        <p:cNvGrpSpPr/>
+        <p:nvPr/>
+      </p:nvGrpSpPr>
+      <p:grpSpPr>
+        <a:xfrm>
+          <a:off x="0" y="0"/>
+          <a:ext cx="0" cy="0"/>
+          <a:chOff x="0" y="0"/>
+          <a:chExt cx="0" cy="0"/>
+        </a:xfrm>
+      </p:grpSpPr>
+      <p:sp>
+        <p:nvSpPr>
+          <p:cNvPr id="13314" name="Rectangle 2"/>
+          <p:cNvSpPr>
+            <a:spLocks noGrp="1" noRot="1" noChangeArrowheads="1"/>
+          </p:cNvSpPr>
+          <p:nvPr>
+            <p:ph type="title"/>
+          </p:nvPr>
+        </p:nvSpPr>
+        <p:spPr>
+          <a:xfrm>
+            <a:off x="1199456" y="0"/>
+            <a:ext cx="9009758" cy="1214422"/>
+          </a:xfrm>
+        </p:spPr>
+        <p:txBody>
+          <a:bodyPr/>
+          <a:lstStyle/>
+          <a:p>
+            <a:pPr eaLnBrk="1" hangingPunct="1"/>
+            <a:r>
+              <a:rPr lang="en-US" altLang="zh-CN" dirty="0"/>
+              <a:t>Relative  Performance</a:t>
+            </a:r>
+          </a:p>
+        </p:txBody>
+      </p:sp>
+      <p:sp>
+        <p:nvSpPr>
+          <p:cNvPr id="13315" name="Rectangle 3"/>
+          <p:cNvSpPr>
+            <a:spLocks noGrp="1" noRot="1" noChangeArrowheads="1"/>
+          </p:cNvSpPr>
+          <p:nvPr>
+            <p:ph idx="1"/>
+          </p:nvPr>
+        </p:nvSpPr>
+        <p:spPr>
+          <a:xfrm>
+            <a:off x="1218321" y="1214422"/>
+            <a:ext cx="8305800" cy="4114800"/>
+          </a:xfrm>
+        </p:spPr>
+        <p:txBody>
+          <a:bodyPr/>
+          <a:lstStyle/>
+          <a:p>
+            <a:pPr eaLnBrk="1" hangingPunct="1"/>
+            <a:r>
+              <a:rPr lang="en-US" altLang="zh-CN" sz="2400" dirty="0">
+                <a:latin typeface="Comic Sans MS" pitchFamily="66" charset="0"/>
+              </a:rPr>
+              <a:t>“</a:t>
+            </a:r>
+            <a:r>
+              <a:rPr lang="en-US" altLang="zh-CN" sz="2400" dirty="0">
+                <a:solidFill>
+                  <a:schemeClr val="hlink"/>
+                </a:solidFill>
+                <a:latin typeface="Comic Sans MS" pitchFamily="66" charset="0"/>
+              </a:rPr>
+              <a:t>Performance of </a:t>
+            </a:r>
+            <a:r>
+              <a:rPr lang="en-US" altLang="zh-CN" sz="2400" i="1" dirty="0" err="1">
+                <a:solidFill>
+                  <a:schemeClr val="hlink"/>
+                </a:solidFill>
+                <a:latin typeface="Comic Sans MS" pitchFamily="66" charset="0"/>
+              </a:rPr>
+              <a:t>P</a:t>
+            </a:r>
+            <a:r>
+              <a:rPr lang="en-US" altLang="zh-CN" sz="2400" i="1" baseline="-25000" dirty="0" err="1">
+                <a:solidFill>
+                  <a:schemeClr val="hlink"/>
+                </a:solidFill>
+                <a:latin typeface="Comic Sans MS" pitchFamily="66" charset="0"/>
+              </a:rPr>
+              <a:t>1</a:t>
+            </a:r>
+            <a:r>
+              <a:rPr lang="en-US" altLang="zh-CN" sz="2400" dirty="0">
+                <a:solidFill>
+                  <a:schemeClr val="hlink"/>
+                </a:solidFill>
+                <a:latin typeface="Comic Sans MS" pitchFamily="66" charset="0"/>
+              </a:rPr>
+              <a:t> is better than </a:t>
+            </a:r>
+            <a:r>
+              <a:rPr lang="en-US" altLang="zh-CN" sz="2400" i="1" dirty="0" err="1">
+                <a:solidFill>
+                  <a:schemeClr val="hlink"/>
+                </a:solidFill>
+                <a:latin typeface="Comic Sans MS" pitchFamily="66" charset="0"/>
+              </a:rPr>
+              <a:t>P</a:t>
+            </a:r>
+            <a:r>
+              <a:rPr lang="en-US" altLang="zh-CN" sz="2400" i="1" baseline="-25000" dirty="0" err="1">
+                <a:solidFill>
+                  <a:schemeClr val="hlink"/>
+                </a:solidFill>
+                <a:latin typeface="Comic Sans MS" pitchFamily="66" charset="0"/>
+              </a:rPr>
+              <a:t>2</a:t>
+            </a:r>
+            <a:r>
+              <a:rPr lang="en-US" altLang="zh-CN" sz="2400" i="1" baseline="-25000" dirty="0">
+                <a:latin typeface="Comic Sans MS" pitchFamily="66" charset="0"/>
+              </a:rPr>
+              <a:t>  </a:t>
+            </a:r>
+            <a:r>
+              <a:rPr lang="en-US" altLang="zh-CN" sz="2400" dirty="0">
+                <a:latin typeface="Comic Sans MS" pitchFamily="66" charset="0"/>
+              </a:rPr>
+              <a:t>” is, for a given work load </a:t>
+            </a:r>
+            <a:r>
+              <a:rPr lang="en-US" altLang="zh-CN" sz="2400" i="1" dirty="0">
+                <a:latin typeface="Comic Sans MS" pitchFamily="66" charset="0"/>
+              </a:rPr>
+              <a:t>L</a:t>
+            </a:r>
+            <a:r>
+              <a:rPr lang="en-US" altLang="zh-CN" sz="2400" dirty="0">
+                <a:latin typeface="Comic Sans MS" pitchFamily="66" charset="0"/>
+              </a:rPr>
+              <a:t>, </a:t>
+            </a:r>
+            <a:r>
+              <a:rPr lang="en-US" altLang="zh-CN" sz="2400" i="1" dirty="0" err="1">
+                <a:latin typeface="Comic Sans MS" pitchFamily="66" charset="0"/>
+              </a:rPr>
+              <a:t>P</a:t>
+            </a:r>
+            <a:r>
+              <a:rPr lang="en-US" altLang="zh-CN" sz="2400" i="1" baseline="-25000" dirty="0" err="1">
+                <a:latin typeface="Comic Sans MS" pitchFamily="66" charset="0"/>
+              </a:rPr>
+              <a:t>1</a:t>
+            </a:r>
+            <a:r>
+              <a:rPr lang="en-US" altLang="zh-CN" sz="2400" i="1" baseline="-25000" dirty="0">
+                <a:latin typeface="Comic Sans MS" pitchFamily="66" charset="0"/>
+              </a:rPr>
+              <a:t> </a:t>
+            </a:r>
+            <a:r>
+              <a:rPr lang="en-US" altLang="zh-CN" sz="2400" dirty="0">
+                <a:latin typeface="Comic Sans MS" pitchFamily="66" charset="0"/>
+              </a:rPr>
+              <a:t>takes less time to execute </a:t>
+            </a:r>
+            <a:r>
+              <a:rPr lang="en-US" altLang="zh-CN" sz="2400" i="1" dirty="0">
+                <a:latin typeface="Comic Sans MS" pitchFamily="66" charset="0"/>
+              </a:rPr>
+              <a:t>L</a:t>
+            </a:r>
+            <a:r>
+              <a:rPr lang="en-US" altLang="zh-CN" sz="2400" dirty="0">
+                <a:latin typeface="Comic Sans MS" pitchFamily="66" charset="0"/>
+              </a:rPr>
+              <a:t> than </a:t>
+            </a:r>
+            <a:r>
+              <a:rPr lang="en-US" altLang="zh-CN" sz="2400" dirty="0" err="1">
+                <a:latin typeface="Comic Sans MS" pitchFamily="66" charset="0"/>
+              </a:rPr>
+              <a:t>P</a:t>
+            </a:r>
+            <a:r>
+              <a:rPr lang="en-US" altLang="zh-CN" sz="2400" baseline="-25000" dirty="0" err="1">
+                <a:latin typeface="Comic Sans MS" pitchFamily="66" charset="0"/>
+              </a:rPr>
+              <a:t>2</a:t>
+            </a:r>
+            <a:r>
+              <a:rPr lang="en-US" altLang="zh-CN" sz="2400" baseline="-25000" dirty="0">
+                <a:latin typeface="Comic Sans MS" pitchFamily="66" charset="0"/>
+              </a:rPr>
+              <a:t> </a:t>
+            </a:r>
+            <a:r>
+              <a:rPr lang="en-US" altLang="zh-CN" sz="2400" dirty="0">
+                <a:latin typeface="Comic Sans MS" pitchFamily="66" charset="0"/>
+              </a:rPr>
+              <a:t>does</a:t>
+            </a:r>
+          </a:p>
+          <a:p>
+            <a:pPr eaLnBrk="1" hangingPunct="1">
+              <a:buFont typeface="Wingdings" pitchFamily="2" charset="2"/>
+              <a:buNone/>
+            </a:pPr>
+            <a:r>
+              <a:rPr lang="en-US" altLang="zh-CN" sz="2400" dirty="0">
+                <a:latin typeface="Comic Sans MS" pitchFamily="66" charset="0"/>
+              </a:rPr>
+              <a:t>       </a:t>
+            </a:r>
+            <a:r>
+              <a:rPr lang="en-US" altLang="zh-CN" sz="2400" dirty="0">
+                <a:solidFill>
+                  <a:srgbClr val="0000FF"/>
+                </a:solidFill>
+                <a:latin typeface="Comic Sans MS" pitchFamily="66" charset="0"/>
+              </a:rPr>
+              <a:t>performance(</a:t>
+            </a:r>
+            <a:r>
+              <a:rPr lang="en-US" altLang="zh-CN" sz="2400" dirty="0" err="1">
+                <a:solidFill>
+                  <a:srgbClr val="0000FF"/>
+                </a:solidFill>
+                <a:latin typeface="Comic Sans MS" pitchFamily="66" charset="0"/>
+              </a:rPr>
+              <a:t>P1</a:t>
+            </a:r>
+            <a:r>
+              <a:rPr lang="en-US" altLang="zh-CN" sz="2400" dirty="0">
+                <a:solidFill>
+                  <a:srgbClr val="0000FF"/>
+                </a:solidFill>
+                <a:latin typeface="Comic Sans MS" pitchFamily="66" charset="0"/>
+              </a:rPr>
+              <a:t>) &gt; Performance(</a:t>
+            </a:r>
+            <a:r>
+              <a:rPr lang="en-US" altLang="zh-CN" sz="2400" dirty="0" err="1">
+                <a:solidFill>
+                  <a:srgbClr val="0000FF"/>
+                </a:solidFill>
+                <a:latin typeface="Comic Sans MS" pitchFamily="66" charset="0"/>
+              </a:rPr>
+              <a:t>P2</a:t>
+            </a:r>
+            <a:r>
+              <a:rPr lang="en-US" altLang="zh-CN" sz="2400" dirty="0">
+                <a:solidFill>
+                  <a:srgbClr val="0000FF"/>
+                </a:solidFill>
+                <a:latin typeface="Comic Sans MS" pitchFamily="66" charset="0"/>
+              </a:rPr>
+              <a:t>)</a:t>
+            </a:r>
+          </a:p>
+          <a:p>
+            <a:pPr eaLnBrk="1" hangingPunct="1">
+              <a:buFont typeface="Wingdings" pitchFamily="2" charset="2"/>
+              <a:buNone/>
+            </a:pPr>
+            <a:r>
+              <a:rPr lang="en-US" altLang="zh-CN" sz="2400" dirty="0">
+                <a:solidFill>
+                  <a:srgbClr val="0000FF"/>
+                </a:solidFill>
+                <a:latin typeface="Comic Sans MS" pitchFamily="66" charset="0"/>
+                <a:sym typeface="Symbol" pitchFamily="18" charset="2"/>
+              </a:rPr>
+              <a:t>            Execution Time(P1, L) &lt; Execution Time(P2, L)</a:t>
+            </a:r>
+          </a:p>
+          <a:p>
+            <a:pPr eaLnBrk="1" hangingPunct="1"/>
+            <a:endParaRPr lang="en-US" altLang="zh-CN" sz="2400" dirty="0">
+              <a:latin typeface="Comic Sans MS" pitchFamily="66" charset="0"/>
+              <a:sym typeface="Symbol" pitchFamily="18" charset="2"/>
+            </a:endParaRPr>
+          </a:p>
+          <a:p>
+            <a:pPr eaLnBrk="1" hangingPunct="1"/>
+            <a:r>
+              <a:rPr lang="en-US" altLang="zh-CN" sz="2400" dirty="0">
+                <a:latin typeface="Comic Sans MS" pitchFamily="66" charset="0"/>
+                <a:sym typeface="Symbol" pitchFamily="18" charset="2"/>
+              </a:rPr>
+              <a:t>“Processor </a:t>
+            </a:r>
+            <a:r>
+              <a:rPr lang="en-US" altLang="zh-CN" sz="2400" dirty="0">
+                <a:solidFill>
+                  <a:srgbClr val="FF0000"/>
+                </a:solidFill>
+                <a:latin typeface="Comic Sans MS" pitchFamily="66" charset="0"/>
+                <a:sym typeface="Symbol" pitchFamily="18" charset="2"/>
+              </a:rPr>
+              <a:t>X is n times fast than Y</a:t>
+            </a:r>
+            <a:r>
+              <a:rPr lang="en-US" altLang="zh-CN" sz="2400" dirty="0">
+                <a:latin typeface="Comic Sans MS" pitchFamily="66" charset="0"/>
+                <a:sym typeface="Symbol" pitchFamily="18" charset="2"/>
+              </a:rPr>
+              <a:t>” is </a:t>
+            </a:r>
+            <a:r>
+              <a:rPr lang="en-US" altLang="zh-CN" sz="2400" dirty="0">
+                <a:solidFill>
+                  <a:schemeClr val="accent2"/>
+                </a:solidFill>
+                <a:sym typeface="Symbol" pitchFamily="18" charset="2"/>
+              </a:rPr>
+              <a:t> </a:t>
+            </a:r>
+            <a:endParaRPr lang="en-US" altLang="zh-CN" sz="2400" dirty="0">
+              <a:solidFill>
+                <a:schemeClr val="accent2"/>
+              </a:solidFill>
+            </a:endParaRPr>
+          </a:p>
+        </p:txBody>
+      </p:sp>
+      <p:pic>
+        <p:nvPicPr>
+          <p:cNvPr id="13316" name="Picture 4" descr="chap1_2-1new"/>
+          <p:cNvPicPr>
+            <a:picLocks noChangeAspect="1" noChangeArrowheads="1"/>
+          </p:cNvPicPr>
+          <p:nvPr/>
+        </p:nvPicPr>
+        <p:blipFill>
+          <a:blip r:embed="rId3"/>
+          <a:srcRect/>
+          <a:stretch>
+            <a:fillRect/>
+          </a:stretch>
+        </p:blipFill>
+        <p:spPr bwMode="auto">
+          <a:xfrm>
+            <a:off x="2351535" y="4602086"/>
+            <a:ext cx="3352800" cy="990600"/>
+          </a:xfrm>
+          <a:prstGeom prst="rect">
+            <a:avLst/>
+          </a:prstGeom>
+          <a:noFill/>
+          <a:ln w="9525">
+            <a:solidFill>
+              <a:srgbClr val="FF0000"/>
+            </a:solidFill>
+            <a:miter lim="800000"/>
+            <a:headEnd/>
+            <a:tailEnd/>
+          </a:ln>
+        </p:spPr>
+      </p:pic>
+    </p:spTree>
+    <p:extLst>
+      <p:ext uri="{BB962C8B-B14F-4D97-AF65-F5344CB8AC3E}">
+        <p14:creationId xmlns:p14="http://schemas.microsoft.com/office/powerpoint/2010/main" val="3676757350"/>
+      </p:ext>
+    </p:extLst>
+  </p:cSld>
+  <p:clrMapOvr>
+    <a:masterClrMapping/>
+  </p:clrMapOvr>
+  <p:transition spd="med">
+    <p:random/>
+    <p:sndAc>
+      <p:stSnd>
+        <p:snd r:embed="rId2" name="chimes.wav"/>
+      </p:stSnd>
+    </p:sndAc>
+  </p:transition>
+</p:sld>
+</file>
+
+<file path=ppt/slides/slide7.xml><?xml version="1.0" encoding="utf-8"?>
+<p:sld xmlns:a="http://schemas.openxmlformats.org/drawingml/2006/main" xmlns:r="http://schemas.openxmlformats.org/officeDocument/2006/relationships" xmlns:p="http://schemas.openxmlformats.org/presentationml/2006/main">
+  <p:cSld>
+    <p:spTree>
+      <p:nvGrpSpPr>
+        <p:cNvPr id="1" name=""/>
+        <p:cNvGrpSpPr/>
+        <p:nvPr/>
+      </p:nvGrpSpPr>
+      <p:grpSpPr>
+        <a:xfrm>
+          <a:off x="0" y="0"/>
+          <a:ext cx="0" cy="0"/>
+          <a:chOff x="0" y="0"/>
+          <a:chExt cx="0" cy="0"/>
+        </a:xfrm>
+      </p:grpSpPr>
+      <p:sp>
+        <p:nvSpPr>
+          <p:cNvPr id="60424" name="Rectangle 7"/>
+          <p:cNvSpPr>
+            <a:spLocks noGrp="1" noChangeArrowheads="1"/>
+          </p:cNvSpPr>
+          <p:nvPr>
+            <p:ph type="title"/>
+          </p:nvPr>
+        </p:nvSpPr>
+        <p:spPr>
+          <a:xfrm>
+            <a:off x="625588" y="-43742"/>
+            <a:ext cx="3494720" cy="1325563"/>
+          </a:xfrm>
+        </p:spPr>
+        <p:txBody>
+          <a:bodyPr/>
+          <a:lstStyle/>
+          <a:p>
+            <a:pPr eaLnBrk="1" hangingPunct="1"/>
+            <a:r>
+              <a:rPr lang="en-US" altLang="en-US" dirty="0"/>
+              <a:t>CPU Clocking</a:t>
+            </a:r>
+            <a:endParaRPr lang="en-AU" altLang="en-US" dirty="0"/>
+          </a:p>
+        </p:txBody>
+      </p:sp>
+      <p:sp>
+        <p:nvSpPr>
+          <p:cNvPr id="60451" name="Rectangle 35"/>
+          <p:cNvSpPr>
+            <a:spLocks noChangeArrowheads="1"/>
+          </p:cNvSpPr>
+          <p:nvPr/>
+        </p:nvSpPr>
+        <p:spPr bwMode="auto">
+          <a:xfrm>
+            <a:off x="911424" y="1311638"/>
+            <a:ext cx="7272808" cy="2101681"/>
+          </a:xfrm>
+          <a:prstGeom prst="rect">
+            <a:avLst/>
+          </a:prstGeom>
+          <a:noFill/>
+          <a:ln>
+            <a:noFill/>
+          </a:ln>
+          <a:extLst>
+            <a:ext uri="{909E8E84-426E-40DD-AFC4-6F175D3DCCD1}">
+              <a14:hiddenFill xmlns:a14="http://schemas.microsoft.com/office/drawing/2010/main">
+                <a:solidFill>
+                  <a:srgbClr val="FFFFFF"/>
+                </a:solidFill>
+              </a14:hiddenFill>
+            </a:ext>
+            <a:ext uri="{91240B29-F687-4F45-9708-019B960494DF}">
+              <a14:hiddenLine xmlns:a14="http://schemas.microsoft.com/office/drawing/2010/main" w="9525">
+                <a:solidFill>
+                  <a:srgbClr val="000000"/>
+                </a:solidFill>
+                <a:miter lim="800000"/>
+                <a:headEnd/>
+                <a:tailEnd/>
+              </a14:hiddenLine>
+            </a:ext>
+          </a:extLst>
+        </p:spPr>
+        <p:txBody>
+          <a:bodyPr/>
+          <a:lstStyle>
+            <a:lvl1pPr marL="342900" indent="-342900">
+              <a:spcBef>
+                <a:spcPct val="20000"/>
+              </a:spcBef>
+              <a:buClr>
+                <a:schemeClr val="folHlink"/>
+              </a:buClr>
+              <a:buSzPct val="60000"/>
+              <a:buFont typeface="Wingdings" panose="05000000000000000000" pitchFamily="2" charset="2"/>
+              <a:buChar char="n"/>
+              <a:defRPr sz="3200">
+                <a:solidFill>
+                  <a:schemeClr val="tx1"/>
+                </a:solidFill>
+                <a:latin typeface="Arial" panose="020B0604020202020204" pitchFamily="34" charset="0"/>
+              </a:defRPr>
+            </a:lvl1pPr>
+            <a:lvl2pPr marL="742950" indent="-285750">
+              <a:spcBef>
+                <a:spcPct val="20000"/>
+              </a:spcBef>
+              <a:buClr>
+                <a:schemeClr val="hlink"/>
+              </a:buClr>
+              <a:buSzPct val="55000"/>
+              <a:buFont typeface="Wingdings" panose="05000000000000000000" pitchFamily="2" charset="2"/>
+              <a:buChar char="n"/>
+              <a:defRPr sz="2800">
+                <a:solidFill>
+                  <a:schemeClr val="tx1"/>
+                </a:solidFill>
+                <a:latin typeface="Arial" panose="020B0604020202020204" pitchFamily="34" charset="0"/>
+              </a:defRPr>
+            </a:lvl2pPr>
+            <a:lvl3pPr marL="1143000" indent="-228600">
+              <a:spcBef>
+                <a:spcPct val="20000"/>
+              </a:spcBef>
+              <a:buClr>
+                <a:schemeClr val="folHlink"/>
+              </a:buClr>
+              <a:buSzPct val="50000"/>
+              <a:buFont typeface="Wingdings" panose="05000000000000000000" pitchFamily="2" charset="2"/>
+              <a:buChar char="n"/>
+              <a:defRPr sz="2400">
+                <a:solidFill>
+                  <a:schemeClr val="tx1"/>
+                </a:solidFill>
+                <a:latin typeface="Arial" panose="020B0604020202020204" pitchFamily="34" charset="0"/>
+              </a:defRPr>
+            </a:lvl3pPr>
+            <a:lvl4pPr marL="1600200" indent="-228600">
+              <a:spcBef>
+                <a:spcPct val="20000"/>
+              </a:spcBef>
+              <a:buClr>
+                <a:schemeClr val="accent2"/>
+              </a:buClr>
+              <a:buSzPct val="55000"/>
+              <a:buFont typeface="Wingdings" panose="05000000000000000000" pitchFamily="2" charset="2"/>
+              <a:buChar char="n"/>
+              <a:defRPr sz="2000">
+                <a:solidFill>
+                  <a:schemeClr val="tx1"/>
+                </a:solidFill>
+                <a:latin typeface="Arial" panose="020B0604020202020204" pitchFamily="34" charset="0"/>
+              </a:defRPr>
+            </a:lvl4pPr>
+            <a:lvl5pPr marL="2057400" indent="-228600">
+              <a:spcBef>
+                <a:spcPct val="20000"/>
+              </a:spcBef>
+              <a:buClr>
+                <a:schemeClr val="accent1"/>
+              </a:buClr>
+              <a:buSzPct val="50000"/>
+              <a:buFont typeface="Wingdings" panose="05000000000000000000" pitchFamily="2" charset="2"/>
+              <a:buChar char="n"/>
+              <a:defRPr sz="2000">
+                <a:solidFill>
+                  <a:schemeClr val="tx1"/>
+                </a:solidFill>
+                <a:latin typeface="Arial" panose="020B0604020202020204" pitchFamily="34" charset="0"/>
+              </a:defRPr>
+            </a:lvl5pPr>
+            <a:lvl6pPr marL="2514600" indent="-228600" eaLnBrk="0" fontAlgn="base" hangingPunct="0">
+              <a:spcBef>
+                <a:spcPct val="20000"/>
+              </a:spcBef>
+              <a:spcAft>
+                <a:spcPct val="0"/>
+              </a:spcAft>
+              <a:buClr>
+                <a:schemeClr val="accent1"/>
+              </a:buClr>
+              <a:buSzPct val="50000"/>
+              <a:buFont typeface="Wingdings" panose="05000000000000000000" pitchFamily="2" charset="2"/>
+              <a:buChar char="n"/>
+              <a:defRPr sz="2000">
+                <a:solidFill>
+                  <a:schemeClr val="tx1"/>
+                </a:solidFill>
+                <a:latin typeface="Arial" panose="020B0604020202020204" pitchFamily="34" charset="0"/>
+              </a:defRPr>
+            </a:lvl6pPr>
+            <a:lvl7pPr marL="2971800" indent="-228600" eaLnBrk="0" fontAlgn="base" hangingPunct="0">
+              <a:spcBef>
+                <a:spcPct val="20000"/>
+              </a:spcBef>
+              <a:spcAft>
+                <a:spcPct val="0"/>
+              </a:spcAft>
+              <a:buClr>
+                <a:schemeClr val="accent1"/>
+              </a:buClr>
+              <a:buSzPct val="50000"/>
+              <a:buFont typeface="Wingdings" panose="05000000000000000000" pitchFamily="2" charset="2"/>
+              <a:buChar char="n"/>
+              <a:defRPr sz="2000">
+                <a:solidFill>
+                  <a:schemeClr val="tx1"/>
+                </a:solidFill>
+                <a:latin typeface="Arial" panose="020B0604020202020204" pitchFamily="34" charset="0"/>
+              </a:defRPr>
+            </a:lvl7pPr>
+            <a:lvl8pPr marL="3429000" indent="-228600" eaLnBrk="0" fontAlgn="base" hangingPunct="0">
+              <a:spcBef>
+                <a:spcPct val="20000"/>
+              </a:spcBef>
+              <a:spcAft>
+                <a:spcPct val="0"/>
+              </a:spcAft>
+              <a:buClr>
+                <a:schemeClr val="accent1"/>
+              </a:buClr>
+              <a:buSzPct val="50000"/>
+              <a:buFont typeface="Wingdings" panose="05000000000000000000" pitchFamily="2" charset="2"/>
+              <a:buChar char="n"/>
+              <a:defRPr sz="2000">
+                <a:solidFill>
+                  <a:schemeClr val="tx1"/>
+                </a:solidFill>
+                <a:latin typeface="Arial" panose="020B0604020202020204" pitchFamily="34" charset="0"/>
+              </a:defRPr>
+            </a:lvl8pPr>
+            <a:lvl9pPr marL="3886200" indent="-228600" eaLnBrk="0" fontAlgn="base" hangingPunct="0">
+              <a:spcBef>
+                <a:spcPct val="20000"/>
+              </a:spcBef>
+              <a:spcAft>
+                <a:spcPct val="0"/>
+              </a:spcAft>
+              <a:buClr>
+                <a:schemeClr val="accent1"/>
+              </a:buClr>
+              <a:buSzPct val="50000"/>
+              <a:buFont typeface="Wingdings" panose="05000000000000000000" pitchFamily="2" charset="2"/>
+              <a:buChar char="n"/>
+              <a:defRPr sz="2000">
+                <a:solidFill>
+                  <a:schemeClr val="tx1"/>
+                </a:solidFill>
+                <a:latin typeface="Arial" panose="020B0604020202020204" pitchFamily="34" charset="0"/>
+              </a:defRPr>
+            </a:lvl9pPr>
+          </a:lstStyle>
+          <a:p>
+            <a:pPr eaLnBrk="1" hangingPunct="1"/>
+            <a:r>
+              <a:rPr lang="zh-CN" altLang="en-US" sz="2800" b="1" dirty="0">
+                <a:solidFill>
+                  <a:srgbClr val="FF0000"/>
+                </a:solidFill>
+              </a:rPr>
+              <a:t>时钟周期  </a:t>
+            </a:r>
+            <a:r>
+              <a:rPr lang="en-US" altLang="en-US" sz="2800" b="1" dirty="0">
+                <a:solidFill>
+                  <a:srgbClr val="0000FF"/>
+                </a:solidFill>
+              </a:rPr>
+              <a:t>Clock C</a:t>
+            </a:r>
+            <a:r>
+              <a:rPr lang="en-US" altLang="zh-CN" sz="2800" b="1" dirty="0">
+                <a:solidFill>
+                  <a:srgbClr val="0000FF"/>
+                </a:solidFill>
+              </a:rPr>
+              <a:t>ircle Time</a:t>
+            </a:r>
+            <a:endParaRPr lang="en-US" altLang="en-US" sz="2800" b="1" dirty="0">
+              <a:solidFill>
+                <a:srgbClr val="0000FF"/>
+              </a:solidFill>
+            </a:endParaRPr>
+          </a:p>
+          <a:p>
+            <a:pPr marL="0" indent="0" eaLnBrk="1" hangingPunct="1">
+              <a:buNone/>
+            </a:pPr>
+            <a:r>
+              <a:rPr lang="en-US" altLang="en-US" sz="2400" dirty="0"/>
+              <a:t>	</a:t>
+            </a:r>
+            <a:r>
+              <a:rPr lang="zh-CN" altLang="en-US" sz="2400" dirty="0"/>
+              <a:t>主频的倒数</a:t>
+            </a:r>
+            <a:endParaRPr lang="en-US" altLang="en-US" sz="2400" dirty="0"/>
+          </a:p>
+          <a:p>
+            <a:pPr eaLnBrk="1" hangingPunct="1"/>
+            <a:r>
+              <a:rPr lang="zh-CN" altLang="en-US" sz="2800" b="1" dirty="0">
+                <a:solidFill>
+                  <a:srgbClr val="FF0000"/>
+                </a:solidFill>
+              </a:rPr>
+              <a:t>主频</a:t>
+            </a:r>
+            <a:r>
+              <a:rPr lang="zh-CN" altLang="en-US" sz="2800" dirty="0"/>
+              <a:t>（时钟频率）</a:t>
+            </a:r>
+            <a:r>
+              <a:rPr lang="en-US" altLang="en-US" sz="2800" dirty="0">
+                <a:solidFill>
+                  <a:srgbClr val="0000FF"/>
+                </a:solidFill>
+              </a:rPr>
+              <a:t>Clock Rate</a:t>
+            </a:r>
+          </a:p>
+          <a:p>
+            <a:pPr marL="457200" lvl="1" indent="0">
+              <a:buNone/>
+            </a:pPr>
+            <a:r>
+              <a:rPr lang="en-US" altLang="en-US" sz="2400" dirty="0"/>
+              <a:t>     </a:t>
+            </a:r>
+            <a:r>
+              <a:rPr lang="zh-CN" altLang="en-US" sz="2400" dirty="0"/>
+              <a:t>主频越高完成一个指令所需要的时间越短</a:t>
+            </a:r>
+            <a:endParaRPr lang="en-US" altLang="zh-CN" sz="2400" dirty="0"/>
+          </a:p>
+          <a:p>
+            <a:pPr marL="457200" lvl="1" indent="0">
+              <a:buNone/>
+            </a:pPr>
+            <a:r>
+              <a:rPr lang="en-US" altLang="en-US" b="1" dirty="0">
+                <a:solidFill>
+                  <a:srgbClr val="FF0000"/>
+                </a:solidFill>
+              </a:rPr>
+              <a:t>CPI</a:t>
+            </a:r>
+            <a:r>
+              <a:rPr lang="zh-CN" altLang="en-US" sz="2400" b="1" dirty="0">
+                <a:solidFill>
+                  <a:srgbClr val="FF0000"/>
+                </a:solidFill>
+              </a:rPr>
+              <a:t>   </a:t>
+            </a:r>
+            <a:r>
+              <a:rPr lang="en-US" altLang="zh-CN" sz="2400" dirty="0"/>
+              <a:t>cycle per instruction </a:t>
+            </a:r>
+          </a:p>
+          <a:p>
+            <a:pPr marL="457200" lvl="1" indent="0">
+              <a:buNone/>
+            </a:pPr>
+            <a:r>
+              <a:rPr lang="en-US" altLang="en-US" sz="2400" dirty="0"/>
+              <a:t>	</a:t>
+            </a:r>
+            <a:r>
+              <a:rPr lang="zh-CN" altLang="en-US" sz="2400" dirty="0"/>
+              <a:t>执行一条指令所需的时钟周期数（时钟频率不影响</a:t>
+            </a:r>
+            <a:r>
+              <a:rPr lang="en-US" altLang="zh-CN" sz="2400" dirty="0"/>
+              <a:t>CPI</a:t>
+            </a:r>
+            <a:r>
+              <a:rPr lang="zh-CN" altLang="en-US" sz="2400" dirty="0"/>
+              <a:t>）</a:t>
+            </a:r>
+            <a:endParaRPr lang="en-US" altLang="zh-CN" sz="2400" dirty="0"/>
+          </a:p>
+          <a:p>
+            <a:pPr marL="457200" lvl="1" indent="0">
+              <a:buNone/>
+            </a:pPr>
+            <a:r>
+              <a:rPr lang="en-US" altLang="zh-CN" b="1" dirty="0">
+                <a:solidFill>
+                  <a:srgbClr val="FF0000"/>
+                </a:solidFill>
+              </a:rPr>
+              <a:t>CPU</a:t>
+            </a:r>
+            <a:r>
+              <a:rPr lang="zh-CN" altLang="en-US" b="1" dirty="0">
+                <a:solidFill>
+                  <a:srgbClr val="FF0000"/>
+                </a:solidFill>
+              </a:rPr>
+              <a:t>执行时间</a:t>
+            </a:r>
+            <a:endParaRPr lang="en-US" altLang="zh-CN" b="1" dirty="0">
+              <a:solidFill>
+                <a:srgbClr val="FF0000"/>
+              </a:solidFill>
+            </a:endParaRPr>
+          </a:p>
+          <a:p>
+            <a:pPr marL="457200" lvl="1" indent="0">
+              <a:buNone/>
+            </a:pPr>
+            <a:endParaRPr lang="en-US" altLang="zh-CN" sz="2400" dirty="0"/>
+          </a:p>
+          <a:p>
+            <a:pPr marL="457200" lvl="1" indent="0">
+              <a:buNone/>
+            </a:pPr>
+            <a:r>
+              <a:rPr lang="en-US" altLang="en-US" sz="2400" dirty="0"/>
+              <a:t>      </a:t>
+            </a:r>
+          </a:p>
+        </p:txBody>
+      </p:sp>
+      <p:graphicFrame>
+        <p:nvGraphicFramePr>
+          <p:cNvPr id="5" name="对象 4">
+            <a:extLst>
+              <a:ext uri="{FF2B5EF4-FFF2-40B4-BE49-F238E27FC236}">
+                <a16:creationId xmlns:a16="http://schemas.microsoft.com/office/drawing/2014/main" id="{3AF1F1F3-9EB1-85C3-F2DD-5AD653F4AA16}"/>
+              </a:ext>
+            </a:extLst>
+          </p:cNvPr>
+          <p:cNvGraphicFramePr>
+            <a:graphicFrameLocks noChangeAspect="1"/>
+          </p:cNvGraphicFramePr>
+          <p:nvPr>
+            <p:extLst>
+              <p:ext uri="{D42A27DB-BD31-4B8C-83A1-F6EECF244321}">
+                <p14:modId xmlns:p14="http://schemas.microsoft.com/office/powerpoint/2010/main" val="2556848199"/>
+              </p:ext>
+            </p:extLst>
+          </p:nvPr>
+        </p:nvGraphicFramePr>
+        <p:xfrm>
+          <a:off x="2063552" y="5082045"/>
+          <a:ext cx="8576199" cy="928633"/>
+        </p:xfrm>
+        <a:graphic>
+          <a:graphicData uri="http://schemas.openxmlformats.org/presentationml/2006/ole">
+            <mc:AlternateContent xmlns:mc="http://schemas.openxmlformats.org/markup-compatibility/2006">
+              <mc:Choice xmlns:v="urn:schemas-microsoft-com:vml" Requires="v">
+                <p:oleObj spid="_x0000_s1072" name="Equation" r:id="rId5" imgW="3987720" imgH="431640" progId="Equation.DSMT4">
+                  <p:embed/>
+                </p:oleObj>
+              </mc:Choice>
+              <mc:Fallback>
+                <p:oleObj name="Equation" r:id="rId5" imgW="3987720" imgH="431640" progId="Equation.DSMT4">
+                  <p:embed/>
+                  <p:pic>
+                    <p:nvPicPr>
+                      <p:cNvPr id="0" name=""/>
+                      <p:cNvPicPr/>
+                      <p:nvPr/>
+                    </p:nvPicPr>
+                    <p:blipFill>
+                      <a:blip r:embed="rId6"/>
+                      <a:stretch>
+                        <a:fillRect/>
+                      </a:stretch>
+                    </p:blipFill>
+                    <p:spPr>
+                      <a:xfrm>
+                        <a:off x="2063552" y="5082045"/>
+                        <a:ext cx="8576199" cy="928633"/>
+                      </a:xfrm>
+                      <a:prstGeom prst="rect">
+                        <a:avLst/>
+                      </a:prstGeom>
+                    </p:spPr>
+                  </p:pic>
+                </p:oleObj>
+              </mc:Fallback>
+            </mc:AlternateContent>
+          </a:graphicData>
+        </a:graphic>
+      </p:graphicFrame>
+      <p:graphicFrame>
+        <p:nvGraphicFramePr>
+          <p:cNvPr id="6" name="对象 5">
+            <a:extLst>
+              <a:ext uri="{FF2B5EF4-FFF2-40B4-BE49-F238E27FC236}">
+                <a16:creationId xmlns:a16="http://schemas.microsoft.com/office/drawing/2014/main" id="{D12A816F-11D8-62F1-7285-7EA359223AD2}"/>
+              </a:ext>
+            </a:extLst>
+          </p:cNvPr>
+          <p:cNvGraphicFramePr>
+            <a:graphicFrameLocks noChangeAspect="1"/>
+          </p:cNvGraphicFramePr>
+          <p:nvPr>
+            <p:extLst>
+              <p:ext uri="{D42A27DB-BD31-4B8C-83A1-F6EECF244321}">
+                <p14:modId xmlns:p14="http://schemas.microsoft.com/office/powerpoint/2010/main" val="1269427448"/>
+              </p:ext>
+            </p:extLst>
+          </p:nvPr>
+        </p:nvGraphicFramePr>
+        <p:xfrm>
+          <a:off x="7752184" y="1916832"/>
+          <a:ext cx="4104456" cy="1033715"/>
+        </p:xfrm>
+        <a:graphic>
+          <a:graphicData uri="http://schemas.openxmlformats.org/presentationml/2006/ole">
+            <mc:AlternateContent xmlns:mc="http://schemas.openxmlformats.org/markup-compatibility/2006">
+              <mc:Choice xmlns:v="urn:schemas-microsoft-com:vml" Requires="v">
+                <p:oleObj spid="_x0000_s1073" name="Equation" r:id="rId7" imgW="1714320" imgH="431640" progId="Equation.DSMT4">
+                  <p:embed/>
+                </p:oleObj>
+              </mc:Choice>
+              <mc:Fallback>
+                <p:oleObj name="Equation" r:id="rId7" imgW="1714320" imgH="431640" progId="Equation.DSMT4">
+                  <p:embed/>
+                  <p:pic>
+                    <p:nvPicPr>
+                      <p:cNvPr id="0" name=""/>
+                      <p:cNvPicPr/>
+                      <p:nvPr/>
+                    </p:nvPicPr>
+                    <p:blipFill>
+                      <a:blip r:embed="rId8"/>
+                      <a:stretch>
+                        <a:fillRect/>
+                      </a:stretch>
+                    </p:blipFill>
+                    <p:spPr>
+                      <a:xfrm>
+                        <a:off x="7752184" y="1916832"/>
+                        <a:ext cx="4104456" cy="1033715"/>
+                      </a:xfrm>
+                      <a:prstGeom prst="rect">
+                        <a:avLst/>
+                      </a:prstGeom>
+                    </p:spPr>
+                  </p:pic>
+                </p:oleObj>
+              </mc:Fallback>
+            </mc:AlternateContent>
+          </a:graphicData>
+        </a:graphic>
+      </p:graphicFrame>
+      <p:sp>
+        <p:nvSpPr>
+          <p:cNvPr id="7" name="文本框 6">
+            <a:extLst>
+              <a:ext uri="{FF2B5EF4-FFF2-40B4-BE49-F238E27FC236}">
+                <a16:creationId xmlns:a16="http://schemas.microsoft.com/office/drawing/2014/main" id="{A0F4B69E-69E7-F2D8-C23A-32EE77BF669B}"/>
+              </a:ext>
+            </a:extLst>
+          </p:cNvPr>
+          <p:cNvSpPr txBox="1"/>
+          <p:nvPr/>
+        </p:nvSpPr>
+        <p:spPr>
+          <a:xfrm>
+            <a:off x="5591944" y="6309320"/>
+            <a:ext cx="2520280" cy="369332"/>
+          </a:xfrm>
+          <a:prstGeom prst="rect">
+            <a:avLst/>
+          </a:prstGeom>
+          <a:noFill/>
+        </p:spPr>
+        <p:txBody>
+          <a:bodyPr wrap="square" rtlCol="0">
+            <a:spAutoFit/>
+          </a:bodyPr>
+          <a:lstStyle/>
+          <a:p>
+            <a:r>
+              <a:rPr lang="en-US" altLang="zh-CN" dirty="0"/>
+              <a:t>Instructions</a:t>
+            </a:r>
+            <a:r>
+              <a:rPr lang="zh-CN" altLang="en-US" dirty="0"/>
+              <a:t>指令条数</a:t>
+            </a:r>
+          </a:p>
+        </p:txBody>
+      </p:sp>
+    </p:spTree>
+    <p:extLst>
+      <p:ext uri="{BB962C8B-B14F-4D97-AF65-F5344CB8AC3E}">
+        <p14:creationId xmlns:p14="http://schemas.microsoft.com/office/powerpoint/2010/main" val="711873668"/>
+      </p:ext>
+    </p:extLst>
+  </p:cSld>
+  <p:clrMapOvr>
+    <a:masterClrMapping/>
+  </p:clrMapOvr>
+  <p:transition spd="med">
+    <p:random/>
+    <p:sndAc>
+      <p:stSnd>
+        <p:snd r:embed="rId4" name="chimes.wav"/>
+      </p:stSnd>
+    </p:sndAc>
+  </p:transition>
+</p:sld>
+</file>
+
+<file path=ppt/slides/slide8.xml><?xml version="1.0" encoding="utf-8"?>
+<p:sld xmlns:a="http://schemas.openxmlformats.org/drawingml/2006/main" xmlns:r="http://schemas.openxmlformats.org/officeDocument/2006/relationships" xmlns:p="http://schemas.openxmlformats.org/presentationml/2006/main">
+  <p:cSld>
+    <p:spTree>
+      <p:nvGrpSpPr>
+        <p:cNvPr id="1" name=""/>
+        <p:cNvGrpSpPr/>
+        <p:nvPr/>
+      </p:nvGrpSpPr>
+      <p:grpSpPr>
+        <a:xfrm>
+          <a:off x="0" y="0"/>
+          <a:ext cx="0" cy="0"/>
+          <a:chOff x="0" y="0"/>
+          <a:chExt cx="0" cy="0"/>
+        </a:xfrm>
+      </p:grpSpPr>
+      <p:sp>
+        <p:nvSpPr>
+          <p:cNvPr id="70659" name="Rectangle 2"/>
+          <p:cNvSpPr>
+            <a:spLocks noGrp="1" noChangeArrowheads="1"/>
+          </p:cNvSpPr>
+          <p:nvPr>
+            <p:ph type="title"/>
+          </p:nvPr>
+        </p:nvSpPr>
+        <p:spPr>
+          <a:xfrm>
+            <a:off x="256760" y="145357"/>
+            <a:ext cx="9439640" cy="1325563"/>
+          </a:xfrm>
+        </p:spPr>
+        <p:txBody>
+          <a:bodyPr>
+            <a:normAutofit/>
+          </a:bodyPr>
+          <a:lstStyle/>
+          <a:p>
+            <a:pPr eaLnBrk="1" hangingPunct="1"/>
+            <a:r>
+              <a:rPr lang="en-US" altLang="en-US" sz="3200" dirty="0"/>
+              <a:t>CPI</a:t>
+            </a:r>
+            <a:r>
+              <a:rPr lang="zh-CN" altLang="en-US" sz="3200" dirty="0"/>
+              <a:t>是执行所有指令的平均时间周期数</a:t>
+            </a:r>
+            <a:endParaRPr lang="en-AU" altLang="en-US" sz="3200" dirty="0"/>
+          </a:p>
+        </p:txBody>
+      </p:sp>
+      <p:graphicFrame>
+        <p:nvGraphicFramePr>
+          <p:cNvPr id="2" name="对象 1">
+            <a:extLst>
+              <a:ext uri="{FF2B5EF4-FFF2-40B4-BE49-F238E27FC236}">
+                <a16:creationId xmlns:a16="http://schemas.microsoft.com/office/drawing/2014/main" id="{2E4858DC-9406-116F-881F-816322036EAF}"/>
+              </a:ext>
+            </a:extLst>
+          </p:cNvPr>
+          <p:cNvGraphicFramePr>
+            <a:graphicFrameLocks noChangeAspect="1"/>
+          </p:cNvGraphicFramePr>
+          <p:nvPr>
+            <p:extLst>
+              <p:ext uri="{D42A27DB-BD31-4B8C-83A1-F6EECF244321}">
+                <p14:modId xmlns:p14="http://schemas.microsoft.com/office/powerpoint/2010/main" val="3680101748"/>
+              </p:ext>
+            </p:extLst>
+          </p:nvPr>
+        </p:nvGraphicFramePr>
+        <p:xfrm>
+          <a:off x="1775520" y="1403250"/>
+          <a:ext cx="8064896" cy="1263624"/>
+        </p:xfrm>
+        <a:graphic>
+          <a:graphicData uri="http://schemas.openxmlformats.org/presentationml/2006/ole">
+            <mc:AlternateContent xmlns:mc="http://schemas.openxmlformats.org/markup-compatibility/2006">
+              <mc:Choice xmlns:v="urn:schemas-microsoft-com:vml" Requires="v">
+                <p:oleObj spid="_x0000_s2096" name="Equation" r:id="rId5" imgW="2755800" imgH="431640" progId="Equation.DSMT4">
+                  <p:embed/>
+                </p:oleObj>
+              </mc:Choice>
+              <mc:Fallback>
+                <p:oleObj name="Equation" r:id="rId5" imgW="2755800" imgH="431640" progId="Equation.DSMT4">
+                  <p:embed/>
+                  <p:pic>
+                    <p:nvPicPr>
+                      <p:cNvPr id="0" name=""/>
+                      <p:cNvPicPr/>
+                      <p:nvPr/>
+                    </p:nvPicPr>
+                    <p:blipFill>
+                      <a:blip r:embed="rId6"/>
+                      <a:stretch>
+                        <a:fillRect/>
+                      </a:stretch>
+                    </p:blipFill>
+                    <p:spPr>
+                      <a:xfrm>
+                        <a:off x="1775520" y="1403250"/>
+                        <a:ext cx="8064896" cy="1263624"/>
+                      </a:xfrm>
+                      <a:prstGeom prst="rect">
+                        <a:avLst/>
+                      </a:prstGeom>
+                    </p:spPr>
+                  </p:pic>
+                </p:oleObj>
+              </mc:Fallback>
+            </mc:AlternateContent>
+          </a:graphicData>
+        </a:graphic>
+      </p:graphicFrame>
+      <p:graphicFrame>
+        <p:nvGraphicFramePr>
+          <p:cNvPr id="3" name="对象 2">
+            <a:extLst>
+              <a:ext uri="{FF2B5EF4-FFF2-40B4-BE49-F238E27FC236}">
+                <a16:creationId xmlns:a16="http://schemas.microsoft.com/office/drawing/2014/main" id="{1ADD95F7-8CC9-26B4-3ABA-8020D6134762}"/>
+              </a:ext>
+            </a:extLst>
+          </p:cNvPr>
+          <p:cNvGraphicFramePr>
+            <a:graphicFrameLocks noChangeAspect="1"/>
+          </p:cNvGraphicFramePr>
+          <p:nvPr>
+            <p:extLst>
+              <p:ext uri="{D42A27DB-BD31-4B8C-83A1-F6EECF244321}">
+                <p14:modId xmlns:p14="http://schemas.microsoft.com/office/powerpoint/2010/main" val="4027913548"/>
+              </p:ext>
+            </p:extLst>
+          </p:nvPr>
+        </p:nvGraphicFramePr>
+        <p:xfrm>
+          <a:off x="1005405" y="3140968"/>
+          <a:ext cx="10181190" cy="1263623"/>
+        </p:xfrm>
+        <a:graphic>
+          <a:graphicData uri="http://schemas.openxmlformats.org/presentationml/2006/ole">
+            <mc:AlternateContent xmlns:mc="http://schemas.openxmlformats.org/markup-compatibility/2006">
+              <mc:Choice xmlns:v="urn:schemas-microsoft-com:vml" Requires="v">
+                <p:oleObj spid="_x0000_s2097" name="Equation" r:id="rId7" imgW="3581280" imgH="444240" progId="Equation.DSMT4">
+                  <p:embed/>
+                </p:oleObj>
+              </mc:Choice>
+              <mc:Fallback>
+                <p:oleObj name="Equation" r:id="rId7" imgW="3581280" imgH="444240" progId="Equation.DSMT4">
+                  <p:embed/>
+                  <p:pic>
+                    <p:nvPicPr>
+                      <p:cNvPr id="0" name=""/>
+                      <p:cNvPicPr/>
+                      <p:nvPr/>
+                    </p:nvPicPr>
+                    <p:blipFill>
+                      <a:blip r:embed="rId8"/>
+                      <a:stretch>
+                        <a:fillRect/>
+                      </a:stretch>
+                    </p:blipFill>
+                    <p:spPr>
+                      <a:xfrm>
+                        <a:off x="1005405" y="3140968"/>
+                        <a:ext cx="10181190" cy="1263623"/>
+                      </a:xfrm>
+                      <a:prstGeom prst="rect">
+                        <a:avLst/>
+                      </a:prstGeom>
+                    </p:spPr>
+                  </p:pic>
+                </p:oleObj>
+              </mc:Fallback>
+            </mc:AlternateContent>
+          </a:graphicData>
+        </a:graphic>
+      </p:graphicFrame>
+    </p:spTree>
+    <p:extLst>
+      <p:ext uri="{BB962C8B-B14F-4D97-AF65-F5344CB8AC3E}">
+        <p14:creationId xmlns:p14="http://schemas.microsoft.com/office/powerpoint/2010/main" val="4263335501"/>
+      </p:ext>
+    </p:extLst>
+  </p:cSld>
+  <p:clrMapOvr>
+    <a:masterClrMapping/>
+  </p:clrMapOvr>
+  <p:transition spd="med">
+    <p:random/>
+    <p:sndAc>
+      <p:stSnd>
+        <p:snd r:embed="rId4" name="chimes.wav"/>
+      </p:stSnd>
+    </p:sndAc>
+  </p:transition>
+</p:sld>
+</file>
+
+<file path=ppt/slides/slide9.xml><?xml version="1.0" encoding="utf-8"?>
+<p:sld xmlns:a="http://schemas.openxmlformats.org/drawingml/2006/main" xmlns:r="http://schemas.openxmlformats.org/officeDocument/2006/relationships" xmlns:p="http://schemas.openxmlformats.org/presentationml/2006/main">
+  <p:cSld>
+    <p:spTree>
+      <p:nvGrpSpPr>
+        <p:cNvPr id="1" name=""/>
+        <p:cNvGrpSpPr/>
+        <p:nvPr/>
+      </p:nvGrpSpPr>
+      <p:grpSpPr>
+        <a:xfrm>
+          <a:off x="0" y="0"/>
+          <a:ext cx="0" cy="0"/>
+          <a:chOff x="0" y="0"/>
+          <a:chExt cx="0" cy="0"/>
+        </a:xfrm>
+      </p:grpSpPr>
+      <p:sp>
+        <p:nvSpPr>
+          <p:cNvPr id="72707" name="Rectangle 2"/>
+          <p:cNvSpPr>
+            <a:spLocks noGrp="1" noChangeArrowheads="1"/>
+          </p:cNvSpPr>
+          <p:nvPr>
+            <p:ph type="title"/>
+          </p:nvPr>
+        </p:nvSpPr>
+        <p:spPr>
+          <a:xfrm>
+            <a:off x="191344" y="-7766"/>
+            <a:ext cx="3816424" cy="1325563"/>
+          </a:xfrm>
+        </p:spPr>
+        <p:txBody>
+          <a:bodyPr/>
+          <a:lstStyle/>
+          <a:p>
+            <a:pPr eaLnBrk="1" hangingPunct="1"/>
+            <a:r>
+              <a:rPr lang="en-US" altLang="en-US" dirty="0"/>
+              <a:t>CPI Example</a:t>
+            </a:r>
+            <a:endParaRPr lang="en-AU" altLang="en-US" dirty="0"/>
+          </a:p>
+        </p:txBody>
+      </p:sp>
+      <p:sp>
+        <p:nvSpPr>
+          <p:cNvPr id="72708" name="Rectangle 3"/>
+          <p:cNvSpPr>
+            <a:spLocks noGrp="1" noChangeArrowheads="1"/>
+          </p:cNvSpPr>
+          <p:nvPr>
+            <p:ph idx="1"/>
+          </p:nvPr>
+        </p:nvSpPr>
+        <p:spPr>
+          <a:xfrm>
+            <a:off x="2206200" y="1002600"/>
+            <a:ext cx="8270875" cy="996950"/>
+          </a:xfrm>
+        </p:spPr>
+        <p:txBody>
+          <a:bodyPr/>
+          <a:lstStyle/>
+          <a:p>
+            <a:pPr eaLnBrk="1" hangingPunct="1">
+              <a:lnSpc>
+                <a:spcPct val="90000"/>
+              </a:lnSpc>
+            </a:pPr>
+            <a:r>
+              <a:rPr lang="en-US" altLang="en-US" dirty="0"/>
+              <a:t>Alternative compiled code sequences using instructions in classes A, B, C</a:t>
+            </a:r>
+            <a:endParaRPr lang="en-AU" altLang="en-US" dirty="0"/>
+          </a:p>
+        </p:txBody>
+      </p:sp>
+      <p:sp>
+        <p:nvSpPr>
+          <p:cNvPr id="72706" name="Footer Placeholder 3"/>
+          <p:cNvSpPr>
+            <a:spLocks noGrp="1"/>
+          </p:cNvSpPr>
+          <p:nvPr>
+            <p:ph type="ftr" sz="quarter" idx="11"/>
+          </p:nvPr>
+        </p:nvSpPr>
+        <p:spPr>
+          <a:xfrm>
+            <a:off x="3216275" y="6381751"/>
+            <a:ext cx="7272338" cy="358775"/>
+          </a:xfrm>
+          <a:prstGeom prst="rect">
+            <a:avLst/>
+          </a:prstGeom>
+          <a:noFill/>
+          <a:ln/>
+          <a:extLst>
+            <a:ext uri="{909E8E84-426E-40DD-AFC4-6F175D3DCCD1}">
+              <a14:hiddenFill xmlns:a14="http://schemas.microsoft.com/office/drawing/2010/main">
+                <a:solidFill>
+                  <a:srgbClr val="FFFFFF"/>
+                </a:solidFill>
+              </a14:hiddenFill>
+            </a:ext>
+            <a:ext uri="{91240B29-F687-4F45-9708-019B960494DF}">
+              <a14:hiddenLine xmlns:a14="http://schemas.microsoft.com/office/drawing/2010/main" w="9525">
+                <a:solidFill>
+                  <a:srgbClr val="000000"/>
+                </a:solidFill>
+                <a:miter lim="800000"/>
+                <a:headEnd/>
+                <a:tailEnd/>
+              </a14:hiddenLine>
+            </a:ext>
+          </a:extLst>
+        </p:spPr>
+        <p:txBody>
+          <a:bodyPr/>
+          <a:lstStyle>
+            <a:lvl1pPr>
+              <a:spcBef>
+                <a:spcPct val="20000"/>
+              </a:spcBef>
+              <a:buClr>
+                <a:schemeClr val="folHlink"/>
+              </a:buClr>
+              <a:buSzPct val="60000"/>
+              <a:buFont typeface="Wingdings" panose="05000000000000000000" pitchFamily="2" charset="2"/>
+              <a:buChar char="n"/>
+              <a:defRPr sz="3200">
+                <a:solidFill>
+                  <a:schemeClr val="tx1"/>
+                </a:solidFill>
+                <a:latin typeface="Arial" panose="020B0604020202020204" pitchFamily="34" charset="0"/>
+              </a:defRPr>
+            </a:lvl1pPr>
+            <a:lvl2pPr marL="742950" indent="-285750">
+              <a:spcBef>
+                <a:spcPct val="20000"/>
+              </a:spcBef>
+              <a:buClr>
+                <a:schemeClr val="hlink"/>
+              </a:buClr>
+              <a:buSzPct val="55000"/>
+              <a:buFont typeface="Wingdings" panose="05000000000000000000" pitchFamily="2" charset="2"/>
+              <a:buChar char="n"/>
+              <a:defRPr sz="2800">
+                <a:solidFill>
+                  <a:schemeClr val="tx1"/>
+                </a:solidFill>
+                <a:latin typeface="Arial" panose="020B0604020202020204" pitchFamily="34" charset="0"/>
+              </a:defRPr>
+            </a:lvl2pPr>
+            <a:lvl3pPr marL="1143000" indent="-228600">
+              <a:spcBef>
+                <a:spcPct val="20000"/>
+              </a:spcBef>
+              <a:buClr>
+                <a:schemeClr val="folHlink"/>
+              </a:buClr>
+              <a:buSzPct val="50000"/>
+              <a:buFont typeface="Wingdings" panose="05000000000000000000" pitchFamily="2" charset="2"/>
+              <a:buChar char="n"/>
+              <a:defRPr sz="2400">
+                <a:solidFill>
+                  <a:schemeClr val="tx1"/>
+                </a:solidFill>
+                <a:latin typeface="Arial" panose="020B0604020202020204" pitchFamily="34" charset="0"/>
+              </a:defRPr>
+            </a:lvl3pPr>
+            <a:lvl4pPr marL="1600200" indent="-228600">
+              <a:spcBef>
+                <a:spcPct val="20000"/>
+              </a:spcBef>
+              <a:buClr>
+                <a:schemeClr val="accent2"/>
+              </a:buClr>
+              <a:buSzPct val="55000"/>
+              <a:buFont typeface="Wingdings" panose="05000000000000000000" pitchFamily="2" charset="2"/>
+              <a:buChar char="n"/>
+              <a:defRPr sz="2000">
+                <a:solidFill>
+                  <a:schemeClr val="tx1"/>
+                </a:solidFill>
+                <a:latin typeface="Arial" panose="020B0604020202020204" pitchFamily="34" charset="0"/>
+              </a:defRPr>
+            </a:lvl4pPr>
+            <a:lvl5pPr marL="2057400" indent="-228600">
+              <a:spcBef>
+                <a:spcPct val="20000"/>
+              </a:spcBef>
+              <a:buClr>
+                <a:schemeClr val="accent1"/>
+              </a:buClr>
+              <a:buSzPct val="50000"/>
+              <a:buFont typeface="Wingdings" panose="05000000000000000000" pitchFamily="2" charset="2"/>
+              <a:buChar char="n"/>
+              <a:defRPr sz="2000">
+                <a:solidFill>
+                  <a:schemeClr val="tx1"/>
+                </a:solidFill>
+                <a:latin typeface="Arial" panose="020B0604020202020204" pitchFamily="34" charset="0"/>
+              </a:defRPr>
+            </a:lvl5pPr>
+            <a:lvl6pPr marL="2514600" indent="-228600" eaLnBrk="0" fontAlgn="base" hangingPunct="0">
+              <a:spcBef>
+                <a:spcPct val="20000"/>
+              </a:spcBef>
+              <a:spcAft>
+                <a:spcPct val="0"/>
+              </a:spcAft>
+              <a:buClr>
+                <a:schemeClr val="accent1"/>
+              </a:buClr>
+              <a:buSzPct val="50000"/>
+              <a:buFont typeface="Wingdings" panose="05000000000000000000" pitchFamily="2" charset="2"/>
+              <a:buChar char="n"/>
+              <a:defRPr sz="2000">
+                <a:solidFill>
+                  <a:schemeClr val="tx1"/>
+                </a:solidFill>
+                <a:latin typeface="Arial" panose="020B0604020202020204" pitchFamily="34" charset="0"/>
+              </a:defRPr>
+            </a:lvl6pPr>
+            <a:lvl7pPr marL="2971800" indent="-228600" eaLnBrk="0" fontAlgn="base" hangingPunct="0">
+              <a:spcBef>
+                <a:spcPct val="20000"/>
+              </a:spcBef>
+              <a:spcAft>
+                <a:spcPct val="0"/>
+              </a:spcAft>
+              <a:buClr>
+                <a:schemeClr val="accent1"/>
+              </a:buClr>
+              <a:buSzPct val="50000"/>
+              <a:buFont typeface="Wingdings" panose="05000000000000000000" pitchFamily="2" charset="2"/>
+              <a:buChar char="n"/>
+              <a:defRPr sz="2000">
+                <a:solidFill>
+                  <a:schemeClr val="tx1"/>
+                </a:solidFill>
+                <a:latin typeface="Arial" panose="020B0604020202020204" pitchFamily="34" charset="0"/>
+              </a:defRPr>
+            </a:lvl7pPr>
+            <a:lvl8pPr marL="3429000" indent="-228600" eaLnBrk="0" fontAlgn="base" hangingPunct="0">
+              <a:spcBef>
+                <a:spcPct val="20000"/>
+              </a:spcBef>
+              <a:spcAft>
+                <a:spcPct val="0"/>
+              </a:spcAft>
+              <a:buClr>
+                <a:schemeClr val="accent1"/>
+              </a:buClr>
+              <a:buSzPct val="50000"/>
+              <a:buFont typeface="Wingdings" panose="05000000000000000000" pitchFamily="2" charset="2"/>
+              <a:buChar char="n"/>
+              <a:defRPr sz="2000">
+                <a:solidFill>
+                  <a:schemeClr val="tx1"/>
+                </a:solidFill>
+                <a:latin typeface="Arial" panose="020B0604020202020204" pitchFamily="34" charset="0"/>
+              </a:defRPr>
+            </a:lvl8pPr>
+            <a:lvl9pPr marL="3886200" indent="-228600" eaLnBrk="0" fontAlgn="base" hangingPunct="0">
+              <a:spcBef>
+                <a:spcPct val="20000"/>
+              </a:spcBef>
+              <a:spcAft>
+                <a:spcPct val="0"/>
+              </a:spcAft>
+              <a:buClr>
+                <a:schemeClr val="accent1"/>
+              </a:buClr>
+              <a:buSzPct val="50000"/>
+              <a:buFont typeface="Wingdings" panose="05000000000000000000" pitchFamily="2" charset="2"/>
+              <a:buChar char="n"/>
+              <a:defRPr sz="2000">
+                <a:solidFill>
+                  <a:schemeClr val="tx1"/>
+                </a:solidFill>
+                <a:latin typeface="Arial" panose="020B0604020202020204" pitchFamily="34" charset="0"/>
+              </a:defRPr>
+            </a:lvl9pPr>
+          </a:lstStyle>
+          <a:p>
+            <a:pPr>
+              <a:spcBef>
+                <a:spcPct val="0"/>
+              </a:spcBef>
+              <a:buClrTx/>
+              <a:buSzTx/>
+              <a:buFontTx/>
+              <a:buNone/>
+            </a:pPr>
+            <a:r>
+              <a:rPr lang="en-AU" altLang="en-US" sz="1400"/>
+              <a:t>Chapter 1 — Computer Abstractions and Technology — </a:t>
+            </a:r>
+            <a:fld id="{BF5754C4-3659-4991-8C79-29B0F2638A3C}" type="slidenum">
+              <a:rPr lang="en-AU" altLang="en-US" sz="1400"/>
+              <a:pPr>
+                <a:spcBef>
+                  <a:spcPct val="0"/>
+                </a:spcBef>
+                <a:buClrTx/>
+                <a:buSzTx/>
+                <a:buFontTx/>
+                <a:buNone/>
+              </a:pPr>
+              <a:t>9</a:t>
+            </a:fld>
+            <a:endParaRPr lang="en-AU" altLang="en-US" sz="1400"/>
+          </a:p>
+        </p:txBody>
+      </p:sp>
+      <p:graphicFrame>
+        <p:nvGraphicFramePr>
+          <p:cNvPr id="321576" name="Group 40"/>
+          <p:cNvGraphicFramePr>
+            <a:graphicFrameLocks noGrp="1"/>
+          </p:cNvGraphicFramePr>
+          <p:nvPr>
+            <p:extLst>
+              <p:ext uri="{D42A27DB-BD31-4B8C-83A1-F6EECF244321}">
+                <p14:modId xmlns:p14="http://schemas.microsoft.com/office/powerpoint/2010/main" val="494266936"/>
+              </p:ext>
+            </p:extLst>
+          </p:nvPr>
+        </p:nvGraphicFramePr>
+        <p:xfrm>
+          <a:off x="3216275" y="1965271"/>
+          <a:ext cx="6600825" cy="1592263"/>
+        </p:xfrm>
+        <a:graphic>
+          <a:graphicData uri="http://schemas.openxmlformats.org/drawingml/2006/table">
+            <a:tbl>
+              <a:tblPr/>
+              <a:tblGrid>
+                <a:gridCol w="2520950">
+                  <a:extLst>
+                    <a:ext uri="{9D8B030D-6E8A-4147-A177-3AD203B41FA5}">
+                      <a16:colId xmlns:a16="http://schemas.microsoft.com/office/drawing/2014/main" val="20000"/>
+                    </a:ext>
+                  </a:extLst>
+                </a:gridCol>
+                <a:gridCol w="1368425">
+                  <a:extLst>
+                    <a:ext uri="{9D8B030D-6E8A-4147-A177-3AD203B41FA5}">
+                      <a16:colId xmlns:a16="http://schemas.microsoft.com/office/drawing/2014/main" val="20001"/>
+                    </a:ext>
+                  </a:extLst>
+                </a:gridCol>
+                <a:gridCol w="1368425">
+                  <a:extLst>
+                    <a:ext uri="{9D8B030D-6E8A-4147-A177-3AD203B41FA5}">
+                      <a16:colId xmlns:a16="http://schemas.microsoft.com/office/drawing/2014/main" val="20002"/>
+                    </a:ext>
+                  </a:extLst>
+                </a:gridCol>
+                <a:gridCol w="1343025">
+                  <a:extLst>
+                    <a:ext uri="{9D8B030D-6E8A-4147-A177-3AD203B41FA5}">
+                      <a16:colId xmlns:a16="http://schemas.microsoft.com/office/drawing/2014/main" val="20003"/>
+                    </a:ext>
+                  </a:extLst>
+                </a:gridCol>
+              </a:tblGrid>
+              <a:tr h="396319">
+                <a:tc>
+                  <a:txBody>
+                    <a:bodyPr/>
+                    <a:lstStyle/>
+                    <a:p>
+                      <a:pPr marL="0" marR="0" lvl="0" indent="0" algn="l" defTabSz="914400" rtl="0" eaLnBrk="1" fontAlgn="base" latinLnBrk="0" hangingPunct="1">
+                        <a:lnSpc>
+                          <a:spcPct val="100000"/>
+                        </a:lnSpc>
+                        <a:spcBef>
+                          <a:spcPct val="20000"/>
+                        </a:spcBef>
+                        <a:spcAft>
+                          <a:spcPct val="0"/>
+                        </a:spcAft>
+                        <a:buClr>
+                          <a:schemeClr val="folHlink"/>
+                        </a:buClr>
+                        <a:buSzPct val="60000"/>
+                        <a:buFont typeface="Wingdings" pitchFamily="2" charset="2"/>
+                        <a:buNone/>
+                        <a:tabLst/>
+                      </a:pPr>
+                      <a:r>
+                        <a:rPr kumimoji="0" lang="en-US" sz="2000" b="0" i="0" u="none" strike="noStrike" cap="none" normalizeH="0" baseline="0" dirty="0">
+                          <a:ln>
+                            <a:noFill/>
+                          </a:ln>
+                          <a:solidFill>
+                            <a:schemeClr val="tx1"/>
+                          </a:solidFill>
+                          <a:effectLst/>
+                          <a:latin typeface="Arial" charset="0"/>
+                        </a:rPr>
+                        <a:t>Class</a:t>
+                      </a:r>
+                      <a:endParaRPr kumimoji="0" lang="en-AU" sz="2000" b="0" i="0" u="none" strike="noStrike" cap="none" normalizeH="0" baseline="0" dirty="0">
+                        <a:ln>
+                          <a:noFill/>
+                        </a:ln>
+                        <a:solidFill>
+                          <a:schemeClr val="tx1"/>
+                        </a:solidFill>
+                        <a:effectLst/>
+                        <a:latin typeface="Arial" charset="0"/>
+                      </a:endParaRPr>
+                    </a:p>
+                  </a:txBody>
+                  <a:tcPr marT="45729" marB="45729" horzOverflow="overflow">
+                    <a:lnL w="28575" cap="flat" cmpd="sng" algn="ctr">
+                      <a:solidFill>
+                        <a:schemeClr val="tx1"/>
+                      </a:solidFill>
+                      <a:prstDash val="solid"/>
+                      <a:round/>
+                      <a:headEnd type="none" w="med" len="med"/>
+                      <a:tailEnd type="none" w="med" len="med"/>
+                    </a:lnL>
+                    <a:lnR w="12700" cap="flat" cmpd="sng" algn="ctr">
+                      <a:solidFill>
+                        <a:schemeClr val="tx1"/>
+                      </a:solidFill>
+                      <a:prstDash val="solid"/>
+                      <a:round/>
+                      <a:headEnd type="none" w="med" len="med"/>
+                      <a:tailEnd type="none" w="med" len="med"/>
+                    </a:lnR>
+                    <a:lnT w="28575" cap="flat" cmpd="sng" algn="ctr">
+                      <a:solidFill>
+                        <a:schemeClr val="tx1"/>
+                      </a:solidFill>
+                      <a:prstDash val="solid"/>
+                      <a:round/>
+                      <a:headEnd type="none" w="med" len="med"/>
+                      <a:tailEnd type="none" w="med" len="med"/>
+                    </a:lnT>
+                    <a:lnB w="28575" cap="flat" cmpd="sng" algn="ctr">
+                      <a:solidFill>
+                        <a:schemeClr val="tx1"/>
+                      </a:solidFill>
+                      <a:prstDash val="solid"/>
+                      <a:round/>
+                      <a:headEnd type="none" w="med" len="med"/>
+                      <a:tailEnd type="none" w="med" len="med"/>
+                    </a:lnB>
+                    <a:lnTlToBr>
+                      <a:noFill/>
+                    </a:lnTlToBr>
+                    <a:lnBlToTr>
+                      <a:noFill/>
+                    </a:lnBlToTr>
+                    <a:noFill/>
+                  </a:tcPr>
+                </a:tc>
+                <a:tc>
+                  <a:txBody>
+                    <a:bodyPr/>
+                    <a:lstStyle/>
+                    <a:p>
+                      <a:pPr marL="0" marR="0" lvl="0" indent="0" algn="ctr" defTabSz="914400" rtl="0" eaLnBrk="1" fontAlgn="base" latinLnBrk="0" hangingPunct="1">
+                        <a:lnSpc>
+                          <a:spcPct val="100000"/>
+                        </a:lnSpc>
+                        <a:spcBef>
+                          <a:spcPct val="20000"/>
+                        </a:spcBef>
+                        <a:spcAft>
+                          <a:spcPct val="0"/>
+                        </a:spcAft>
+                        <a:buClr>
+                          <a:schemeClr val="folHlink"/>
+                        </a:buClr>
+                        <a:buSzPct val="60000"/>
+                        <a:buFont typeface="Wingdings" pitchFamily="2" charset="2"/>
+                        <a:buNone/>
+                        <a:tabLst/>
+                      </a:pPr>
+                      <a:r>
+                        <a:rPr kumimoji="0" lang="en-US" sz="2000" b="0" i="0" u="none" strike="noStrike" cap="none" normalizeH="0" baseline="0">
+                          <a:ln>
+                            <a:noFill/>
+                          </a:ln>
+                          <a:solidFill>
+                            <a:schemeClr val="tx1"/>
+                          </a:solidFill>
+                          <a:effectLst/>
+                          <a:latin typeface="Arial" charset="0"/>
+                        </a:rPr>
+                        <a:t>A</a:t>
+                      </a:r>
+                      <a:endParaRPr kumimoji="0" lang="en-AU" sz="2000" b="0" i="0" u="none" strike="noStrike" cap="none" normalizeH="0" baseline="0">
+                        <a:ln>
+                          <a:noFill/>
+                        </a:ln>
+                        <a:solidFill>
+                          <a:schemeClr val="tx1"/>
+                        </a:solidFill>
+                        <a:effectLst/>
+                        <a:latin typeface="Arial" charset="0"/>
+                      </a:endParaRPr>
+                    </a:p>
+                  </a:txBody>
+                  <a:tcPr marT="45729" marB="45729" horzOverflow="overflow">
+                    <a:lnL w="12700" cap="flat" cmpd="sng" algn="ctr">
+                      <a:solidFill>
+                        <a:schemeClr val="tx1"/>
+                      </a:solidFill>
+                      <a:prstDash val="solid"/>
+                      <a:round/>
+                      <a:headEnd type="none" w="med" len="med"/>
+                      <a:tailEnd type="none" w="med" len="med"/>
+                    </a:lnL>
+                    <a:lnR w="12700" cap="flat" cmpd="sng" algn="ctr">
+                      <a:solidFill>
+                        <a:schemeClr val="tx1"/>
+                      </a:solidFill>
+                      <a:prstDash val="solid"/>
+                      <a:round/>
+                      <a:headEnd type="none" w="med" len="med"/>
+                      <a:tailEnd type="none" w="med" len="med"/>
+                    </a:lnR>
+                    <a:lnT w="28575" cap="flat" cmpd="sng" algn="ctr">
+                      <a:solidFill>
+                        <a:schemeClr val="tx1"/>
+                      </a:solidFill>
+                      <a:prstDash val="solid"/>
+                      <a:round/>
+                      <a:headEnd type="none" w="med" len="med"/>
+                      <a:tailEnd type="none" w="med" len="med"/>
+                    </a:lnT>
+                    <a:lnB w="28575" cap="flat" cmpd="sng" algn="ctr">
+                      <a:solidFill>
+                        <a:schemeClr val="tx1"/>
+                      </a:solidFill>
+                      <a:prstDash val="solid"/>
+                      <a:round/>
+                      <a:headEnd type="none" w="med" len="med"/>
+                      <a:tailEnd type="none" w="med" len="med"/>
+                    </a:lnB>
+                    <a:lnTlToBr>
+                      <a:noFill/>
+                    </a:lnTlToBr>
+                    <a:lnBlToTr>
+                      <a:noFill/>
+                    </a:lnBlToTr>
+                    <a:noFill/>
+                  </a:tcPr>
+                </a:tc>
+                <a:tc>
+                  <a:txBody>
+                    <a:bodyPr/>
+                    <a:lstStyle/>
+                    <a:p>
+                      <a:pPr marL="0" marR="0" lvl="0" indent="0" algn="ctr" defTabSz="914400" rtl="0" eaLnBrk="1" fontAlgn="base" latinLnBrk="0" hangingPunct="1">
+                        <a:lnSpc>
+                          <a:spcPct val="100000"/>
+                        </a:lnSpc>
+                        <a:spcBef>
+                          <a:spcPct val="20000"/>
+                        </a:spcBef>
+                        <a:spcAft>
+                          <a:spcPct val="0"/>
+                        </a:spcAft>
+                        <a:buClr>
+                          <a:schemeClr val="folHlink"/>
+                        </a:buClr>
+                        <a:buSzPct val="60000"/>
+                        <a:buFont typeface="Wingdings" pitchFamily="2" charset="2"/>
+                        <a:buNone/>
+                        <a:tabLst/>
+                      </a:pPr>
+                      <a:r>
+                        <a:rPr kumimoji="0" lang="en-US" sz="2000" b="0" i="0" u="none" strike="noStrike" cap="none" normalizeH="0" baseline="0">
+                          <a:ln>
+                            <a:noFill/>
+                          </a:ln>
+                          <a:solidFill>
+                            <a:schemeClr val="tx1"/>
+                          </a:solidFill>
+                          <a:effectLst/>
+                          <a:latin typeface="Arial" charset="0"/>
+                        </a:rPr>
+                        <a:t>B</a:t>
+                      </a:r>
+                      <a:endParaRPr kumimoji="0" lang="en-AU" sz="2000" b="0" i="0" u="none" strike="noStrike" cap="none" normalizeH="0" baseline="0">
+                        <a:ln>
+                          <a:noFill/>
+                        </a:ln>
+                        <a:solidFill>
+                          <a:schemeClr val="tx1"/>
+                        </a:solidFill>
+                        <a:effectLst/>
+                        <a:latin typeface="Arial" charset="0"/>
+                      </a:endParaRPr>
+                    </a:p>
+                  </a:txBody>
+                  <a:tcPr marT="45729" marB="45729" horzOverflow="overflow">
+                    <a:lnL w="12700" cap="flat" cmpd="sng" algn="ctr">
+                      <a:solidFill>
+                        <a:schemeClr val="tx1"/>
+                      </a:solidFill>
+                      <a:prstDash val="solid"/>
+                      <a:round/>
+                      <a:headEnd type="none" w="med" len="med"/>
+                      <a:tailEnd type="none" w="med" len="med"/>
+                    </a:lnL>
+                    <a:lnR w="12700" cap="flat" cmpd="sng" algn="ctr">
+                      <a:solidFill>
+                        <a:schemeClr val="tx1"/>
+                      </a:solidFill>
+                      <a:prstDash val="solid"/>
+                      <a:round/>
+                      <a:headEnd type="none" w="med" len="med"/>
+                      <a:tailEnd type="none" w="med" len="med"/>
+                    </a:lnR>
+                    <a:lnT w="28575" cap="flat" cmpd="sng" algn="ctr">
+                      <a:solidFill>
+                        <a:schemeClr val="tx1"/>
+                      </a:solidFill>
+                      <a:prstDash val="solid"/>
+                      <a:round/>
+                      <a:headEnd type="none" w="med" len="med"/>
+                      <a:tailEnd type="none" w="med" len="med"/>
+                    </a:lnT>
+                    <a:lnB w="28575" cap="flat" cmpd="sng" algn="ctr">
+                      <a:solidFill>
+                        <a:schemeClr val="tx1"/>
+                      </a:solidFill>
+                      <a:prstDash val="solid"/>
+                      <a:round/>
+                      <a:headEnd type="none" w="med" len="med"/>
+                      <a:tailEnd type="none" w="med" len="med"/>
+                    </a:lnB>
+                    <a:lnTlToBr>
+                      <a:noFill/>
+                    </a:lnTlToBr>
+                    <a:lnBlToTr>
+                      <a:noFill/>
+                    </a:lnBlToTr>
+                    <a:noFill/>
+                  </a:tcPr>
+                </a:tc>
+                <a:tc>
+                  <a:txBody>
+                    <a:bodyPr/>
+                    <a:lstStyle/>
+                    <a:p>
+                      <a:pPr marL="0" marR="0" lvl="0" indent="0" algn="ctr" defTabSz="914400" rtl="0" eaLnBrk="1" fontAlgn="base" latinLnBrk="0" hangingPunct="1">
+                        <a:lnSpc>
+                          <a:spcPct val="100000"/>
+                        </a:lnSpc>
+                        <a:spcBef>
+                          <a:spcPct val="20000"/>
+                        </a:spcBef>
+                        <a:spcAft>
+                          <a:spcPct val="0"/>
+                        </a:spcAft>
+                        <a:buClr>
+                          <a:schemeClr val="folHlink"/>
+                        </a:buClr>
+                        <a:buSzPct val="60000"/>
+                        <a:buFont typeface="Wingdings" pitchFamily="2" charset="2"/>
+                        <a:buNone/>
+                        <a:tabLst/>
+                      </a:pPr>
+                      <a:r>
+                        <a:rPr kumimoji="0" lang="en-US" sz="2000" b="0" i="0" u="none" strike="noStrike" cap="none" normalizeH="0" baseline="0">
+                          <a:ln>
+                            <a:noFill/>
+                          </a:ln>
+                          <a:solidFill>
+                            <a:schemeClr val="tx1"/>
+                          </a:solidFill>
+                          <a:effectLst/>
+                          <a:latin typeface="Arial" charset="0"/>
+                        </a:rPr>
+                        <a:t>C</a:t>
+                      </a:r>
+                      <a:endParaRPr kumimoji="0" lang="en-AU" sz="2000" b="0" i="0" u="none" strike="noStrike" cap="none" normalizeH="0" baseline="0">
+                        <a:ln>
+                          <a:noFill/>
+                        </a:ln>
+                        <a:solidFill>
+                          <a:schemeClr val="tx1"/>
+                        </a:solidFill>
+                        <a:effectLst/>
+                        <a:latin typeface="Arial" charset="0"/>
+                      </a:endParaRPr>
+                    </a:p>
+                  </a:txBody>
+                  <a:tcPr marT="45729" marB="45729" horzOverflow="overflow">
+                    <a:lnL w="12700" cap="flat" cmpd="sng" algn="ctr">
+                      <a:solidFill>
+                        <a:schemeClr val="tx1"/>
+                      </a:solidFill>
+                      <a:prstDash val="solid"/>
+                      <a:round/>
+                      <a:headEnd type="none" w="med" len="med"/>
+                      <a:tailEnd type="none" w="med" len="med"/>
+                    </a:lnL>
+                    <a:lnR w="28575" cap="flat" cmpd="sng" algn="ctr">
+                      <a:solidFill>
+                        <a:schemeClr val="tx1"/>
+                      </a:solidFill>
+                      <a:prstDash val="solid"/>
+                      <a:round/>
+                      <a:headEnd type="none" w="med" len="med"/>
+                      <a:tailEnd type="none" w="med" len="med"/>
+                    </a:lnR>
+                    <a:lnT w="28575" cap="flat" cmpd="sng" algn="ctr">
+                      <a:solidFill>
+                        <a:schemeClr val="tx1"/>
+                      </a:solidFill>
+                      <a:prstDash val="solid"/>
+                      <a:round/>
+                      <a:headEnd type="none" w="med" len="med"/>
+                      <a:tailEnd type="none" w="med" len="med"/>
+                    </a:lnT>
+                    <a:lnB w="28575" cap="flat" cmpd="sng" algn="ctr">
+                      <a:solidFill>
+                        <a:schemeClr val="tx1"/>
+                      </a:solidFill>
+                      <a:prstDash val="solid"/>
+                      <a:round/>
+                      <a:headEnd type="none" w="med" len="med"/>
+                      <a:tailEnd type="none" w="med" len="med"/>
+                    </a:lnB>
+                    <a:lnTlToBr>
+                      <a:noFill/>
+                    </a:lnTlToBr>
+                    <a:lnBlToTr>
+                      <a:noFill/>
+                    </a:lnBlToTr>
+                    <a:noFill/>
+                  </a:tcPr>
+                </a:tc>
+                <a:extLst>
+                  <a:ext uri="{0D108BD9-81ED-4DB2-BD59-A6C34878D82A}">
+                    <a16:rowId xmlns:a16="http://schemas.microsoft.com/office/drawing/2014/main" val="10000"/>
+                  </a:ext>
+                </a:extLst>
+              </a:tr>
+              <a:tr h="396319">
+                <a:tc>
+                  <a:txBody>
+                    <a:bodyPr/>
+                    <a:lstStyle/>
+                    <a:p>
+                      <a:pPr marL="0" marR="0" lvl="0" indent="0" algn="l" defTabSz="914400" rtl="0" eaLnBrk="1" fontAlgn="base" latinLnBrk="0" hangingPunct="1">
+                        <a:lnSpc>
+                          <a:spcPct val="100000"/>
+                        </a:lnSpc>
+                        <a:spcBef>
+                          <a:spcPct val="20000"/>
+                        </a:spcBef>
+                        <a:spcAft>
+                          <a:spcPct val="0"/>
+                        </a:spcAft>
+                        <a:buClr>
+                          <a:schemeClr val="folHlink"/>
+                        </a:buClr>
+                        <a:buSzPct val="60000"/>
+                        <a:buFont typeface="Wingdings" pitchFamily="2" charset="2"/>
+                        <a:buNone/>
+                        <a:tabLst/>
+                      </a:pPr>
+                      <a:r>
+                        <a:rPr kumimoji="0" lang="en-US" sz="2000" b="0" i="0" u="none" strike="noStrike" cap="none" normalizeH="0" baseline="0" dirty="0">
+                          <a:ln>
+                            <a:noFill/>
+                          </a:ln>
+                          <a:solidFill>
+                            <a:schemeClr val="tx1"/>
+                          </a:solidFill>
+                          <a:effectLst/>
+                          <a:latin typeface="Arial" charset="0"/>
+                        </a:rPr>
+                        <a:t>CPI for class</a:t>
+                      </a:r>
+                      <a:endParaRPr kumimoji="0" lang="en-AU" sz="2000" b="0" i="0" u="none" strike="noStrike" cap="none" normalizeH="0" baseline="0" dirty="0">
+                        <a:ln>
+                          <a:noFill/>
+                        </a:ln>
+                        <a:solidFill>
+                          <a:schemeClr val="tx1"/>
+                        </a:solidFill>
+                        <a:effectLst/>
+                        <a:latin typeface="Arial" charset="0"/>
+                      </a:endParaRPr>
+                    </a:p>
+                  </a:txBody>
+                  <a:tcPr marT="45729" marB="45729" horzOverflow="overflow">
+                    <a:lnL w="28575" cap="flat" cmpd="sng" algn="ctr">
+                      <a:solidFill>
+                        <a:schemeClr val="tx1"/>
+                      </a:solidFill>
+                      <a:prstDash val="solid"/>
+                      <a:round/>
+                      <a:headEnd type="none" w="med" len="med"/>
+                      <a:tailEnd type="none" w="med" len="med"/>
+                    </a:lnL>
+                    <a:lnR w="12700" cap="flat" cmpd="sng" algn="ctr">
+                      <a:solidFill>
+                        <a:schemeClr val="tx1"/>
+                      </a:solidFill>
+                      <a:prstDash val="solid"/>
+                      <a:round/>
+                      <a:headEnd type="none" w="med" len="med"/>
+                      <a:tailEnd type="none" w="med" len="med"/>
+                    </a:lnR>
+                    <a:lnT w="28575" cap="flat" cmpd="sng" algn="ctr">
+                      <a:solidFill>
+                        <a:schemeClr val="tx1"/>
+                      </a:solidFill>
+                      <a:prstDash val="solid"/>
+                      <a:round/>
+                      <a:headEnd type="none" w="med" len="med"/>
+                      <a:tailEnd type="none" w="med" len="med"/>
+                    </a:lnT>
+                    <a:lnB w="12700" cap="flat" cmpd="sng" algn="ctr">
+                      <a:solidFill>
+                        <a:schemeClr val="tx1"/>
+                      </a:solidFill>
+                      <a:prstDash val="solid"/>
+                      <a:round/>
+                      <a:headEnd type="none" w="med" len="med"/>
+                      <a:tailEnd type="none" w="med" len="med"/>
+                    </a:lnB>
+                    <a:lnTlToBr>
+                      <a:noFill/>
+                    </a:lnTlToBr>
+                    <a:lnBlToTr>
+                      <a:noFill/>
+                    </a:lnBlToTr>
+                    <a:noFill/>
+                  </a:tcPr>
+                </a:tc>
+                <a:tc>
+                  <a:txBody>
+                    <a:bodyPr/>
+                    <a:lstStyle/>
+                    <a:p>
+                      <a:pPr marL="0" marR="0" lvl="0" indent="0" algn="ctr" defTabSz="914400" rtl="0" eaLnBrk="1" fontAlgn="base" latinLnBrk="0" hangingPunct="1">
+                        <a:lnSpc>
+                          <a:spcPct val="100000"/>
+                        </a:lnSpc>
+                        <a:spcBef>
+                          <a:spcPct val="20000"/>
+                        </a:spcBef>
+                        <a:spcAft>
+                          <a:spcPct val="0"/>
+                        </a:spcAft>
+                        <a:buClr>
+                          <a:schemeClr val="folHlink"/>
+                        </a:buClr>
+                        <a:buSzPct val="60000"/>
+                        <a:buFont typeface="Wingdings" pitchFamily="2" charset="2"/>
+                        <a:buNone/>
+                        <a:tabLst/>
+                      </a:pPr>
+                      <a:r>
+                        <a:rPr kumimoji="0" lang="en-US" sz="2000" b="0" i="0" u="none" strike="noStrike" cap="none" normalizeH="0" baseline="0">
+                          <a:ln>
+                            <a:noFill/>
+                          </a:ln>
+                          <a:solidFill>
+                            <a:schemeClr val="tx1"/>
+                          </a:solidFill>
+                          <a:effectLst/>
+                          <a:latin typeface="Arial" charset="0"/>
+                        </a:rPr>
+                        <a:t>1</a:t>
+                      </a:r>
+                      <a:endParaRPr kumimoji="0" lang="en-AU" sz="2000" b="0" i="0" u="none" strike="noStrike" cap="none" normalizeH="0" baseline="0">
+                        <a:ln>
+                          <a:noFill/>
+                        </a:ln>
+                        <a:solidFill>
+                          <a:schemeClr val="tx1"/>
+                        </a:solidFill>
+                        <a:effectLst/>
+                        <a:latin typeface="Arial" charset="0"/>
+                      </a:endParaRPr>
+                    </a:p>
+                  </a:txBody>
+                  <a:tcPr marT="45729" marB="45729" horzOverflow="overflow">
+                    <a:lnL w="12700" cap="flat" cmpd="sng" algn="ctr">
+                      <a:solidFill>
+                        <a:schemeClr val="tx1"/>
+                      </a:solidFill>
+                      <a:prstDash val="solid"/>
+                      <a:round/>
+                      <a:headEnd type="none" w="med" len="med"/>
+                      <a:tailEnd type="none" w="med" len="med"/>
+                    </a:lnL>
+                    <a:lnR w="12700" cap="flat" cmpd="sng" algn="ctr">
+                      <a:solidFill>
+                        <a:schemeClr val="tx1"/>
+                      </a:solidFill>
+                      <a:prstDash val="solid"/>
+                      <a:round/>
+                      <a:headEnd type="none" w="med" len="med"/>
+                      <a:tailEnd type="none" w="med" len="med"/>
+                    </a:lnR>
+                    <a:lnT w="28575" cap="flat" cmpd="sng" algn="ctr">
+                      <a:solidFill>
+                        <a:schemeClr val="tx1"/>
+                      </a:solidFill>
+                      <a:prstDash val="solid"/>
+                      <a:round/>
+                      <a:headEnd type="none" w="med" len="med"/>
+                      <a:tailEnd type="none" w="med" len="med"/>
+                    </a:lnT>
+                    <a:lnB w="12700" cap="flat" cmpd="sng" algn="ctr">
+                      <a:solidFill>
+                        <a:schemeClr val="tx1"/>
+                      </a:solidFill>
+                      <a:prstDash val="solid"/>
+                      <a:round/>
+                      <a:headEnd type="none" w="med" len="med"/>
+                      <a:tailEnd type="none" w="med" len="med"/>
+                    </a:lnB>
+                    <a:lnTlToBr>
+                      <a:noFill/>
+                    </a:lnTlToBr>
+                    <a:lnBlToTr>
+                      <a:noFill/>
+                    </a:lnBlToTr>
+                    <a:noFill/>
+                  </a:tcPr>
+                </a:tc>
+                <a:tc>
+                  <a:txBody>
+                    <a:bodyPr/>
+                    <a:lstStyle/>
+                    <a:p>
+                      <a:pPr marL="0" marR="0" lvl="0" indent="0" algn="ctr" defTabSz="914400" rtl="0" eaLnBrk="1" fontAlgn="base" latinLnBrk="0" hangingPunct="1">
+                        <a:lnSpc>
+                          <a:spcPct val="100000"/>
+                        </a:lnSpc>
+                        <a:spcBef>
+                          <a:spcPct val="20000"/>
+                        </a:spcBef>
+                        <a:spcAft>
+                          <a:spcPct val="0"/>
+                        </a:spcAft>
+                        <a:buClr>
+                          <a:schemeClr val="folHlink"/>
+                        </a:buClr>
+                        <a:buSzPct val="60000"/>
+                        <a:buFont typeface="Wingdings" pitchFamily="2" charset="2"/>
+                        <a:buNone/>
+                        <a:tabLst/>
+                      </a:pPr>
+                      <a:r>
+                        <a:rPr kumimoji="0" lang="en-US" sz="2000" b="0" i="0" u="none" strike="noStrike" cap="none" normalizeH="0" baseline="0">
+                          <a:ln>
+                            <a:noFill/>
+                          </a:ln>
+                          <a:solidFill>
+                            <a:schemeClr val="tx1"/>
+                          </a:solidFill>
+                          <a:effectLst/>
+                          <a:latin typeface="Arial" charset="0"/>
+                        </a:rPr>
+                        <a:t>2</a:t>
+                      </a:r>
+                      <a:endParaRPr kumimoji="0" lang="en-AU" sz="2000" b="0" i="0" u="none" strike="noStrike" cap="none" normalizeH="0" baseline="0">
+                        <a:ln>
+                          <a:noFill/>
+                        </a:ln>
+                        <a:solidFill>
+                          <a:schemeClr val="tx1"/>
+                        </a:solidFill>
+                        <a:effectLst/>
+                        <a:latin typeface="Arial" charset="0"/>
+                      </a:endParaRPr>
+                    </a:p>
+                  </a:txBody>
+                  <a:tcPr marT="45729" marB="45729" horzOverflow="overflow">
+                    <a:lnL w="12700" cap="flat" cmpd="sng" algn="ctr">
+                      <a:solidFill>
+                        <a:schemeClr val="tx1"/>
+                      </a:solidFill>
+                      <a:prstDash val="solid"/>
+                      <a:round/>
+                      <a:headEnd type="none" w="med" len="med"/>
+                      <a:tailEnd type="none" w="med" len="med"/>
+                    </a:lnL>
+                    <a:lnR w="12700" cap="flat" cmpd="sng" algn="ctr">
+                      <a:solidFill>
+                        <a:schemeClr val="tx1"/>
+                      </a:solidFill>
+                      <a:prstDash val="solid"/>
+                      <a:round/>
+                      <a:headEnd type="none" w="med" len="med"/>
+                      <a:tailEnd type="none" w="med" len="med"/>
+                    </a:lnR>
+                    <a:lnT w="28575" cap="flat" cmpd="sng" algn="ctr">
+                      <a:solidFill>
+                        <a:schemeClr val="tx1"/>
+                      </a:solidFill>
+                      <a:prstDash val="solid"/>
+                      <a:round/>
+                      <a:headEnd type="none" w="med" len="med"/>
+                      <a:tailEnd type="none" w="med" len="med"/>
+                    </a:lnT>
+                    <a:lnB w="12700" cap="flat" cmpd="sng" algn="ctr">
+                      <a:solidFill>
+                        <a:schemeClr val="tx1"/>
+                      </a:solidFill>
+                      <a:prstDash val="solid"/>
+                      <a:round/>
+                      <a:headEnd type="none" w="med" len="med"/>
+                      <a:tailEnd type="none" w="med" len="med"/>
+                    </a:lnB>
+                    <a:lnTlToBr>
+                      <a:noFill/>
+                    </a:lnTlToBr>
+                    <a:lnBlToTr>
+                      <a:noFill/>
+                    </a:lnBlToTr>
+                    <a:noFill/>
+                  </a:tcPr>
+                </a:tc>
+                <a:tc>
+                  <a:txBody>
+                    <a:bodyPr/>
+                    <a:lstStyle/>
+                    <a:p>
+                      <a:pPr marL="0" marR="0" lvl="0" indent="0" algn="ctr" defTabSz="914400" rtl="0" eaLnBrk="1" fontAlgn="base" latinLnBrk="0" hangingPunct="1">
+                        <a:lnSpc>
+                          <a:spcPct val="100000"/>
+                        </a:lnSpc>
+                        <a:spcBef>
+                          <a:spcPct val="20000"/>
+                        </a:spcBef>
+                        <a:spcAft>
+                          <a:spcPct val="0"/>
+                        </a:spcAft>
+                        <a:buClr>
+                          <a:schemeClr val="folHlink"/>
+                        </a:buClr>
+                        <a:buSzPct val="60000"/>
+                        <a:buFont typeface="Wingdings" pitchFamily="2" charset="2"/>
+                        <a:buNone/>
+                        <a:tabLst/>
+                      </a:pPr>
+                      <a:r>
+                        <a:rPr kumimoji="0" lang="en-US" sz="2000" b="0" i="0" u="none" strike="noStrike" cap="none" normalizeH="0" baseline="0">
+                          <a:ln>
+                            <a:noFill/>
+                          </a:ln>
+                          <a:solidFill>
+                            <a:schemeClr val="tx1"/>
+                          </a:solidFill>
+                          <a:effectLst/>
+                          <a:latin typeface="Arial" charset="0"/>
+                        </a:rPr>
+                        <a:t>3</a:t>
+                      </a:r>
+                      <a:endParaRPr kumimoji="0" lang="en-AU" sz="2000" b="0" i="0" u="none" strike="noStrike" cap="none" normalizeH="0" baseline="0">
+                        <a:ln>
+                          <a:noFill/>
+                        </a:ln>
+                        <a:solidFill>
+                          <a:schemeClr val="tx1"/>
+                        </a:solidFill>
+                        <a:effectLst/>
+                        <a:latin typeface="Arial" charset="0"/>
+                      </a:endParaRPr>
+                    </a:p>
+                  </a:txBody>
+                  <a:tcPr marT="45729" marB="45729" horzOverflow="overflow">
+                    <a:lnL w="12700" cap="flat" cmpd="sng" algn="ctr">
+                      <a:solidFill>
+                        <a:schemeClr val="tx1"/>
+                      </a:solidFill>
+                      <a:prstDash val="solid"/>
+                      <a:round/>
+                      <a:headEnd type="none" w="med" len="med"/>
+                      <a:tailEnd type="none" w="med" len="med"/>
+                    </a:lnL>
+                    <a:lnR w="28575" cap="flat" cmpd="sng" algn="ctr">
+                      <a:solidFill>
+                        <a:schemeClr val="tx1"/>
+                      </a:solidFill>
+                      <a:prstDash val="solid"/>
+                      <a:round/>
+                      <a:headEnd type="none" w="med" len="med"/>
+                      <a:tailEnd type="none" w="med" len="med"/>
+                    </a:lnR>
+                    <a:lnT w="28575" cap="flat" cmpd="sng" algn="ctr">
+                      <a:solidFill>
+                        <a:schemeClr val="tx1"/>
+                      </a:solidFill>
+                      <a:prstDash val="solid"/>
+                      <a:round/>
+                      <a:headEnd type="none" w="med" len="med"/>
+                      <a:tailEnd type="none" w="med" len="med"/>
+                    </a:lnT>
+                    <a:lnB w="12700" cap="flat" cmpd="sng" algn="ctr">
+                      <a:solidFill>
+                        <a:schemeClr val="tx1"/>
+                      </a:solidFill>
+                      <a:prstDash val="solid"/>
+                      <a:round/>
+                      <a:headEnd type="none" w="med" len="med"/>
+                      <a:tailEnd type="none" w="med" len="med"/>
+                    </a:lnB>
+                    <a:lnTlToBr>
+                      <a:noFill/>
+                    </a:lnTlToBr>
+                    <a:lnBlToTr>
+                      <a:noFill/>
+                    </a:lnBlToTr>
+                    <a:noFill/>
+                  </a:tcPr>
+                </a:tc>
+                <a:extLst>
+                  <a:ext uri="{0D108BD9-81ED-4DB2-BD59-A6C34878D82A}">
+                    <a16:rowId xmlns:a16="http://schemas.microsoft.com/office/drawing/2014/main" val="10001"/>
+                  </a:ext>
+                </a:extLst>
+              </a:tr>
+              <a:tr h="396319">
+                <a:tc>
+                  <a:txBody>
+                    <a:bodyPr/>
+                    <a:lstStyle/>
+                    <a:p>
+                      <a:pPr marL="0" marR="0" lvl="0" indent="0" algn="l" defTabSz="914400" rtl="0" eaLnBrk="1" fontAlgn="base" latinLnBrk="0" hangingPunct="1">
+                        <a:lnSpc>
+                          <a:spcPct val="100000"/>
+                        </a:lnSpc>
+                        <a:spcBef>
+                          <a:spcPct val="20000"/>
+                        </a:spcBef>
+                        <a:spcAft>
+                          <a:spcPct val="0"/>
+                        </a:spcAft>
+                        <a:buClr>
+                          <a:schemeClr val="folHlink"/>
+                        </a:buClr>
+                        <a:buSzPct val="60000"/>
+                        <a:buFont typeface="Wingdings" pitchFamily="2" charset="2"/>
+                        <a:buNone/>
+                        <a:tabLst/>
+                      </a:pPr>
+                      <a:r>
+                        <a:rPr kumimoji="0" lang="en-US" sz="2000" b="0" i="0" u="none" strike="noStrike" cap="none" normalizeH="0" baseline="0">
+                          <a:ln>
+                            <a:noFill/>
+                          </a:ln>
+                          <a:solidFill>
+                            <a:schemeClr val="tx1"/>
+                          </a:solidFill>
+                          <a:effectLst/>
+                          <a:latin typeface="Arial" charset="0"/>
+                        </a:rPr>
+                        <a:t>IC in sequence 1</a:t>
+                      </a:r>
+                    </a:p>
+                  </a:txBody>
+                  <a:tcPr marT="45729" marB="45729" horzOverflow="overflow">
+                    <a:lnL w="28575" cap="flat" cmpd="sng" algn="ctr">
+                      <a:solidFill>
+                        <a:schemeClr val="tx1"/>
+                      </a:solidFill>
+                      <a:prstDash val="solid"/>
+                      <a:round/>
+                      <a:headEnd type="none" w="med" len="med"/>
+                      <a:tailEnd type="none" w="med" len="med"/>
+                    </a:lnL>
+                    <a:lnR w="12700" cap="flat" cmpd="sng" algn="ctr">
+                      <a:solidFill>
+                        <a:schemeClr val="tx1"/>
+                      </a:solidFill>
+                      <a:prstDash val="solid"/>
+                      <a:round/>
+                      <a:headEnd type="none" w="med" len="med"/>
+                      <a:tailEnd type="none" w="med" len="med"/>
+                    </a:lnR>
+                    <a:lnT w="12700" cap="flat" cmpd="sng" algn="ctr">
+                      <a:solidFill>
+                        <a:schemeClr val="tx1"/>
+                      </a:solidFill>
+                      <a:prstDash val="solid"/>
+                      <a:round/>
+                      <a:headEnd type="none" w="med" len="med"/>
+                      <a:tailEnd type="none" w="med" len="med"/>
+                    </a:lnT>
+                    <a:lnB w="12700" cap="flat" cmpd="sng" algn="ctr">
+                      <a:solidFill>
+                        <a:schemeClr val="tx1"/>
+                      </a:solidFill>
+                      <a:prstDash val="solid"/>
+                      <a:round/>
+                      <a:headEnd type="none" w="med" len="med"/>
+                      <a:tailEnd type="none" w="med" len="med"/>
+                    </a:lnB>
+                    <a:lnTlToBr>
+                      <a:noFill/>
+                    </a:lnTlToBr>
+                    <a:lnBlToTr>
+                      <a:noFill/>
+                    </a:lnBlToTr>
+                    <a:noFill/>
+                  </a:tcPr>
+                </a:tc>
+                <a:tc>
+                  <a:txBody>
+                    <a:bodyPr/>
+                    <a:lstStyle/>
+                    <a:p>
+                      <a:pPr marL="0" marR="0" lvl="0" indent="0" algn="ctr" defTabSz="914400" rtl="0" eaLnBrk="1" fontAlgn="base" latinLnBrk="0" hangingPunct="1">
+                        <a:lnSpc>
+                          <a:spcPct val="100000"/>
+                        </a:lnSpc>
+                        <a:spcBef>
+                          <a:spcPct val="20000"/>
+                        </a:spcBef>
+                        <a:spcAft>
+                          <a:spcPct val="0"/>
+                        </a:spcAft>
+                        <a:buClr>
+                          <a:schemeClr val="folHlink"/>
+                        </a:buClr>
+                        <a:buSzPct val="60000"/>
+                        <a:buFont typeface="Wingdings" pitchFamily="2" charset="2"/>
+                        <a:buNone/>
+                        <a:tabLst/>
+                      </a:pPr>
+                      <a:r>
+                        <a:rPr kumimoji="0" lang="en-US" sz="2000" b="0" i="0" u="none" strike="noStrike" cap="none" normalizeH="0" baseline="0">
+                          <a:ln>
+                            <a:noFill/>
+                          </a:ln>
+                          <a:solidFill>
+                            <a:schemeClr val="tx1"/>
+                          </a:solidFill>
+                          <a:effectLst/>
+                          <a:latin typeface="Arial" charset="0"/>
+                        </a:rPr>
+                        <a:t>2</a:t>
+                      </a:r>
+                      <a:endParaRPr kumimoji="0" lang="en-AU" sz="2000" b="0" i="0" u="none" strike="noStrike" cap="none" normalizeH="0" baseline="0">
+                        <a:ln>
+                          <a:noFill/>
+                        </a:ln>
+                        <a:solidFill>
+                          <a:schemeClr val="tx1"/>
+                        </a:solidFill>
+                        <a:effectLst/>
+                        <a:latin typeface="Arial" charset="0"/>
+                      </a:endParaRPr>
+                    </a:p>
+                  </a:txBody>
+                  <a:tcPr marT="45729" marB="45729" horzOverflow="overflow">
+                    <a:lnL w="12700" cap="flat" cmpd="sng" algn="ctr">
+                      <a:solidFill>
+                        <a:schemeClr val="tx1"/>
+                      </a:solidFill>
+                      <a:prstDash val="solid"/>
+                      <a:round/>
+                      <a:headEnd type="none" w="med" len="med"/>
+                      <a:tailEnd type="none" w="med" len="med"/>
+                    </a:lnL>
+                    <a:lnR w="12700" cap="flat" cmpd="sng" algn="ctr">
+                      <a:solidFill>
+                        <a:schemeClr val="tx1"/>
+                      </a:solidFill>
+                      <a:prstDash val="solid"/>
+                      <a:round/>
+                      <a:headEnd type="none" w="med" len="med"/>
+                      <a:tailEnd type="none" w="med" len="med"/>
+                    </a:lnR>
+                    <a:lnT w="12700" cap="flat" cmpd="sng" algn="ctr">
+                      <a:solidFill>
+                        <a:schemeClr val="tx1"/>
+                      </a:solidFill>
+                      <a:prstDash val="solid"/>
+                      <a:round/>
+                      <a:headEnd type="none" w="med" len="med"/>
+                      <a:tailEnd type="none" w="med" len="med"/>
+                    </a:lnT>
+                    <a:lnB w="12700" cap="flat" cmpd="sng" algn="ctr">
+                      <a:solidFill>
+                        <a:schemeClr val="tx1"/>
+                      </a:solidFill>
+                      <a:prstDash val="solid"/>
+                      <a:round/>
+                      <a:headEnd type="none" w="med" len="med"/>
+                      <a:tailEnd type="none" w="med" len="med"/>
+                    </a:lnB>
+                    <a:lnTlToBr>
+                      <a:noFill/>
+                    </a:lnTlToBr>
+                    <a:lnBlToTr>
+                      <a:noFill/>
+                    </a:lnBlToTr>
+                    <a:noFill/>
+                  </a:tcPr>
+                </a:tc>
+                <a:tc>
+                  <a:txBody>
+                    <a:bodyPr/>
+                    <a:lstStyle/>
+                    <a:p>
+                      <a:pPr marL="0" marR="0" lvl="0" indent="0" algn="ctr" defTabSz="914400" rtl="0" eaLnBrk="1" fontAlgn="base" latinLnBrk="0" hangingPunct="1">
+                        <a:lnSpc>
+                          <a:spcPct val="100000"/>
+                        </a:lnSpc>
+                        <a:spcBef>
+                          <a:spcPct val="20000"/>
+                        </a:spcBef>
+                        <a:spcAft>
+                          <a:spcPct val="0"/>
+                        </a:spcAft>
+                        <a:buClr>
+                          <a:schemeClr val="folHlink"/>
+                        </a:buClr>
+                        <a:buSzPct val="60000"/>
+                        <a:buFont typeface="Wingdings" pitchFamily="2" charset="2"/>
+                        <a:buNone/>
+                        <a:tabLst/>
+                      </a:pPr>
+                      <a:r>
+                        <a:rPr kumimoji="0" lang="en-US" sz="2000" b="0" i="0" u="none" strike="noStrike" cap="none" normalizeH="0" baseline="0">
+                          <a:ln>
+                            <a:noFill/>
+                          </a:ln>
+                          <a:solidFill>
+                            <a:schemeClr val="tx1"/>
+                          </a:solidFill>
+                          <a:effectLst/>
+                          <a:latin typeface="Arial" charset="0"/>
+                        </a:rPr>
+                        <a:t>1</a:t>
+                      </a:r>
+                      <a:endParaRPr kumimoji="0" lang="en-AU" sz="2000" b="0" i="0" u="none" strike="noStrike" cap="none" normalizeH="0" baseline="0">
+                        <a:ln>
+                          <a:noFill/>
+                        </a:ln>
+                        <a:solidFill>
+                          <a:schemeClr val="tx1"/>
+                        </a:solidFill>
+                        <a:effectLst/>
+                        <a:latin typeface="Arial" charset="0"/>
+                      </a:endParaRPr>
+                    </a:p>
+                  </a:txBody>
+                  <a:tcPr marT="45729" marB="45729" horzOverflow="overflow">
+                    <a:lnL w="12700" cap="flat" cmpd="sng" algn="ctr">
+                      <a:solidFill>
+                        <a:schemeClr val="tx1"/>
+                      </a:solidFill>
+                      <a:prstDash val="solid"/>
+                      <a:round/>
+                      <a:headEnd type="none" w="med" len="med"/>
+                      <a:tailEnd type="none" w="med" len="med"/>
+                    </a:lnL>
+                    <a:lnR w="12700" cap="flat" cmpd="sng" algn="ctr">
+                      <a:solidFill>
+                        <a:schemeClr val="tx1"/>
+                      </a:solidFill>
+                      <a:prstDash val="solid"/>
+                      <a:round/>
+                      <a:headEnd type="none" w="med" len="med"/>
+                      <a:tailEnd type="none" w="med" len="med"/>
+                    </a:lnR>
+                    <a:lnT w="12700" cap="flat" cmpd="sng" algn="ctr">
+                      <a:solidFill>
+                        <a:schemeClr val="tx1"/>
+                      </a:solidFill>
+                      <a:prstDash val="solid"/>
+                      <a:round/>
+                      <a:headEnd type="none" w="med" len="med"/>
+                      <a:tailEnd type="none" w="med" len="med"/>
+                    </a:lnT>
+                    <a:lnB w="12700" cap="flat" cmpd="sng" algn="ctr">
+                      <a:solidFill>
+                        <a:schemeClr val="tx1"/>
+                      </a:solidFill>
+                      <a:prstDash val="solid"/>
+                      <a:round/>
+                      <a:headEnd type="none" w="med" len="med"/>
+                      <a:tailEnd type="none" w="med" len="med"/>
+                    </a:lnB>
+                    <a:lnTlToBr>
+                      <a:noFill/>
+                    </a:lnTlToBr>
+                    <a:lnBlToTr>
+                      <a:noFill/>
+                    </a:lnBlToTr>
+                    <a:noFill/>
+                  </a:tcPr>
+                </a:tc>
+                <a:tc>
+                  <a:txBody>
+                    <a:bodyPr/>
+                    <a:lstStyle/>
+                    <a:p>
+                      <a:pPr marL="0" marR="0" lvl="0" indent="0" algn="ctr" defTabSz="914400" rtl="0" eaLnBrk="1" fontAlgn="base" latinLnBrk="0" hangingPunct="1">
+                        <a:lnSpc>
+                          <a:spcPct val="100000"/>
+                        </a:lnSpc>
+                        <a:spcBef>
+                          <a:spcPct val="20000"/>
+                        </a:spcBef>
+                        <a:spcAft>
+                          <a:spcPct val="0"/>
+                        </a:spcAft>
+                        <a:buClr>
+                          <a:schemeClr val="folHlink"/>
+                        </a:buClr>
+                        <a:buSzPct val="60000"/>
+                        <a:buFont typeface="Wingdings" pitchFamily="2" charset="2"/>
+                        <a:buNone/>
+                        <a:tabLst/>
+                      </a:pPr>
+                      <a:r>
+                        <a:rPr kumimoji="0" lang="en-US" sz="2000" b="0" i="0" u="none" strike="noStrike" cap="none" normalizeH="0" baseline="0">
+                          <a:ln>
+                            <a:noFill/>
+                          </a:ln>
+                          <a:solidFill>
+                            <a:schemeClr val="tx1"/>
+                          </a:solidFill>
+                          <a:effectLst/>
+                          <a:latin typeface="Arial" charset="0"/>
+                        </a:rPr>
+                        <a:t>2</a:t>
+                      </a:r>
+                      <a:endParaRPr kumimoji="0" lang="en-AU" sz="2000" b="0" i="0" u="none" strike="noStrike" cap="none" normalizeH="0" baseline="0">
+                        <a:ln>
+                          <a:noFill/>
+                        </a:ln>
+                        <a:solidFill>
+                          <a:schemeClr val="tx1"/>
+                        </a:solidFill>
+                        <a:effectLst/>
+                        <a:latin typeface="Arial" charset="0"/>
+                      </a:endParaRPr>
+                    </a:p>
+                  </a:txBody>
+                  <a:tcPr marT="45729" marB="45729" horzOverflow="overflow">
+                    <a:lnL w="12700" cap="flat" cmpd="sng" algn="ctr">
+                      <a:solidFill>
+                        <a:schemeClr val="tx1"/>
+                      </a:solidFill>
+                      <a:prstDash val="solid"/>
+                      <a:round/>
+                      <a:headEnd type="none" w="med" len="med"/>
+                      <a:tailEnd type="none" w="med" len="med"/>
+                    </a:lnL>
+                    <a:lnR w="28575" cap="flat" cmpd="sng" algn="ctr">
+                      <a:solidFill>
+                        <a:schemeClr val="tx1"/>
+                      </a:solidFill>
+                      <a:prstDash val="solid"/>
+                      <a:round/>
+                      <a:headEnd type="none" w="med" len="med"/>
+                      <a:tailEnd type="none" w="med" len="med"/>
+                    </a:lnR>
+                    <a:lnT w="12700" cap="flat" cmpd="sng" algn="ctr">
+                      <a:solidFill>
+                        <a:schemeClr val="tx1"/>
+                      </a:solidFill>
+                      <a:prstDash val="solid"/>
+                      <a:round/>
+                      <a:headEnd type="none" w="med" len="med"/>
+                      <a:tailEnd type="none" w="med" len="med"/>
+                    </a:lnT>
+                    <a:lnB w="12700" cap="flat" cmpd="sng" algn="ctr">
+                      <a:solidFill>
+                        <a:schemeClr val="tx1"/>
+                      </a:solidFill>
+                      <a:prstDash val="solid"/>
+                      <a:round/>
+                      <a:headEnd type="none" w="med" len="med"/>
+                      <a:tailEnd type="none" w="med" len="med"/>
+                    </a:lnB>
+                    <a:lnTlToBr>
+                      <a:noFill/>
+                    </a:lnTlToBr>
+                    <a:lnBlToTr>
+                      <a:noFill/>
+                    </a:lnBlToTr>
+                    <a:noFill/>
+                  </a:tcPr>
+                </a:tc>
+                <a:extLst>
+                  <a:ext uri="{0D108BD9-81ED-4DB2-BD59-A6C34878D82A}">
+                    <a16:rowId xmlns:a16="http://schemas.microsoft.com/office/drawing/2014/main" val="10002"/>
+                  </a:ext>
+                </a:extLst>
+              </a:tr>
+              <a:tr h="403306">
+                <a:tc>
+                  <a:txBody>
+                    <a:bodyPr/>
+                    <a:lstStyle/>
+                    <a:p>
+                      <a:pPr marL="0" marR="0" lvl="0" indent="0" algn="l" defTabSz="914400" rtl="0" eaLnBrk="1" fontAlgn="base" latinLnBrk="0" hangingPunct="1">
+                        <a:lnSpc>
+                          <a:spcPct val="100000"/>
+                        </a:lnSpc>
+                        <a:spcBef>
+                          <a:spcPct val="20000"/>
+                        </a:spcBef>
+                        <a:spcAft>
+                          <a:spcPct val="0"/>
+                        </a:spcAft>
+                        <a:buClr>
+                          <a:schemeClr val="folHlink"/>
+                        </a:buClr>
+                        <a:buSzPct val="60000"/>
+                        <a:buFont typeface="Wingdings" pitchFamily="2" charset="2"/>
+                        <a:buNone/>
+                        <a:tabLst/>
+                      </a:pPr>
+                      <a:r>
+                        <a:rPr kumimoji="0" lang="en-US" sz="2000" b="0" i="0" u="none" strike="noStrike" cap="none" normalizeH="0" baseline="0">
+                          <a:ln>
+                            <a:noFill/>
+                          </a:ln>
+                          <a:solidFill>
+                            <a:schemeClr val="tx1"/>
+                          </a:solidFill>
+                          <a:effectLst/>
+                          <a:latin typeface="Arial" charset="0"/>
+                        </a:rPr>
+                        <a:t>IC in sequence 2</a:t>
+                      </a:r>
+                      <a:endParaRPr kumimoji="0" lang="en-AU" sz="2000" b="0" i="0" u="none" strike="noStrike" cap="none" normalizeH="0" baseline="0">
+                        <a:ln>
+                          <a:noFill/>
+                        </a:ln>
+                        <a:solidFill>
+                          <a:schemeClr val="tx1"/>
+                        </a:solidFill>
+                        <a:effectLst/>
+                        <a:latin typeface="Arial" charset="0"/>
+                      </a:endParaRPr>
+                    </a:p>
+                  </a:txBody>
+                  <a:tcPr marT="45729" marB="45729" horzOverflow="overflow">
+                    <a:lnL w="28575" cap="flat" cmpd="sng" algn="ctr">
+                      <a:solidFill>
+                        <a:schemeClr val="tx1"/>
+                      </a:solidFill>
+                      <a:prstDash val="solid"/>
+                      <a:round/>
+                      <a:headEnd type="none" w="med" len="med"/>
+                      <a:tailEnd type="none" w="med" len="med"/>
+                    </a:lnL>
+                    <a:lnR w="12700" cap="flat" cmpd="sng" algn="ctr">
+                      <a:solidFill>
+                        <a:schemeClr val="tx1"/>
+                      </a:solidFill>
+                      <a:prstDash val="solid"/>
+                      <a:round/>
+                      <a:headEnd type="none" w="med" len="med"/>
+                      <a:tailEnd type="none" w="med" len="med"/>
+                    </a:lnR>
+                    <a:lnT w="12700" cap="flat" cmpd="sng" algn="ctr">
+                      <a:solidFill>
+                        <a:schemeClr val="tx1"/>
+                      </a:solidFill>
+                      <a:prstDash val="solid"/>
+                      <a:round/>
+                      <a:headEnd type="none" w="med" len="med"/>
+                      <a:tailEnd type="none" w="med" len="med"/>
+                    </a:lnT>
+                    <a:lnB w="28575" cap="flat" cmpd="sng" algn="ctr">
+                      <a:solidFill>
+                        <a:schemeClr val="tx1"/>
+                      </a:solidFill>
+                      <a:prstDash val="solid"/>
+                      <a:round/>
+                      <a:headEnd type="none" w="med" len="med"/>
+                      <a:tailEnd type="none" w="med" len="med"/>
+                    </a:lnB>
+                    <a:lnTlToBr>
+                      <a:noFill/>
+                    </a:lnTlToBr>
+                    <a:lnBlToTr>
+                      <a:noFill/>
+                    </a:lnBlToTr>
+                    <a:noFill/>
+                  </a:tcPr>
+                </a:tc>
+                <a:tc>
+                  <a:txBody>
+                    <a:bodyPr/>
+                    <a:lstStyle/>
+                    <a:p>
+                      <a:pPr marL="0" marR="0" lvl="0" indent="0" algn="ctr" defTabSz="914400" rtl="0" eaLnBrk="1" fontAlgn="base" latinLnBrk="0" hangingPunct="1">
+                        <a:lnSpc>
+                          <a:spcPct val="100000"/>
+                        </a:lnSpc>
+                        <a:spcBef>
+                          <a:spcPct val="20000"/>
+                        </a:spcBef>
+                        <a:spcAft>
+                          <a:spcPct val="0"/>
+                        </a:spcAft>
+                        <a:buClr>
+                          <a:schemeClr val="folHlink"/>
+                        </a:buClr>
+                        <a:buSzPct val="60000"/>
+                        <a:buFont typeface="Wingdings" pitchFamily="2" charset="2"/>
+                        <a:buNone/>
+                        <a:tabLst/>
+                      </a:pPr>
+                      <a:r>
+                        <a:rPr kumimoji="0" lang="en-US" sz="2000" b="0" i="0" u="none" strike="noStrike" cap="none" normalizeH="0" baseline="0">
+                          <a:ln>
+                            <a:noFill/>
+                          </a:ln>
+                          <a:solidFill>
+                            <a:schemeClr val="tx1"/>
+                          </a:solidFill>
+                          <a:effectLst/>
+                          <a:latin typeface="Arial" charset="0"/>
+                        </a:rPr>
+                        <a:t>4</a:t>
+                      </a:r>
+                      <a:endParaRPr kumimoji="0" lang="en-AU" sz="2000" b="0" i="0" u="none" strike="noStrike" cap="none" normalizeH="0" baseline="0">
+                        <a:ln>
+                          <a:noFill/>
+                        </a:ln>
+                        <a:solidFill>
+                          <a:schemeClr val="tx1"/>
+                        </a:solidFill>
+                        <a:effectLst/>
+                        <a:latin typeface="Arial" charset="0"/>
+                      </a:endParaRPr>
+                    </a:p>
+                  </a:txBody>
+                  <a:tcPr marT="45729" marB="45729" horzOverflow="overflow">
+                    <a:lnL w="12700" cap="flat" cmpd="sng" algn="ctr">
+                      <a:solidFill>
+                        <a:schemeClr val="tx1"/>
+                      </a:solidFill>
+                      <a:prstDash val="solid"/>
+                      <a:round/>
+                      <a:headEnd type="none" w="med" len="med"/>
+                      <a:tailEnd type="none" w="med" len="med"/>
+                    </a:lnL>
+                    <a:lnR w="12700" cap="flat" cmpd="sng" algn="ctr">
+                      <a:solidFill>
+                        <a:schemeClr val="tx1"/>
+                      </a:solidFill>
+                      <a:prstDash val="solid"/>
+                      <a:round/>
+                      <a:headEnd type="none" w="med" len="med"/>
+                      <a:tailEnd type="none" w="med" len="med"/>
+                    </a:lnR>
+                    <a:lnT w="12700" cap="flat" cmpd="sng" algn="ctr">
+                      <a:solidFill>
+                        <a:schemeClr val="tx1"/>
+                      </a:solidFill>
+                      <a:prstDash val="solid"/>
+                      <a:round/>
+                      <a:headEnd type="none" w="med" len="med"/>
+                      <a:tailEnd type="none" w="med" len="med"/>
+                    </a:lnT>
+                    <a:lnB w="28575" cap="flat" cmpd="sng" algn="ctr">
+                      <a:solidFill>
+                        <a:schemeClr val="tx1"/>
+                      </a:solidFill>
+                      <a:prstDash val="solid"/>
+                      <a:round/>
+                      <a:headEnd type="none" w="med" len="med"/>
+                      <a:tailEnd type="none" w="med" len="med"/>
+                    </a:lnB>
+                    <a:lnTlToBr>
+                      <a:noFill/>
+                    </a:lnTlToBr>
+                    <a:lnBlToTr>
+                      <a:noFill/>
+                    </a:lnBlToTr>
+                    <a:noFill/>
+                  </a:tcPr>
+                </a:tc>
+                <a:tc>
+                  <a:txBody>
+                    <a:bodyPr/>
+                    <a:lstStyle/>
+                    <a:p>
+                      <a:pPr marL="0" marR="0" lvl="0" indent="0" algn="ctr" defTabSz="914400" rtl="0" eaLnBrk="1" fontAlgn="base" latinLnBrk="0" hangingPunct="1">
+                        <a:lnSpc>
+                          <a:spcPct val="100000"/>
+                        </a:lnSpc>
+                        <a:spcBef>
+                          <a:spcPct val="20000"/>
+                        </a:spcBef>
+                        <a:spcAft>
+                          <a:spcPct val="0"/>
+                        </a:spcAft>
+                        <a:buClr>
+                          <a:schemeClr val="folHlink"/>
+                        </a:buClr>
+                        <a:buSzPct val="60000"/>
+                        <a:buFont typeface="Wingdings" pitchFamily="2" charset="2"/>
+                        <a:buNone/>
+                        <a:tabLst/>
+                      </a:pPr>
+                      <a:r>
+                        <a:rPr kumimoji="0" lang="en-US" sz="2000" b="0" i="0" u="none" strike="noStrike" cap="none" normalizeH="0" baseline="0">
+                          <a:ln>
+                            <a:noFill/>
+                          </a:ln>
+                          <a:solidFill>
+                            <a:schemeClr val="tx1"/>
+                          </a:solidFill>
+                          <a:effectLst/>
+                          <a:latin typeface="Arial" charset="0"/>
+                        </a:rPr>
+                        <a:t>1</a:t>
+                      </a:r>
+                      <a:endParaRPr kumimoji="0" lang="en-AU" sz="2000" b="0" i="0" u="none" strike="noStrike" cap="none" normalizeH="0" baseline="0">
+                        <a:ln>
+                          <a:noFill/>
+                        </a:ln>
+                        <a:solidFill>
+                          <a:schemeClr val="tx1"/>
+                        </a:solidFill>
+                        <a:effectLst/>
+                        <a:latin typeface="Arial" charset="0"/>
+                      </a:endParaRPr>
+                    </a:p>
+                  </a:txBody>
+                  <a:tcPr marT="45729" marB="45729" horzOverflow="overflow">
+                    <a:lnL w="12700" cap="flat" cmpd="sng" algn="ctr">
+                      <a:solidFill>
+                        <a:schemeClr val="tx1"/>
+                      </a:solidFill>
+                      <a:prstDash val="solid"/>
+                      <a:round/>
+                      <a:headEnd type="none" w="med" len="med"/>
+                      <a:tailEnd type="none" w="med" len="med"/>
+                    </a:lnL>
+                    <a:lnR w="12700" cap="flat" cmpd="sng" algn="ctr">
+                      <a:solidFill>
+                        <a:schemeClr val="tx1"/>
+                      </a:solidFill>
+                      <a:prstDash val="solid"/>
+                      <a:round/>
+                      <a:headEnd type="none" w="med" len="med"/>
+                      <a:tailEnd type="none" w="med" len="med"/>
+                    </a:lnR>
+                    <a:lnT w="12700" cap="flat" cmpd="sng" algn="ctr">
+                      <a:solidFill>
+                        <a:schemeClr val="tx1"/>
+                      </a:solidFill>
+                      <a:prstDash val="solid"/>
+                      <a:round/>
+                      <a:headEnd type="none" w="med" len="med"/>
+                      <a:tailEnd type="none" w="med" len="med"/>
+                    </a:lnT>
+                    <a:lnB w="28575" cap="flat" cmpd="sng" algn="ctr">
+                      <a:solidFill>
+                        <a:schemeClr val="tx1"/>
+                      </a:solidFill>
+                      <a:prstDash val="solid"/>
+                      <a:round/>
+                      <a:headEnd type="none" w="med" len="med"/>
+                      <a:tailEnd type="none" w="med" len="med"/>
+                    </a:lnB>
+                    <a:lnTlToBr>
+                      <a:noFill/>
+                    </a:lnTlToBr>
+                    <a:lnBlToTr>
+                      <a:noFill/>
+                    </a:lnBlToTr>
+                    <a:noFill/>
+                  </a:tcPr>
+                </a:tc>
+                <a:tc>
+                  <a:txBody>
+                    <a:bodyPr/>
+                    <a:lstStyle/>
+                    <a:p>
+                      <a:pPr marL="0" marR="0" lvl="0" indent="0" algn="ctr" defTabSz="914400" rtl="0" eaLnBrk="1" fontAlgn="base" latinLnBrk="0" hangingPunct="1">
+                        <a:lnSpc>
+                          <a:spcPct val="100000"/>
+                        </a:lnSpc>
+                        <a:spcBef>
+                          <a:spcPct val="20000"/>
+                        </a:spcBef>
+                        <a:spcAft>
+                          <a:spcPct val="0"/>
+                        </a:spcAft>
+                        <a:buClr>
+                          <a:schemeClr val="folHlink"/>
+                        </a:buClr>
+                        <a:buSzPct val="60000"/>
+                        <a:buFont typeface="Wingdings" pitchFamily="2" charset="2"/>
+                        <a:buNone/>
+                        <a:tabLst/>
+                      </a:pPr>
+                      <a:r>
+                        <a:rPr kumimoji="0" lang="en-US" sz="2000" b="0" i="0" u="none" strike="noStrike" cap="none" normalizeH="0" baseline="0" dirty="0">
+                          <a:ln>
+                            <a:noFill/>
+                          </a:ln>
+                          <a:solidFill>
+                            <a:schemeClr val="tx1"/>
+                          </a:solidFill>
+                          <a:effectLst/>
+                          <a:latin typeface="Arial" charset="0"/>
+                        </a:rPr>
+                        <a:t>1</a:t>
+                      </a:r>
+                      <a:endParaRPr kumimoji="0" lang="en-AU" sz="2000" b="0" i="0" u="none" strike="noStrike" cap="none" normalizeH="0" baseline="0" dirty="0">
+                        <a:ln>
+                          <a:noFill/>
+                        </a:ln>
+                        <a:solidFill>
+                          <a:schemeClr val="tx1"/>
+                        </a:solidFill>
+                        <a:effectLst/>
+                        <a:latin typeface="Arial" charset="0"/>
+                      </a:endParaRPr>
+                    </a:p>
+                  </a:txBody>
+                  <a:tcPr marT="45729" marB="45729" horzOverflow="overflow">
+                    <a:lnL w="12700" cap="flat" cmpd="sng" algn="ctr">
+                      <a:solidFill>
+                        <a:schemeClr val="tx1"/>
+                      </a:solidFill>
+                      <a:prstDash val="solid"/>
+                      <a:round/>
+                      <a:headEnd type="none" w="med" len="med"/>
+                      <a:tailEnd type="none" w="med" len="med"/>
+                    </a:lnL>
+                    <a:lnR w="28575" cap="flat" cmpd="sng" algn="ctr">
+                      <a:solidFill>
+                        <a:schemeClr val="tx1"/>
+                      </a:solidFill>
+                      <a:prstDash val="solid"/>
+                      <a:round/>
+                      <a:headEnd type="none" w="med" len="med"/>
+                      <a:tailEnd type="none" w="med" len="med"/>
+                    </a:lnR>
+                    <a:lnT w="12700" cap="flat" cmpd="sng" algn="ctr">
+                      <a:solidFill>
+                        <a:schemeClr val="tx1"/>
+                      </a:solidFill>
+                      <a:prstDash val="solid"/>
+                      <a:round/>
+                      <a:headEnd type="none" w="med" len="med"/>
+                      <a:tailEnd type="none" w="med" len="med"/>
+                    </a:lnT>
+                    <a:lnB w="28575" cap="flat" cmpd="sng" algn="ctr">
+                      <a:solidFill>
+                        <a:schemeClr val="tx1"/>
+                      </a:solidFill>
+                      <a:prstDash val="solid"/>
+                      <a:round/>
+                      <a:headEnd type="none" w="med" len="med"/>
+                      <a:tailEnd type="none" w="med" len="med"/>
+                    </a:lnB>
+                    <a:lnTlToBr>
+                      <a:noFill/>
+                    </a:lnTlToBr>
+                    <a:lnBlToTr>
+                      <a:noFill/>
+                    </a:lnBlToTr>
+                    <a:noFill/>
+                  </a:tcPr>
+                </a:tc>
+                <a:extLst>
+                  <a:ext uri="{0D108BD9-81ED-4DB2-BD59-A6C34878D82A}">
+                    <a16:rowId xmlns:a16="http://schemas.microsoft.com/office/drawing/2014/main" val="10003"/>
+                  </a:ext>
+                </a:extLst>
+              </a:tr>
+            </a:tbl>
+          </a:graphicData>
+        </a:graphic>
+      </p:graphicFrame>
+      <p:sp>
+        <p:nvSpPr>
+          <p:cNvPr id="72736" name="Rectangle 31"/>
+          <p:cNvSpPr>
+            <a:spLocks noChangeArrowheads="1"/>
+          </p:cNvSpPr>
+          <p:nvPr/>
+        </p:nvSpPr>
+        <p:spPr bwMode="auto">
+          <a:xfrm>
+            <a:off x="1847850" y="3779192"/>
+            <a:ext cx="3887788" cy="2089150"/>
+          </a:xfrm>
+          <a:prstGeom prst="rect">
+            <a:avLst/>
+          </a:prstGeom>
+          <a:noFill/>
+          <a:ln>
+            <a:noFill/>
+          </a:ln>
+          <a:extLst>
+            <a:ext uri="{909E8E84-426E-40DD-AFC4-6F175D3DCCD1}">
+              <a14:hiddenFill xmlns:a14="http://schemas.microsoft.com/office/drawing/2010/main">
+                <a:solidFill>
+                  <a:srgbClr val="FFFFFF"/>
+                </a:solidFill>
+              </a14:hiddenFill>
+            </a:ext>
+            <a:ext uri="{91240B29-F687-4F45-9708-019B960494DF}">
+              <a14:hiddenLine xmlns:a14="http://schemas.microsoft.com/office/drawing/2010/main" w="9525">
+                <a:solidFill>
+                  <a:srgbClr val="000000"/>
+                </a:solidFill>
+                <a:miter lim="800000"/>
+                <a:headEnd/>
+                <a:tailEnd/>
+              </a14:hiddenLine>
+            </a:ext>
+          </a:extLst>
+        </p:spPr>
+        <p:txBody>
+          <a:bodyPr/>
+          <a:lstStyle>
+            <a:lvl1pPr marL="342900" indent="-342900">
+              <a:spcBef>
+                <a:spcPct val="20000"/>
+              </a:spcBef>
+              <a:buClr>
+                <a:schemeClr val="folHlink"/>
+              </a:buClr>
+              <a:buSzPct val="60000"/>
+              <a:buFont typeface="Wingdings" panose="05000000000000000000" pitchFamily="2" charset="2"/>
+              <a:buChar char="n"/>
+              <a:defRPr sz="3200">
+                <a:solidFill>
+                  <a:schemeClr val="tx1"/>
+                </a:solidFill>
+                <a:latin typeface="Arial" panose="020B0604020202020204" pitchFamily="34" charset="0"/>
+              </a:defRPr>
+            </a:lvl1pPr>
+            <a:lvl2pPr marL="742950" indent="-285750">
+              <a:spcBef>
+                <a:spcPct val="20000"/>
+              </a:spcBef>
+              <a:buClr>
+                <a:schemeClr val="hlink"/>
+              </a:buClr>
+              <a:buSzPct val="55000"/>
+              <a:buFont typeface="Wingdings" panose="05000000000000000000" pitchFamily="2" charset="2"/>
+              <a:buChar char="n"/>
+              <a:defRPr sz="2800">
+                <a:solidFill>
+                  <a:schemeClr val="tx1"/>
+                </a:solidFill>
+                <a:latin typeface="Arial" panose="020B0604020202020204" pitchFamily="34" charset="0"/>
+              </a:defRPr>
+            </a:lvl2pPr>
+            <a:lvl3pPr marL="1143000" indent="-228600">
+              <a:spcBef>
+                <a:spcPct val="20000"/>
+              </a:spcBef>
+              <a:buClr>
+                <a:schemeClr val="folHlink"/>
+              </a:buClr>
+              <a:buSzPct val="50000"/>
+              <a:buFont typeface="Wingdings" panose="05000000000000000000" pitchFamily="2" charset="2"/>
+              <a:buChar char="n"/>
+              <a:defRPr sz="2400">
+                <a:solidFill>
+                  <a:schemeClr val="tx1"/>
+                </a:solidFill>
+                <a:latin typeface="Arial" panose="020B0604020202020204" pitchFamily="34" charset="0"/>
+              </a:defRPr>
+            </a:lvl3pPr>
+            <a:lvl4pPr marL="1600200" indent="-228600">
+              <a:spcBef>
+                <a:spcPct val="20000"/>
+              </a:spcBef>
+              <a:buClr>
+                <a:schemeClr val="accent2"/>
+              </a:buClr>
+              <a:buSzPct val="55000"/>
+              <a:buFont typeface="Wingdings" panose="05000000000000000000" pitchFamily="2" charset="2"/>
+              <a:buChar char="n"/>
+              <a:defRPr sz="2000">
+                <a:solidFill>
+                  <a:schemeClr val="tx1"/>
+                </a:solidFill>
+                <a:latin typeface="Arial" panose="020B0604020202020204" pitchFamily="34" charset="0"/>
+              </a:defRPr>
+            </a:lvl4pPr>
+            <a:lvl5pPr marL="2057400" indent="-228600">
+              <a:spcBef>
+                <a:spcPct val="20000"/>
+              </a:spcBef>
+              <a:buClr>
+                <a:schemeClr val="accent1"/>
+              </a:buClr>
+              <a:buSzPct val="50000"/>
+              <a:buFont typeface="Wingdings" panose="05000000000000000000" pitchFamily="2" charset="2"/>
+              <a:buChar char="n"/>
+              <a:defRPr sz="2000">
+                <a:solidFill>
+                  <a:schemeClr val="tx1"/>
+                </a:solidFill>
+                <a:latin typeface="Arial" panose="020B0604020202020204" pitchFamily="34" charset="0"/>
+              </a:defRPr>
+            </a:lvl5pPr>
+            <a:lvl6pPr marL="2514600" indent="-228600" eaLnBrk="0" fontAlgn="base" hangingPunct="0">
+              <a:spcBef>
+                <a:spcPct val="20000"/>
+              </a:spcBef>
+              <a:spcAft>
+                <a:spcPct val="0"/>
+              </a:spcAft>
+              <a:buClr>
+                <a:schemeClr val="accent1"/>
+              </a:buClr>
+              <a:buSzPct val="50000"/>
+              <a:buFont typeface="Wingdings" panose="05000000000000000000" pitchFamily="2" charset="2"/>
+              <a:buChar char="n"/>
+              <a:defRPr sz="2000">
+                <a:solidFill>
+                  <a:schemeClr val="tx1"/>
+                </a:solidFill>
+                <a:latin typeface="Arial" panose="020B0604020202020204" pitchFamily="34" charset="0"/>
+              </a:defRPr>
+            </a:lvl6pPr>
+            <a:lvl7pPr marL="2971800" indent="-228600" eaLnBrk="0" fontAlgn="base" hangingPunct="0">
+              <a:spcBef>
+                <a:spcPct val="20000"/>
+              </a:spcBef>
+              <a:spcAft>
+                <a:spcPct val="0"/>
+              </a:spcAft>
+              <a:buClr>
+                <a:schemeClr val="accent1"/>
+              </a:buClr>
+              <a:buSzPct val="50000"/>
+              <a:buFont typeface="Wingdings" panose="05000000000000000000" pitchFamily="2" charset="2"/>
+              <a:buChar char="n"/>
+              <a:defRPr sz="2000">
+                <a:solidFill>
+                  <a:schemeClr val="tx1"/>
+                </a:solidFill>
+                <a:latin typeface="Arial" panose="020B0604020202020204" pitchFamily="34" charset="0"/>
+              </a:defRPr>
+            </a:lvl7pPr>
+            <a:lvl8pPr marL="3429000" indent="-228600" eaLnBrk="0" fontAlgn="base" hangingPunct="0">
+              <a:spcBef>
+                <a:spcPct val="20000"/>
+              </a:spcBef>
+              <a:spcAft>
+                <a:spcPct val="0"/>
+              </a:spcAft>
+              <a:buClr>
+                <a:schemeClr val="accent1"/>
+              </a:buClr>
+              <a:buSzPct val="50000"/>
+              <a:buFont typeface="Wingdings" panose="05000000000000000000" pitchFamily="2" charset="2"/>
+              <a:buChar char="n"/>
+              <a:defRPr sz="2000">
+                <a:solidFill>
+                  <a:schemeClr val="tx1"/>
+                </a:solidFill>
+                <a:latin typeface="Arial" panose="020B0604020202020204" pitchFamily="34" charset="0"/>
+              </a:defRPr>
+            </a:lvl8pPr>
+            <a:lvl9pPr marL="3886200" indent="-228600" eaLnBrk="0" fontAlgn="base" hangingPunct="0">
+              <a:spcBef>
+                <a:spcPct val="20000"/>
+              </a:spcBef>
+              <a:spcAft>
+                <a:spcPct val="0"/>
+              </a:spcAft>
+              <a:buClr>
+                <a:schemeClr val="accent1"/>
+              </a:buClr>
+              <a:buSzPct val="50000"/>
+              <a:buFont typeface="Wingdings" panose="05000000000000000000" pitchFamily="2" charset="2"/>
+              <a:buChar char="n"/>
+              <a:defRPr sz="2000">
+                <a:solidFill>
+                  <a:schemeClr val="tx1"/>
+                </a:solidFill>
+                <a:latin typeface="Arial" panose="020B0604020202020204" pitchFamily="34" charset="0"/>
+              </a:defRPr>
+            </a:lvl9pPr>
+          </a:lstStyle>
+          <a:p>
+            <a:pPr eaLnBrk="1" hangingPunct="1"/>
+            <a:r>
+              <a:rPr lang="en-US" altLang="en-US" sz="2800" dirty="0"/>
+              <a:t>Sequence 1: IC = 5</a:t>
+            </a:r>
+          </a:p>
+          <a:p>
+            <a:pPr lvl="1" eaLnBrk="1" hangingPunct="1"/>
+            <a:r>
+              <a:rPr lang="en-US" altLang="en-US" sz="2400" dirty="0"/>
+              <a:t>Clock Cycles</a:t>
+            </a:r>
+            <a:br>
+              <a:rPr lang="en-US" altLang="en-US" sz="2400" dirty="0"/>
+            </a:br>
+            <a:r>
+              <a:rPr lang="en-US" altLang="en-US" sz="2400" dirty="0"/>
+              <a:t>= 2×1 + 1×2 + 2×3</a:t>
+            </a:r>
+            <a:br>
+              <a:rPr lang="en-US" altLang="en-US" sz="2400" dirty="0"/>
+            </a:br>
+            <a:r>
+              <a:rPr lang="en-US" altLang="en-US" sz="2400" dirty="0"/>
+              <a:t>= 10</a:t>
+            </a:r>
+          </a:p>
+          <a:p>
+            <a:pPr lvl="1" eaLnBrk="1" hangingPunct="1"/>
+            <a:r>
+              <a:rPr lang="en-US" altLang="en-US" sz="2400" dirty="0"/>
+              <a:t>Avg. CPI = 10/5 = 2.0</a:t>
+            </a:r>
+          </a:p>
+        </p:txBody>
+      </p:sp>
+      <p:sp>
+        <p:nvSpPr>
+          <p:cNvPr id="72737" name="Rectangle 32"/>
+          <p:cNvSpPr>
+            <a:spLocks noChangeArrowheads="1"/>
+          </p:cNvSpPr>
+          <p:nvPr/>
+        </p:nvSpPr>
+        <p:spPr bwMode="auto">
+          <a:xfrm>
+            <a:off x="6096000" y="3779192"/>
+            <a:ext cx="3887788" cy="2089150"/>
+          </a:xfrm>
+          <a:prstGeom prst="rect">
+            <a:avLst/>
+          </a:prstGeom>
+          <a:noFill/>
+          <a:ln>
+            <a:noFill/>
+          </a:ln>
+          <a:extLst>
+            <a:ext uri="{909E8E84-426E-40DD-AFC4-6F175D3DCCD1}">
+              <a14:hiddenFill xmlns:a14="http://schemas.microsoft.com/office/drawing/2010/main">
+                <a:solidFill>
+                  <a:srgbClr val="FFFFFF"/>
+                </a:solidFill>
+              </a14:hiddenFill>
+            </a:ext>
+            <a:ext uri="{91240B29-F687-4F45-9708-019B960494DF}">
+              <a14:hiddenLine xmlns:a14="http://schemas.microsoft.com/office/drawing/2010/main" w="9525">
+                <a:solidFill>
+                  <a:srgbClr val="000000"/>
+                </a:solidFill>
+                <a:miter lim="800000"/>
+                <a:headEnd/>
+                <a:tailEnd/>
+              </a14:hiddenLine>
+            </a:ext>
+          </a:extLst>
+        </p:spPr>
+        <p:txBody>
+          <a:bodyPr/>
+          <a:lstStyle>
+            <a:lvl1pPr marL="342900" indent="-342900">
+              <a:spcBef>
+                <a:spcPct val="20000"/>
+              </a:spcBef>
+              <a:buClr>
+                <a:schemeClr val="folHlink"/>
+              </a:buClr>
+              <a:buSzPct val="60000"/>
+              <a:buFont typeface="Wingdings" panose="05000000000000000000" pitchFamily="2" charset="2"/>
+              <a:buChar char="n"/>
+              <a:defRPr sz="3200">
+                <a:solidFill>
+                  <a:schemeClr val="tx1"/>
+                </a:solidFill>
+                <a:latin typeface="Arial" panose="020B0604020202020204" pitchFamily="34" charset="0"/>
+              </a:defRPr>
+            </a:lvl1pPr>
+            <a:lvl2pPr marL="742950" indent="-285750">
+              <a:spcBef>
+                <a:spcPct val="20000"/>
+              </a:spcBef>
+              <a:buClr>
+                <a:schemeClr val="hlink"/>
+              </a:buClr>
+              <a:buSzPct val="55000"/>
+              <a:buFont typeface="Wingdings" panose="05000000000000000000" pitchFamily="2" charset="2"/>
+              <a:buChar char="n"/>
+              <a:defRPr sz="2800">
+                <a:solidFill>
+                  <a:schemeClr val="tx1"/>
+                </a:solidFill>
+                <a:latin typeface="Arial" panose="020B0604020202020204" pitchFamily="34" charset="0"/>
+              </a:defRPr>
+            </a:lvl2pPr>
+            <a:lvl3pPr marL="1143000" indent="-228600">
+              <a:spcBef>
+                <a:spcPct val="20000"/>
+              </a:spcBef>
+              <a:buClr>
+                <a:schemeClr val="folHlink"/>
+              </a:buClr>
+              <a:buSzPct val="50000"/>
+              <a:buFont typeface="Wingdings" panose="05000000000000000000" pitchFamily="2" charset="2"/>
+              <a:buChar char="n"/>
+              <a:defRPr sz="2400">
+                <a:solidFill>
+                  <a:schemeClr val="tx1"/>
+                </a:solidFill>
+                <a:latin typeface="Arial" panose="020B0604020202020204" pitchFamily="34" charset="0"/>
+              </a:defRPr>
+            </a:lvl3pPr>
+            <a:lvl4pPr marL="1600200" indent="-228600">
+              <a:spcBef>
+                <a:spcPct val="20000"/>
+              </a:spcBef>
+              <a:buClr>
+                <a:schemeClr val="accent2"/>
+              </a:buClr>
+              <a:buSzPct val="55000"/>
+              <a:buFont typeface="Wingdings" panose="05000000000000000000" pitchFamily="2" charset="2"/>
+              <a:buChar char="n"/>
+              <a:defRPr sz="2000">
+                <a:solidFill>
+                  <a:schemeClr val="tx1"/>
+                </a:solidFill>
+                <a:latin typeface="Arial" panose="020B0604020202020204" pitchFamily="34" charset="0"/>
+              </a:defRPr>
+            </a:lvl4pPr>
+            <a:lvl5pPr marL="2057400" indent="-228600">
+              <a:spcBef>
+                <a:spcPct val="20000"/>
+              </a:spcBef>
+              <a:buClr>
+                <a:schemeClr val="accent1"/>
+              </a:buClr>
+              <a:buSzPct val="50000"/>
+              <a:buFont typeface="Wingdings" panose="05000000000000000000" pitchFamily="2" charset="2"/>
+              <a:buChar char="n"/>
+              <a:defRPr sz="2000">
+                <a:solidFill>
+                  <a:schemeClr val="tx1"/>
+                </a:solidFill>
+                <a:latin typeface="Arial" panose="020B0604020202020204" pitchFamily="34" charset="0"/>
+              </a:defRPr>
+            </a:lvl5pPr>
+            <a:lvl6pPr marL="2514600" indent="-228600" eaLnBrk="0" fontAlgn="base" hangingPunct="0">
+              <a:spcBef>
+                <a:spcPct val="20000"/>
+              </a:spcBef>
+              <a:spcAft>
+                <a:spcPct val="0"/>
+              </a:spcAft>
+              <a:buClr>
+                <a:schemeClr val="accent1"/>
+              </a:buClr>
+              <a:buSzPct val="50000"/>
+              <a:buFont typeface="Wingdings" panose="05000000000000000000" pitchFamily="2" charset="2"/>
+              <a:buChar char="n"/>
+              <a:defRPr sz="2000">
+                <a:solidFill>
+                  <a:schemeClr val="tx1"/>
+                </a:solidFill>
+                <a:latin typeface="Arial" panose="020B0604020202020204" pitchFamily="34" charset="0"/>
+              </a:defRPr>
+            </a:lvl6pPr>
+            <a:lvl7pPr marL="2971800" indent="-228600" eaLnBrk="0" fontAlgn="base" hangingPunct="0">
+              <a:spcBef>
+                <a:spcPct val="20000"/>
+              </a:spcBef>
+              <a:spcAft>
+                <a:spcPct val="0"/>
+              </a:spcAft>
+              <a:buClr>
+                <a:schemeClr val="accent1"/>
+              </a:buClr>
+              <a:buSzPct val="50000"/>
+              <a:buFont typeface="Wingdings" panose="05000000000000000000" pitchFamily="2" charset="2"/>
+              <a:buChar char="n"/>
+              <a:defRPr sz="2000">
+                <a:solidFill>
+                  <a:schemeClr val="tx1"/>
+                </a:solidFill>
+                <a:latin typeface="Arial" panose="020B0604020202020204" pitchFamily="34" charset="0"/>
+              </a:defRPr>
+            </a:lvl7pPr>
+            <a:lvl8pPr marL="3429000" indent="-228600" eaLnBrk="0" fontAlgn="base" hangingPunct="0">
+              <a:spcBef>
+                <a:spcPct val="20000"/>
+              </a:spcBef>
+              <a:spcAft>
+                <a:spcPct val="0"/>
+              </a:spcAft>
+              <a:buClr>
+                <a:schemeClr val="accent1"/>
+              </a:buClr>
+              <a:buSzPct val="50000"/>
+              <a:buFont typeface="Wingdings" panose="05000000000000000000" pitchFamily="2" charset="2"/>
+              <a:buChar char="n"/>
+              <a:defRPr sz="2000">
+                <a:solidFill>
+                  <a:schemeClr val="tx1"/>
+                </a:solidFill>
+                <a:latin typeface="Arial" panose="020B0604020202020204" pitchFamily="34" charset="0"/>
+              </a:defRPr>
+            </a:lvl8pPr>
+            <a:lvl9pPr marL="3886200" indent="-228600" eaLnBrk="0" fontAlgn="base" hangingPunct="0">
+              <a:spcBef>
+                <a:spcPct val="20000"/>
+              </a:spcBef>
+              <a:spcAft>
+                <a:spcPct val="0"/>
+              </a:spcAft>
+              <a:buClr>
+                <a:schemeClr val="accent1"/>
+              </a:buClr>
+              <a:buSzPct val="50000"/>
+              <a:buFont typeface="Wingdings" panose="05000000000000000000" pitchFamily="2" charset="2"/>
+              <a:buChar char="n"/>
+              <a:defRPr sz="2000">
+                <a:solidFill>
+                  <a:schemeClr val="tx1"/>
+                </a:solidFill>
+                <a:latin typeface="Arial" panose="020B0604020202020204" pitchFamily="34" charset="0"/>
+              </a:defRPr>
+            </a:lvl9pPr>
+          </a:lstStyle>
+          <a:p>
+            <a:pPr eaLnBrk="1" hangingPunct="1"/>
+            <a:r>
+              <a:rPr lang="en-US" altLang="en-US" sz="2800"/>
+              <a:t>Sequence 2: IC = 6</a:t>
+            </a:r>
+          </a:p>
+          <a:p>
+            <a:pPr lvl="1" eaLnBrk="1" hangingPunct="1"/>
+            <a:r>
+              <a:rPr lang="en-US" altLang="en-US" sz="2400"/>
+              <a:t>Clock Cycles</a:t>
+            </a:r>
+            <a:br>
+              <a:rPr lang="en-US" altLang="en-US" sz="2400"/>
+            </a:br>
+            <a:r>
+              <a:rPr lang="en-US" altLang="en-US" sz="2400"/>
+              <a:t>= 4×1 + 1×2 + 1×3</a:t>
+            </a:r>
+            <a:br>
+              <a:rPr lang="en-US" altLang="en-US" sz="2400"/>
+            </a:br>
+            <a:r>
+              <a:rPr lang="en-US" altLang="en-US" sz="2400"/>
+              <a:t>= 9</a:t>
+            </a:r>
+          </a:p>
+          <a:p>
+            <a:pPr lvl="1" eaLnBrk="1" hangingPunct="1"/>
+            <a:r>
+              <a:rPr lang="en-US" altLang="en-US" sz="2400"/>
+              <a:t>Avg. CPI = 9/6 = 1.5</a:t>
+            </a:r>
+          </a:p>
+        </p:txBody>
+      </p:sp>
+    </p:spTree>
+    <p:extLst>
+      <p:ext uri="{BB962C8B-B14F-4D97-AF65-F5344CB8AC3E}">
+        <p14:creationId xmlns:p14="http://schemas.microsoft.com/office/powerpoint/2010/main" val="593806953"/>
+      </p:ext>
+    </p:extLst>
+  </p:cSld>
+  <p:clrMapOvr>
+    <a:masterClrMapping/>
+  </p:clrMapOvr>
+  <p:transition spd="med">
+    <p:random/>
+    <p:sndAc>
+      <p:stSnd>
+        <p:snd r:embed="rId3" name="chimes.wav"/>
       </p:stSnd>
     </p:sndAc>
   </p:transition>
